--- a/sfbaymap/Learning Graph Database-Neo4j.pptx
+++ b/sfbaymap/Learning Graph Database-Neo4j.pptx
@@ -1,29 +1,39 @@
 
 <file path=ppt/presentation.xml><?xml version="1.0" encoding="utf-8"?>
-<p:presentation xmlns:a="http://schemas.openxmlformats.org/drawingml/2006/main" xmlns:r="http://schemas.openxmlformats.org/officeDocument/2006/relationships" xmlns:p="http://schemas.openxmlformats.org/presentationml/2006/main" saveSubsetFonts="1" autoCompressPictures="0">
+<p:presentation xmlns:a="http://schemas.openxmlformats.org/drawingml/2006/main" xmlns:r="http://schemas.openxmlformats.org/officeDocument/2006/relationships" xmlns:p="http://schemas.openxmlformats.org/presentationml/2006/main" showSpecialPlsOnTitleSld="0" saveSubsetFonts="1" autoCompressPictures="0">
   <p:sldMasterIdLst>
     <p:sldMasterId id="2147483648" r:id="rId1"/>
   </p:sldMasterIdLst>
+  <p:notesMasterIdLst>
+    <p:notesMasterId r:id="rId25"/>
+  </p:notesMasterIdLst>
+  <p:handoutMasterIdLst>
+    <p:handoutMasterId r:id="rId26"/>
+  </p:handoutMasterIdLst>
   <p:sldIdLst>
     <p:sldId id="256" r:id="rId2"/>
-    <p:sldId id="257" r:id="rId3"/>
-    <p:sldId id="273" r:id="rId4"/>
+    <p:sldId id="273" r:id="rId3"/>
+    <p:sldId id="257" r:id="rId4"/>
     <p:sldId id="258" r:id="rId5"/>
-    <p:sldId id="260" r:id="rId6"/>
-    <p:sldId id="259" r:id="rId7"/>
-    <p:sldId id="265" r:id="rId8"/>
-    <p:sldId id="264" r:id="rId9"/>
-    <p:sldId id="261" r:id="rId10"/>
-    <p:sldId id="274" r:id="rId11"/>
-    <p:sldId id="262" r:id="rId12"/>
-    <p:sldId id="263" r:id="rId13"/>
+    <p:sldId id="259" r:id="rId6"/>
+    <p:sldId id="265" r:id="rId7"/>
+    <p:sldId id="264" r:id="rId8"/>
+    <p:sldId id="261" r:id="rId9"/>
+    <p:sldId id="274" r:id="rId10"/>
+    <p:sldId id="262" r:id="rId11"/>
+    <p:sldId id="263" r:id="rId12"/>
+    <p:sldId id="275" r:id="rId13"/>
     <p:sldId id="268" r:id="rId14"/>
     <p:sldId id="269" r:id="rId15"/>
     <p:sldId id="266" r:id="rId16"/>
     <p:sldId id="267" r:id="rId17"/>
-    <p:sldId id="270" r:id="rId18"/>
-    <p:sldId id="271" r:id="rId19"/>
-    <p:sldId id="272" r:id="rId20"/>
+    <p:sldId id="279" r:id="rId18"/>
+    <p:sldId id="276" r:id="rId19"/>
+    <p:sldId id="278" r:id="rId20"/>
+    <p:sldId id="270" r:id="rId21"/>
+    <p:sldId id="271" r:id="rId22"/>
+    <p:sldId id="260" r:id="rId23"/>
+    <p:sldId id="272" r:id="rId24"/>
   </p:sldIdLst>
   <p:sldSz cx="9144000" cy="6858000" type="screen4x3"/>
   <p:notesSz cx="6858000" cy="9144000"/>
@@ -125,6 +135,1025 @@
 </p:presentation>
 </file>
 
+<file path=ppt/handoutMasters/handoutMaster1.xml><?xml version="1.0" encoding="utf-8"?>
+<p:handoutMaster xmlns:a="http://schemas.openxmlformats.org/drawingml/2006/main" xmlns:r="http://schemas.openxmlformats.org/officeDocument/2006/relationships" xmlns:p="http://schemas.openxmlformats.org/presentationml/2006/main">
+  <p:cSld>
+    <p:bg>
+      <p:bgRef idx="1001">
+        <a:schemeClr val="bg1"/>
+      </p:bgRef>
+    </p:bg>
+    <p:spTree>
+      <p:nvGrpSpPr>
+        <p:cNvPr id="1" name=""/>
+        <p:cNvGrpSpPr/>
+        <p:nvPr/>
+      </p:nvGrpSpPr>
+      <p:grpSpPr>
+        <a:xfrm>
+          <a:off x="0" y="0"/>
+          <a:ext cx="0" cy="0"/>
+          <a:chOff x="0" y="0"/>
+          <a:chExt cx="0" cy="0"/>
+        </a:xfrm>
+      </p:grpSpPr>
+      <p:sp>
+        <p:nvSpPr>
+          <p:cNvPr id="2" name="Header Placeholder 1"/>
+          <p:cNvSpPr>
+            <a:spLocks noGrp="1"/>
+          </p:cNvSpPr>
+          <p:nvPr>
+            <p:ph type="hdr" sz="quarter"/>
+          </p:nvPr>
+        </p:nvSpPr>
+        <p:spPr>
+          <a:xfrm>
+            <a:off x="0" y="0"/>
+            <a:ext cx="2971800" cy="457200"/>
+          </a:xfrm>
+          <a:prstGeom prst="rect">
+            <a:avLst/>
+          </a:prstGeom>
+        </p:spPr>
+        <p:txBody>
+          <a:bodyPr vert="horz" lIns="91440" tIns="45720" rIns="91440" bIns="45720" rtlCol="0"/>
+          <a:lstStyle>
+            <a:lvl1pPr algn="l">
+              <a:defRPr sz="1200"/>
+            </a:lvl1pPr>
+          </a:lstStyle>
+          <a:p>
+            <a:endParaRPr lang="en-US"/>
+          </a:p>
+        </p:txBody>
+      </p:sp>
+      <p:sp>
+        <p:nvSpPr>
+          <p:cNvPr id="3" name="Date Placeholder 2"/>
+          <p:cNvSpPr>
+            <a:spLocks noGrp="1"/>
+          </p:cNvSpPr>
+          <p:nvPr>
+            <p:ph type="dt" sz="quarter" idx="1"/>
+          </p:nvPr>
+        </p:nvSpPr>
+        <p:spPr>
+          <a:xfrm>
+            <a:off x="3884613" y="0"/>
+            <a:ext cx="2971800" cy="457200"/>
+          </a:xfrm>
+          <a:prstGeom prst="rect">
+            <a:avLst/>
+          </a:prstGeom>
+        </p:spPr>
+        <p:txBody>
+          <a:bodyPr vert="horz" lIns="91440" tIns="45720" rIns="91440" bIns="45720" rtlCol="0"/>
+          <a:lstStyle>
+            <a:lvl1pPr algn="r">
+              <a:defRPr sz="1200"/>
+            </a:lvl1pPr>
+          </a:lstStyle>
+          <a:p>
+            <a:fld id="{7BE2589C-AF41-2B49-B750-81ED2083E613}" type="datetimeFigureOut">
+              <a:rPr lang="en-US" smtClean="0"/>
+              <a:t>9/2/14</a:t>
+            </a:fld>
+            <a:endParaRPr lang="en-US"/>
+          </a:p>
+        </p:txBody>
+      </p:sp>
+      <p:sp>
+        <p:nvSpPr>
+          <p:cNvPr id="4" name="Footer Placeholder 3"/>
+          <p:cNvSpPr>
+            <a:spLocks noGrp="1"/>
+          </p:cNvSpPr>
+          <p:nvPr>
+            <p:ph type="ftr" sz="quarter" idx="2"/>
+          </p:nvPr>
+        </p:nvSpPr>
+        <p:spPr>
+          <a:xfrm>
+            <a:off x="0" y="8685213"/>
+            <a:ext cx="2971800" cy="457200"/>
+          </a:xfrm>
+          <a:prstGeom prst="rect">
+            <a:avLst/>
+          </a:prstGeom>
+        </p:spPr>
+        <p:txBody>
+          <a:bodyPr vert="horz" lIns="91440" tIns="45720" rIns="91440" bIns="45720" rtlCol="0" anchor="b"/>
+          <a:lstStyle>
+            <a:lvl1pPr algn="l">
+              <a:defRPr sz="1200"/>
+            </a:lvl1pPr>
+          </a:lstStyle>
+          <a:p>
+            <a:endParaRPr lang="en-US"/>
+          </a:p>
+        </p:txBody>
+      </p:sp>
+      <p:sp>
+        <p:nvSpPr>
+          <p:cNvPr id="5" name="Slide Number Placeholder 4"/>
+          <p:cNvSpPr>
+            <a:spLocks noGrp="1"/>
+          </p:cNvSpPr>
+          <p:nvPr>
+            <p:ph type="sldNum" sz="quarter" idx="3"/>
+          </p:nvPr>
+        </p:nvSpPr>
+        <p:spPr>
+          <a:xfrm>
+            <a:off x="3884613" y="8685213"/>
+            <a:ext cx="2971800" cy="457200"/>
+          </a:xfrm>
+          <a:prstGeom prst="rect">
+            <a:avLst/>
+          </a:prstGeom>
+        </p:spPr>
+        <p:txBody>
+          <a:bodyPr vert="horz" lIns="91440" tIns="45720" rIns="91440" bIns="45720" rtlCol="0" anchor="b"/>
+          <a:lstStyle>
+            <a:lvl1pPr algn="r">
+              <a:defRPr sz="1200"/>
+            </a:lvl1pPr>
+          </a:lstStyle>
+          <a:p>
+            <a:fld id="{F8168D97-C288-314A-8850-20278D42A99E}" type="slidenum">
+              <a:rPr lang="en-US" smtClean="0"/>
+              <a:t>‹#›</a:t>
+            </a:fld>
+            <a:endParaRPr lang="en-US"/>
+          </a:p>
+        </p:txBody>
+      </p:sp>
+    </p:spTree>
+    <p:extLst>
+      <p:ext uri="{BB962C8B-B14F-4D97-AF65-F5344CB8AC3E}">
+        <p14:creationId xmlns:p14="http://schemas.microsoft.com/office/powerpoint/2010/main" val="872399040"/>
+      </p:ext>
+    </p:extLst>
+  </p:cSld>
+  <p:clrMap bg1="lt1" tx1="dk1" bg2="lt2" tx2="dk2" accent1="accent1" accent2="accent2" accent3="accent3" accent4="accent4" accent5="accent5" accent6="accent6" hlink="hlink" folHlink="folHlink"/>
+  <p:hf hdr="0" ftr="0" dt="0"/>
+</p:handoutMaster>
+</file>
+
+<file path=ppt/notesMasters/notesMaster1.xml><?xml version="1.0" encoding="utf-8"?>
+<p:notesMaster xmlns:a="http://schemas.openxmlformats.org/drawingml/2006/main" xmlns:r="http://schemas.openxmlformats.org/officeDocument/2006/relationships" xmlns:p="http://schemas.openxmlformats.org/presentationml/2006/main">
+  <p:cSld>
+    <p:bg>
+      <p:bgRef idx="1001">
+        <a:schemeClr val="bg1"/>
+      </p:bgRef>
+    </p:bg>
+    <p:spTree>
+      <p:nvGrpSpPr>
+        <p:cNvPr id="1" name=""/>
+        <p:cNvGrpSpPr/>
+        <p:nvPr/>
+      </p:nvGrpSpPr>
+      <p:grpSpPr>
+        <a:xfrm>
+          <a:off x="0" y="0"/>
+          <a:ext cx="0" cy="0"/>
+          <a:chOff x="0" y="0"/>
+          <a:chExt cx="0" cy="0"/>
+        </a:xfrm>
+      </p:grpSpPr>
+      <p:sp>
+        <p:nvSpPr>
+          <p:cNvPr id="2" name="Header Placeholder 1"/>
+          <p:cNvSpPr>
+            <a:spLocks noGrp="1"/>
+          </p:cNvSpPr>
+          <p:nvPr>
+            <p:ph type="hdr" sz="quarter"/>
+          </p:nvPr>
+        </p:nvSpPr>
+        <p:spPr>
+          <a:xfrm>
+            <a:off x="0" y="0"/>
+            <a:ext cx="2971800" cy="457200"/>
+          </a:xfrm>
+          <a:prstGeom prst="rect">
+            <a:avLst/>
+          </a:prstGeom>
+        </p:spPr>
+        <p:txBody>
+          <a:bodyPr vert="horz" lIns="91440" tIns="45720" rIns="91440" bIns="45720" rtlCol="0"/>
+          <a:lstStyle>
+            <a:lvl1pPr algn="l">
+              <a:defRPr sz="1200"/>
+            </a:lvl1pPr>
+          </a:lstStyle>
+          <a:p>
+            <a:endParaRPr lang="en-US"/>
+          </a:p>
+        </p:txBody>
+      </p:sp>
+      <p:sp>
+        <p:nvSpPr>
+          <p:cNvPr id="3" name="Date Placeholder 2"/>
+          <p:cNvSpPr>
+            <a:spLocks noGrp="1"/>
+          </p:cNvSpPr>
+          <p:nvPr>
+            <p:ph type="dt" idx="1"/>
+          </p:nvPr>
+        </p:nvSpPr>
+        <p:spPr>
+          <a:xfrm>
+            <a:off x="3884613" y="0"/>
+            <a:ext cx="2971800" cy="457200"/>
+          </a:xfrm>
+          <a:prstGeom prst="rect">
+            <a:avLst/>
+          </a:prstGeom>
+        </p:spPr>
+        <p:txBody>
+          <a:bodyPr vert="horz" lIns="91440" tIns="45720" rIns="91440" bIns="45720" rtlCol="0"/>
+          <a:lstStyle>
+            <a:lvl1pPr algn="r">
+              <a:defRPr sz="1200"/>
+            </a:lvl1pPr>
+          </a:lstStyle>
+          <a:p>
+            <a:fld id="{72939C99-4E2F-624A-BDCC-492229853810}" type="datetimeFigureOut">
+              <a:rPr lang="en-US" smtClean="0"/>
+              <a:t>9/2/14</a:t>
+            </a:fld>
+            <a:endParaRPr lang="en-US"/>
+          </a:p>
+        </p:txBody>
+      </p:sp>
+      <p:sp>
+        <p:nvSpPr>
+          <p:cNvPr id="4" name="Slide Image Placeholder 3"/>
+          <p:cNvSpPr>
+            <a:spLocks noGrp="1" noRot="1" noChangeAspect="1"/>
+          </p:cNvSpPr>
+          <p:nvPr>
+            <p:ph type="sldImg" idx="2"/>
+          </p:nvPr>
+        </p:nvSpPr>
+        <p:spPr>
+          <a:xfrm>
+            <a:off x="1143000" y="685800"/>
+            <a:ext cx="4572000" cy="3429000"/>
+          </a:xfrm>
+          <a:prstGeom prst="rect">
+            <a:avLst/>
+          </a:prstGeom>
+          <a:noFill/>
+          <a:ln w="12700">
+            <a:solidFill>
+              <a:prstClr val="black"/>
+            </a:solidFill>
+          </a:ln>
+        </p:spPr>
+        <p:txBody>
+          <a:bodyPr vert="horz" lIns="91440" tIns="45720" rIns="91440" bIns="45720" rtlCol="0" anchor="ctr"/>
+          <a:lstStyle/>
+          <a:p>
+            <a:endParaRPr lang="en-US"/>
+          </a:p>
+        </p:txBody>
+      </p:sp>
+      <p:sp>
+        <p:nvSpPr>
+          <p:cNvPr id="5" name="Notes Placeholder 4"/>
+          <p:cNvSpPr>
+            <a:spLocks noGrp="1"/>
+          </p:cNvSpPr>
+          <p:nvPr>
+            <p:ph type="body" sz="quarter" idx="3"/>
+          </p:nvPr>
+        </p:nvSpPr>
+        <p:spPr>
+          <a:xfrm>
+            <a:off x="685800" y="4343400"/>
+            <a:ext cx="5486400" cy="4114800"/>
+          </a:xfrm>
+          <a:prstGeom prst="rect">
+            <a:avLst/>
+          </a:prstGeom>
+        </p:spPr>
+        <p:txBody>
+          <a:bodyPr vert="horz" lIns="91440" tIns="45720" rIns="91440" bIns="45720" rtlCol="0"/>
+          <a:lstStyle/>
+          <a:p>
+            <a:pPr lvl="0"/>
+            <a:r>
+              <a:rPr lang="en-US" smtClean="0"/>
+              <a:t>Click to edit Master text styles</a:t>
+            </a:r>
+          </a:p>
+          <a:p>
+            <a:pPr lvl="1"/>
+            <a:r>
+              <a:rPr lang="en-US" smtClean="0"/>
+              <a:t>Second level</a:t>
+            </a:r>
+          </a:p>
+          <a:p>
+            <a:pPr lvl="2"/>
+            <a:r>
+              <a:rPr lang="en-US" smtClean="0"/>
+              <a:t>Third level</a:t>
+            </a:r>
+          </a:p>
+          <a:p>
+            <a:pPr lvl="3"/>
+            <a:r>
+              <a:rPr lang="en-US" smtClean="0"/>
+              <a:t>Fourth level</a:t>
+            </a:r>
+          </a:p>
+          <a:p>
+            <a:pPr lvl="4"/>
+            <a:r>
+              <a:rPr lang="en-US" smtClean="0"/>
+              <a:t>Fifth level</a:t>
+            </a:r>
+            <a:endParaRPr lang="en-US"/>
+          </a:p>
+        </p:txBody>
+      </p:sp>
+      <p:sp>
+        <p:nvSpPr>
+          <p:cNvPr id="6" name="Footer Placeholder 5"/>
+          <p:cNvSpPr>
+            <a:spLocks noGrp="1"/>
+          </p:cNvSpPr>
+          <p:nvPr>
+            <p:ph type="ftr" sz="quarter" idx="4"/>
+          </p:nvPr>
+        </p:nvSpPr>
+        <p:spPr>
+          <a:xfrm>
+            <a:off x="0" y="8685213"/>
+            <a:ext cx="2971800" cy="457200"/>
+          </a:xfrm>
+          <a:prstGeom prst="rect">
+            <a:avLst/>
+          </a:prstGeom>
+        </p:spPr>
+        <p:txBody>
+          <a:bodyPr vert="horz" lIns="91440" tIns="45720" rIns="91440" bIns="45720" rtlCol="0" anchor="b"/>
+          <a:lstStyle>
+            <a:lvl1pPr algn="l">
+              <a:defRPr sz="1200"/>
+            </a:lvl1pPr>
+          </a:lstStyle>
+          <a:p>
+            <a:endParaRPr lang="en-US"/>
+          </a:p>
+        </p:txBody>
+      </p:sp>
+      <p:sp>
+        <p:nvSpPr>
+          <p:cNvPr id="7" name="Slide Number Placeholder 6"/>
+          <p:cNvSpPr>
+            <a:spLocks noGrp="1"/>
+          </p:cNvSpPr>
+          <p:nvPr>
+            <p:ph type="sldNum" sz="quarter" idx="5"/>
+          </p:nvPr>
+        </p:nvSpPr>
+        <p:spPr>
+          <a:xfrm>
+            <a:off x="3884613" y="8685213"/>
+            <a:ext cx="2971800" cy="457200"/>
+          </a:xfrm>
+          <a:prstGeom prst="rect">
+            <a:avLst/>
+          </a:prstGeom>
+        </p:spPr>
+        <p:txBody>
+          <a:bodyPr vert="horz" lIns="91440" tIns="45720" rIns="91440" bIns="45720" rtlCol="0" anchor="b"/>
+          <a:lstStyle>
+            <a:lvl1pPr algn="r">
+              <a:defRPr sz="1200"/>
+            </a:lvl1pPr>
+          </a:lstStyle>
+          <a:p>
+            <a:fld id="{AE8ED86A-BB50-0D4F-9BDD-84981D2DA59C}" type="slidenum">
+              <a:rPr lang="en-US" smtClean="0"/>
+              <a:t>‹#›</a:t>
+            </a:fld>
+            <a:endParaRPr lang="en-US"/>
+          </a:p>
+        </p:txBody>
+      </p:sp>
+    </p:spTree>
+    <p:extLst>
+      <p:ext uri="{BB962C8B-B14F-4D97-AF65-F5344CB8AC3E}">
+        <p14:creationId xmlns:p14="http://schemas.microsoft.com/office/powerpoint/2010/main" val="3183141165"/>
+      </p:ext>
+    </p:extLst>
+  </p:cSld>
+  <p:clrMap bg1="lt1" tx1="dk1" bg2="lt2" tx2="dk2" accent1="accent1" accent2="accent2" accent3="accent3" accent4="accent4" accent5="accent5" accent6="accent6" hlink="hlink" folHlink="folHlink"/>
+  <p:hf hdr="0" ftr="0" dt="0"/>
+  <p:notesStyle>
+    <a:lvl1pPr marL="0" algn="l" defTabSz="457200" rtl="0" eaLnBrk="1" latinLnBrk="0" hangingPunct="1">
+      <a:defRPr sz="1200" kern="1200">
+        <a:solidFill>
+          <a:schemeClr val="tx1"/>
+        </a:solidFill>
+        <a:latin typeface="+mn-lt"/>
+        <a:ea typeface="+mn-ea"/>
+        <a:cs typeface="+mn-cs"/>
+      </a:defRPr>
+    </a:lvl1pPr>
+    <a:lvl2pPr marL="457200" algn="l" defTabSz="457200" rtl="0" eaLnBrk="1" latinLnBrk="0" hangingPunct="1">
+      <a:defRPr sz="1200" kern="1200">
+        <a:solidFill>
+          <a:schemeClr val="tx1"/>
+        </a:solidFill>
+        <a:latin typeface="+mn-lt"/>
+        <a:ea typeface="+mn-ea"/>
+        <a:cs typeface="+mn-cs"/>
+      </a:defRPr>
+    </a:lvl2pPr>
+    <a:lvl3pPr marL="914400" algn="l" defTabSz="457200" rtl="0" eaLnBrk="1" latinLnBrk="0" hangingPunct="1">
+      <a:defRPr sz="1200" kern="1200">
+        <a:solidFill>
+          <a:schemeClr val="tx1"/>
+        </a:solidFill>
+        <a:latin typeface="+mn-lt"/>
+        <a:ea typeface="+mn-ea"/>
+        <a:cs typeface="+mn-cs"/>
+      </a:defRPr>
+    </a:lvl3pPr>
+    <a:lvl4pPr marL="1371600" algn="l" defTabSz="457200" rtl="0" eaLnBrk="1" latinLnBrk="0" hangingPunct="1">
+      <a:defRPr sz="1200" kern="1200">
+        <a:solidFill>
+          <a:schemeClr val="tx1"/>
+        </a:solidFill>
+        <a:latin typeface="+mn-lt"/>
+        <a:ea typeface="+mn-ea"/>
+        <a:cs typeface="+mn-cs"/>
+      </a:defRPr>
+    </a:lvl4pPr>
+    <a:lvl5pPr marL="1828800" algn="l" defTabSz="457200" rtl="0" eaLnBrk="1" latinLnBrk="0" hangingPunct="1">
+      <a:defRPr sz="1200" kern="1200">
+        <a:solidFill>
+          <a:schemeClr val="tx1"/>
+        </a:solidFill>
+        <a:latin typeface="+mn-lt"/>
+        <a:ea typeface="+mn-ea"/>
+        <a:cs typeface="+mn-cs"/>
+      </a:defRPr>
+    </a:lvl5pPr>
+    <a:lvl6pPr marL="2286000" algn="l" defTabSz="457200" rtl="0" eaLnBrk="1" latinLnBrk="0" hangingPunct="1">
+      <a:defRPr sz="1200" kern="1200">
+        <a:solidFill>
+          <a:schemeClr val="tx1"/>
+        </a:solidFill>
+        <a:latin typeface="+mn-lt"/>
+        <a:ea typeface="+mn-ea"/>
+        <a:cs typeface="+mn-cs"/>
+      </a:defRPr>
+    </a:lvl6pPr>
+    <a:lvl7pPr marL="2743200" algn="l" defTabSz="457200" rtl="0" eaLnBrk="1" latinLnBrk="0" hangingPunct="1">
+      <a:defRPr sz="1200" kern="1200">
+        <a:solidFill>
+          <a:schemeClr val="tx1"/>
+        </a:solidFill>
+        <a:latin typeface="+mn-lt"/>
+        <a:ea typeface="+mn-ea"/>
+        <a:cs typeface="+mn-cs"/>
+      </a:defRPr>
+    </a:lvl7pPr>
+    <a:lvl8pPr marL="3200400" algn="l" defTabSz="457200" rtl="0" eaLnBrk="1" latinLnBrk="0" hangingPunct="1">
+      <a:defRPr sz="1200" kern="1200">
+        <a:solidFill>
+          <a:schemeClr val="tx1"/>
+        </a:solidFill>
+        <a:latin typeface="+mn-lt"/>
+        <a:ea typeface="+mn-ea"/>
+        <a:cs typeface="+mn-cs"/>
+      </a:defRPr>
+    </a:lvl8pPr>
+    <a:lvl9pPr marL="3657600" algn="l" defTabSz="457200" rtl="0" eaLnBrk="1" latinLnBrk="0" hangingPunct="1">
+      <a:defRPr sz="1200" kern="1200">
+        <a:solidFill>
+          <a:schemeClr val="tx1"/>
+        </a:solidFill>
+        <a:latin typeface="+mn-lt"/>
+        <a:ea typeface="+mn-ea"/>
+        <a:cs typeface="+mn-cs"/>
+      </a:defRPr>
+    </a:lvl9pPr>
+  </p:notesStyle>
+</p:notesMaster>
+</file>
+
+<file path=ppt/notesSlides/notesSlide1.xml><?xml version="1.0" encoding="utf-8"?>
+<p:notes xmlns:a="http://schemas.openxmlformats.org/drawingml/2006/main" xmlns:r="http://schemas.openxmlformats.org/officeDocument/2006/relationships" xmlns:p="http://schemas.openxmlformats.org/presentationml/2006/main">
+  <p:cSld>
+    <p:spTree>
+      <p:nvGrpSpPr>
+        <p:cNvPr id="1" name=""/>
+        <p:cNvGrpSpPr/>
+        <p:nvPr/>
+      </p:nvGrpSpPr>
+      <p:grpSpPr>
+        <a:xfrm>
+          <a:off x="0" y="0"/>
+          <a:ext cx="0" cy="0"/>
+          <a:chOff x="0" y="0"/>
+          <a:chExt cx="0" cy="0"/>
+        </a:xfrm>
+      </p:grpSpPr>
+      <p:sp>
+        <p:nvSpPr>
+          <p:cNvPr id="33793" name="Rectangle 1"/>
+          <p:cNvSpPr>
+            <a:spLocks noGrp="1" noRot="1" noChangeAspect="1" noChangeArrowheads="1"/>
+          </p:cNvSpPr>
+          <p:nvPr>
+            <p:ph type="sldImg"/>
+          </p:nvPr>
+        </p:nvSpPr>
+        <p:spPr>
+          <a:xfrm>
+            <a:off x="381000" y="685800"/>
+            <a:ext cx="6096000" cy="3429000"/>
+          </a:xfrm>
+          <a:solidFill>
+            <a:srgbClr val="FFFFFF"/>
+          </a:solidFill>
+          <a:ln/>
+        </p:spPr>
+      </p:sp>
+      <p:sp>
+        <p:nvSpPr>
+          <p:cNvPr id="33794" name="Rectangle 2"/>
+          <p:cNvSpPr>
+            <a:spLocks noGrp="1" noChangeArrowheads="1"/>
+          </p:cNvSpPr>
+          <p:nvPr>
+            <p:ph type="body" idx="1"/>
+          </p:nvPr>
+        </p:nvSpPr>
+        <p:spPr>
+          <a:ln/>
+        </p:spPr>
+        <p:txBody>
+          <a:bodyPr/>
+          <a:lstStyle/>
+          <a:p>
+            <a:pPr eaLnBrk="1" hangingPunct="1">
+              <a:spcBef>
+                <a:spcPts val="1000"/>
+              </a:spcBef>
+              <a:defRPr/>
+            </a:pPr>
+            <a:r>
+              <a:rPr lang="en-US" sz="1600" dirty="0" smtClean="0">
+                <a:latin typeface="Lucida Grande" charset="0"/>
+                <a:cs typeface="Lucida Grande" charset="0"/>
+                <a:sym typeface="Lucida Grande" charset="0"/>
+              </a:rPr>
+              <a:t>Quiz: </a:t>
+            </a:r>
+            <a:r>
+              <a:rPr lang="ja-JP" altLang="en-US" sz="1600" dirty="0" smtClean="0">
+                <a:latin typeface="Arial"/>
+                <a:cs typeface="Lucida Grande" charset="0"/>
+                <a:sym typeface="Lucida Grande" charset="0"/>
+              </a:rPr>
+              <a:t>“</a:t>
+            </a:r>
+            <a:r>
+              <a:rPr lang="en-US" sz="1600" dirty="0" smtClean="0">
+                <a:latin typeface="Lucida Grande" charset="0"/>
+                <a:cs typeface="Lucida Grande" charset="0"/>
+                <a:sym typeface="Lucida Grande" charset="0"/>
+              </a:rPr>
+              <a:t>Who knows the current name of </a:t>
+            </a:r>
+            <a:r>
+              <a:rPr lang="en-US" sz="1600" dirty="0" err="1" smtClean="0">
+                <a:latin typeface="Lucida Grande" charset="0"/>
+                <a:cs typeface="Lucida Grande" charset="0"/>
+                <a:sym typeface="Lucida Grande" charset="0"/>
+              </a:rPr>
+              <a:t>Königsberg</a:t>
+            </a:r>
+            <a:r>
+              <a:rPr lang="en-US" sz="1600" dirty="0" smtClean="0">
+                <a:latin typeface="Lucida Grande" charset="0"/>
+                <a:cs typeface="Lucida Grande" charset="0"/>
+                <a:sym typeface="Lucida Grande" charset="0"/>
+              </a:rPr>
+              <a:t>?</a:t>
+            </a:r>
+            <a:r>
+              <a:rPr lang="ja-JP" altLang="en-US" sz="1600" dirty="0" smtClean="0">
+                <a:latin typeface="Arial"/>
+                <a:cs typeface="Lucida Grande" charset="0"/>
+                <a:sym typeface="Lucida Grande" charset="0"/>
+              </a:rPr>
+              <a:t>”</a:t>
+            </a:r>
+            <a:r>
+              <a:rPr lang="en-US" sz="1600" dirty="0" smtClean="0">
+                <a:latin typeface="Lucida Grande" charset="0"/>
+                <a:cs typeface="Lucida Grande" charset="0"/>
+                <a:sym typeface="Lucida Grande" charset="0"/>
+              </a:rPr>
+              <a:t> - Answer: Kaliningrad.</a:t>
+            </a:r>
+          </a:p>
+          <a:p>
+            <a:pPr eaLnBrk="1" hangingPunct="1">
+              <a:spcBef>
+                <a:spcPts val="1000"/>
+              </a:spcBef>
+              <a:defRPr/>
+            </a:pPr>
+            <a:r>
+              <a:rPr lang="en-US" sz="1600" dirty="0" smtClean="0">
+                <a:latin typeface="Lucida Grande" charset="0"/>
+                <a:cs typeface="Lucida Grande" charset="0"/>
+                <a:sym typeface="Lucida Grande" charset="0"/>
+              </a:rPr>
+              <a:t>Euler lived in </a:t>
+            </a:r>
+            <a:r>
+              <a:rPr lang="en-US" sz="1600" dirty="0" err="1" smtClean="0">
+                <a:latin typeface="Lucida Grande" charset="0"/>
+                <a:cs typeface="Lucida Grande" charset="0"/>
+                <a:sym typeface="Lucida Grande" charset="0"/>
+              </a:rPr>
+              <a:t>Königsberg</a:t>
+            </a:r>
+            <a:r>
+              <a:rPr lang="en-US" sz="1600" dirty="0" smtClean="0">
+                <a:latin typeface="Lucida Grande" charset="0"/>
+                <a:cs typeface="Lucida Grande" charset="0"/>
+                <a:sym typeface="Lucida Grande" charset="0"/>
+              </a:rPr>
+              <a:t> for a while, and in 1736 he created and solved the problem known as the </a:t>
+            </a:r>
+            <a:r>
+              <a:rPr lang="ja-JP" altLang="en-US" sz="1600" dirty="0" smtClean="0">
+                <a:latin typeface="Arial"/>
+                <a:cs typeface="Lucida Grande" charset="0"/>
+                <a:sym typeface="Lucida Grande" charset="0"/>
+              </a:rPr>
+              <a:t>“</a:t>
+            </a:r>
+            <a:r>
+              <a:rPr lang="en-US" sz="1600" dirty="0" smtClean="0">
+                <a:latin typeface="Lucida Grande" charset="0"/>
+                <a:cs typeface="Lucida Grande" charset="0"/>
+                <a:sym typeface="Lucida Grande" charset="0"/>
+              </a:rPr>
+              <a:t>7 Bridges of </a:t>
+            </a:r>
+            <a:r>
+              <a:rPr lang="en-US" sz="1600" dirty="0" err="1" smtClean="0">
+                <a:latin typeface="Lucida Grande" charset="0"/>
+                <a:cs typeface="Lucida Grande" charset="0"/>
+                <a:sym typeface="Lucida Grande" charset="0"/>
+              </a:rPr>
+              <a:t>Königsberg</a:t>
+            </a:r>
+            <a:r>
+              <a:rPr lang="ja-JP" altLang="en-US" sz="1600" dirty="0" smtClean="0">
+                <a:latin typeface="Arial"/>
+                <a:cs typeface="Lucida Grande" charset="0"/>
+                <a:sym typeface="Lucida Grande" charset="0"/>
+              </a:rPr>
+              <a:t>”</a:t>
+            </a:r>
+            <a:r>
+              <a:rPr lang="en-US" sz="1600" dirty="0" smtClean="0">
+                <a:latin typeface="Lucida Grande" charset="0"/>
+                <a:cs typeface="Lucida Grande" charset="0"/>
+                <a:sym typeface="Lucida Grande" charset="0"/>
+              </a:rPr>
+              <a:t>. The problem is to decide whether it is possible to follow a path that crosses each bridge exactly once and return to the starting point. This problem was the first study of graph theory.</a:t>
+            </a:r>
+          </a:p>
+          <a:p>
+            <a:pPr eaLnBrk="1" hangingPunct="1">
+              <a:spcBef>
+                <a:spcPts val="1000"/>
+              </a:spcBef>
+              <a:defRPr/>
+            </a:pPr>
+            <a:r>
+              <a:rPr lang="en-US" sz="1600" dirty="0" err="1" smtClean="0">
+                <a:latin typeface="Lucida Grande" charset="0"/>
+                <a:cs typeface="Lucida Grande" charset="0"/>
+                <a:sym typeface="Lucida Grande" charset="0"/>
+              </a:rPr>
+              <a:t>Königsberg</a:t>
+            </a:r>
+            <a:r>
+              <a:rPr lang="en-US" sz="1600" dirty="0" smtClean="0">
+                <a:latin typeface="Lucida Grande" charset="0"/>
+                <a:cs typeface="Lucida Grande" charset="0"/>
+                <a:sym typeface="Lucida Grande" charset="0"/>
+              </a:rPr>
+              <a:t> was divided into multiple areas by the </a:t>
+            </a:r>
+            <a:r>
+              <a:rPr lang="en-US" sz="1600" dirty="0" err="1" smtClean="0">
+                <a:latin typeface="Lucida Grande" charset="0"/>
+                <a:cs typeface="Lucida Grande" charset="0"/>
+                <a:sym typeface="Lucida Grande" charset="0"/>
+              </a:rPr>
+              <a:t>Pregel</a:t>
+            </a:r>
+            <a:r>
+              <a:rPr lang="en-US" sz="1600" dirty="0" smtClean="0">
+                <a:latin typeface="Lucida Grande" charset="0"/>
+                <a:cs typeface="Lucida Grande" charset="0"/>
+                <a:sym typeface="Lucida Grande" charset="0"/>
+              </a:rPr>
+              <a:t> river, and the 7 bridges (animation forward) joined the different city areas together. Euler first identified these 4 land masses (animation forward) and pointed out that the choice of route inside each of the 4 city areas was irrelevant to the problem.</a:t>
+            </a:r>
+          </a:p>
+          <a:p>
+            <a:pPr eaLnBrk="1" hangingPunct="1">
+              <a:spcBef>
+                <a:spcPts val="1000"/>
+              </a:spcBef>
+              <a:defRPr/>
+            </a:pPr>
+            <a:r>
+              <a:rPr lang="en-US" sz="1600" dirty="0" smtClean="0">
+                <a:latin typeface="Lucida Grande" charset="0"/>
+                <a:cs typeface="Lucida Grande" charset="0"/>
+                <a:sym typeface="Lucida Grande" charset="0"/>
+              </a:rPr>
+              <a:t>This seems obvious now, but it was a major insight at the time and allowed Euler to reformulate the problem in abstract terms.</a:t>
+            </a:r>
+          </a:p>
+        </p:txBody>
+      </p:sp>
+    </p:spTree>
+  </p:cSld>
+  <p:clrMapOvr>
+    <a:masterClrMapping/>
+  </p:clrMapOvr>
+</p:notes>
+</file>
+
+<file path=ppt/notesSlides/notesSlide2.xml><?xml version="1.0" encoding="utf-8"?>
+<p:notes xmlns:a="http://schemas.openxmlformats.org/drawingml/2006/main" xmlns:r="http://schemas.openxmlformats.org/officeDocument/2006/relationships" xmlns:p="http://schemas.openxmlformats.org/presentationml/2006/main">
+  <p:cSld>
+    <p:spTree>
+      <p:nvGrpSpPr>
+        <p:cNvPr id="1" name=""/>
+        <p:cNvGrpSpPr/>
+        <p:nvPr/>
+      </p:nvGrpSpPr>
+      <p:grpSpPr>
+        <a:xfrm>
+          <a:off x="0" y="0"/>
+          <a:ext cx="0" cy="0"/>
+          <a:chOff x="0" y="0"/>
+          <a:chExt cx="0" cy="0"/>
+        </a:xfrm>
+      </p:grpSpPr>
+      <p:sp>
+        <p:nvSpPr>
+          <p:cNvPr id="37889" name="Rectangle 1"/>
+          <p:cNvSpPr>
+            <a:spLocks noGrp="1" noRot="1" noChangeAspect="1" noChangeArrowheads="1"/>
+          </p:cNvSpPr>
+          <p:nvPr>
+            <p:ph type="sldImg"/>
+          </p:nvPr>
+        </p:nvSpPr>
+        <p:spPr>
+          <a:xfrm>
+            <a:off x="381000" y="685800"/>
+            <a:ext cx="6096000" cy="3429000"/>
+          </a:xfrm>
+          <a:solidFill>
+            <a:srgbClr val="FFFFFF"/>
+          </a:solidFill>
+          <a:ln/>
+        </p:spPr>
+      </p:sp>
+      <p:sp>
+        <p:nvSpPr>
+          <p:cNvPr id="37890" name="Rectangle 2"/>
+          <p:cNvSpPr>
+            <a:spLocks noGrp="1" noChangeArrowheads="1"/>
+          </p:cNvSpPr>
+          <p:nvPr>
+            <p:ph type="body" idx="1"/>
+          </p:nvPr>
+        </p:nvSpPr>
+        <p:spPr>
+          <a:ln/>
+        </p:spPr>
+        <p:txBody>
+          <a:bodyPr/>
+          <a:lstStyle/>
+          <a:p>
+            <a:pPr eaLnBrk="1" hangingPunct="1">
+              <a:spcBef>
+                <a:spcPts val="1000"/>
+              </a:spcBef>
+              <a:defRPr/>
+            </a:pPr>
+            <a:r>
+              <a:rPr lang="en-US" sz="1600" smtClean="0">
+                <a:latin typeface="Lucida Grande" charset="0"/>
+                <a:cs typeface="Lucida Grande" charset="0"/>
+                <a:sym typeface="Lucida Grande" charset="0"/>
+              </a:rPr>
+              <a:t>With these two understandings, Euler eliminated all features all features except the list of land masses and the bridges connecting them. In modern terms, one replaces each land mass with an abstract "</a:t>
+            </a:r>
+            <a:r>
+              <a:rPr lang="en-US" sz="1600" u="sng" smtClean="0">
+                <a:latin typeface="Lucida Grande" charset="0"/>
+                <a:cs typeface="Lucida Grande" charset="0"/>
+                <a:sym typeface="Lucida Grande" charset="0"/>
+                <a:hlinkClick r:id="rId3"/>
+              </a:rPr>
+              <a:t>vertex</a:t>
+            </a:r>
+            <a:r>
+              <a:rPr lang="en-US" sz="1600" smtClean="0">
+                <a:latin typeface="Lucida Grande" charset="0"/>
+                <a:cs typeface="Lucida Grande" charset="0"/>
+                <a:sym typeface="Lucida Grande" charset="0"/>
+              </a:rPr>
+              <a:t>", and each bridge with an abstract connection, an "</a:t>
+            </a:r>
+            <a:r>
+              <a:rPr lang="en-US" sz="1600" u="sng" smtClean="0">
+                <a:latin typeface="Lucida Grande" charset="0"/>
+                <a:cs typeface="Lucida Grande" charset="0"/>
+                <a:sym typeface="Lucida Grande" charset="0"/>
+              </a:rPr>
+              <a:t>edge</a:t>
+            </a:r>
+            <a:r>
+              <a:rPr lang="en-US" sz="1600" smtClean="0">
+                <a:latin typeface="Lucida Grande" charset="0"/>
+                <a:cs typeface="Lucida Grande" charset="0"/>
+                <a:sym typeface="Lucida Grande" charset="0"/>
+              </a:rPr>
+              <a:t>".</a:t>
+            </a:r>
+            <a:endParaRPr lang="en-US" sz="1600" smtClean="0">
+              <a:latin typeface="Lucida Grande" charset="0"/>
+              <a:cs typeface="Lucida Grande" charset="0"/>
+              <a:sym typeface="Lucida Grande" charset="0"/>
+              <a:hlinkClick r:id="rId4"/>
+            </a:endParaRPr>
+          </a:p>
+          <a:p>
+            <a:pPr eaLnBrk="1" hangingPunct="1">
+              <a:spcBef>
+                <a:spcPts val="1000"/>
+              </a:spcBef>
+              <a:defRPr/>
+            </a:pPr>
+            <a:r>
+              <a:rPr lang="ja-JP" altLang="en-US" sz="1600" smtClean="0">
+                <a:latin typeface="Arial"/>
+                <a:cs typeface="Lucida Grande" charset="0"/>
+                <a:sym typeface="Lucida Grande" charset="0"/>
+                <a:hlinkClick r:id="rId4"/>
+              </a:rPr>
+              <a:t>“</a:t>
+            </a:r>
+            <a:r>
+              <a:rPr lang="en-US" sz="1600" smtClean="0">
+                <a:latin typeface="Lucida Grande" charset="0"/>
+                <a:cs typeface="Lucida Grande" charset="0"/>
+                <a:sym typeface="Lucida Grande" charset="0"/>
+                <a:hlinkClick r:id="rId4"/>
+              </a:rPr>
+              <a:t>Fo</a:t>
+            </a:r>
+            <a:r>
+              <a:rPr lang="en-US" sz="1600" smtClean="0">
+                <a:latin typeface="Lucida Grande" charset="0"/>
+                <a:cs typeface="Lucida Grande" charset="0"/>
+                <a:sym typeface="Lucida Grande" charset="0"/>
+              </a:rPr>
+              <a:t>r normal humans (not mathematicians) we find it easier to use the terms </a:t>
+            </a:r>
+            <a:r>
+              <a:rPr lang="ja-JP" altLang="en-US" sz="1600" smtClean="0">
+                <a:latin typeface="Arial"/>
+                <a:cs typeface="Lucida Grande" charset="0"/>
+                <a:sym typeface="Lucida Grande" charset="0"/>
+              </a:rPr>
+              <a:t>‘</a:t>
+            </a:r>
+            <a:r>
+              <a:rPr lang="en-US" sz="1600" u="sng" smtClean="0">
+                <a:latin typeface="Lucida Grande" charset="0"/>
+                <a:cs typeface="Lucida Grande" charset="0"/>
+                <a:sym typeface="Lucida Grande" charset="0"/>
+              </a:rPr>
+              <a:t>Node</a:t>
+            </a:r>
+            <a:r>
+              <a:rPr lang="ja-JP" altLang="en-US" sz="1600" smtClean="0">
+                <a:latin typeface="Arial"/>
+                <a:cs typeface="Lucida Grande" charset="0"/>
+                <a:sym typeface="Lucida Grande" charset="0"/>
+              </a:rPr>
+              <a:t>’</a:t>
+            </a:r>
+            <a:r>
+              <a:rPr lang="en-US" sz="1600" smtClean="0">
+                <a:latin typeface="Lucida Grande" charset="0"/>
+                <a:cs typeface="Lucida Grande" charset="0"/>
+                <a:sym typeface="Lucida Grande" charset="0"/>
+              </a:rPr>
+              <a:t> and </a:t>
+            </a:r>
+            <a:r>
+              <a:rPr lang="ja-JP" altLang="en-US" sz="1600" smtClean="0">
+                <a:latin typeface="Arial"/>
+                <a:cs typeface="Lucida Grande" charset="0"/>
+                <a:sym typeface="Lucida Grande" charset="0"/>
+              </a:rPr>
+              <a:t>‘</a:t>
+            </a:r>
+            <a:r>
+              <a:rPr lang="en-US" sz="1600" u="sng" smtClean="0">
+                <a:latin typeface="Lucida Grande" charset="0"/>
+                <a:cs typeface="Lucida Grande" charset="0"/>
+                <a:sym typeface="Lucida Grande" charset="0"/>
+              </a:rPr>
+              <a:t>Relationship</a:t>
+            </a:r>
+            <a:r>
+              <a:rPr lang="ja-JP" altLang="en-US" sz="1600" smtClean="0">
+                <a:latin typeface="Arial"/>
+                <a:cs typeface="Lucida Grande" charset="0"/>
+                <a:sym typeface="Lucida Grande" charset="0"/>
+              </a:rPr>
+              <a:t>’</a:t>
+            </a:r>
+            <a:r>
+              <a:rPr lang="en-US" sz="1600" smtClean="0">
+                <a:latin typeface="Lucida Grande" charset="0"/>
+                <a:cs typeface="Lucida Grande" charset="0"/>
+                <a:sym typeface="Lucida Grande" charset="0"/>
+              </a:rPr>
+              <a:t>.</a:t>
+            </a:r>
+            <a:r>
+              <a:rPr lang="ja-JP" altLang="en-US" sz="1600" smtClean="0">
+                <a:latin typeface="Arial"/>
+                <a:cs typeface="Lucida Grande" charset="0"/>
+                <a:sym typeface="Lucida Grande" charset="0"/>
+              </a:rPr>
+              <a:t>”</a:t>
+            </a:r>
+            <a:endParaRPr lang="en-US" sz="1600" smtClean="0">
+              <a:latin typeface="Lucida Grande" charset="0"/>
+              <a:cs typeface="Lucida Grande" charset="0"/>
+              <a:sym typeface="Lucida Grande" charset="0"/>
+            </a:endParaRPr>
+          </a:p>
+          <a:p>
+            <a:pPr eaLnBrk="1" hangingPunct="1">
+              <a:spcBef>
+                <a:spcPts val="1000"/>
+              </a:spcBef>
+              <a:defRPr/>
+            </a:pPr>
+            <a:r>
+              <a:rPr lang="en-US" sz="1600" smtClean="0">
+                <a:latin typeface="Lucida Grande" charset="0"/>
+                <a:cs typeface="Lucida Grande" charset="0"/>
+                <a:sym typeface="Lucida Grande" charset="0"/>
+              </a:rPr>
+              <a:t>This resulting structure is called a graph.</a:t>
+            </a:r>
+          </a:p>
+        </p:txBody>
+      </p:sp>
+    </p:spTree>
+  </p:cSld>
+  <p:clrMapOvr>
+    <a:masterClrMapping/>
+  </p:clrMapOvr>
+</p:notes>
+</file>
+
 <file path=ppt/slideLayouts/slideLayout1.xml><?xml version="1.0" encoding="utf-8"?>
 <p:sldLayout xmlns:a="http://schemas.openxmlformats.org/drawingml/2006/main" xmlns:r="http://schemas.openxmlformats.org/officeDocument/2006/relationships" xmlns:p="http://schemas.openxmlformats.org/presentationml/2006/main" type="title" preserve="1">
   <p:cSld name="Title Slide">
@@ -304,10 +1333,10 @@
           <a:bodyPr/>
           <a:lstStyle/>
           <a:p>
-            <a:fld id="{48873B5E-FE01-4C4B-BA4D-0AE21FE4F456}" type="datetimeFigureOut">
-              <a:rPr lang="en-US" smtClean="0"/>
-              <a:t>8/30/14</a:t>
-            </a:fld>
+            <a:r>
+              <a:rPr lang="en-US" smtClean="0"/>
+              <a:t>9/16/14</a:t>
+            </a:r>
             <a:endParaRPr lang="en-US"/>
           </a:p>
         </p:txBody>
@@ -327,6 +1356,10 @@
           <a:bodyPr/>
           <a:lstStyle/>
           <a:p>
+            <a:r>
+              <a:rPr lang="en-US" smtClean="0"/>
+              <a:t>Creative Common SA</a:t>
+            </a:r>
             <a:endParaRPr lang="en-US"/>
           </a:p>
         </p:txBody>
@@ -474,10 +1507,10 @@
           <a:bodyPr/>
           <a:lstStyle/>
           <a:p>
-            <a:fld id="{48873B5E-FE01-4C4B-BA4D-0AE21FE4F456}" type="datetimeFigureOut">
-              <a:rPr lang="en-US" smtClean="0"/>
-              <a:t>8/30/14</a:t>
-            </a:fld>
+            <a:r>
+              <a:rPr lang="en-US" smtClean="0"/>
+              <a:t>9/16/14</a:t>
+            </a:r>
             <a:endParaRPr lang="en-US"/>
           </a:p>
         </p:txBody>
@@ -497,6 +1530,10 @@
           <a:bodyPr/>
           <a:lstStyle/>
           <a:p>
+            <a:r>
+              <a:rPr lang="en-US" smtClean="0"/>
+              <a:t>Creative Common SA</a:t>
+            </a:r>
             <a:endParaRPr lang="en-US"/>
           </a:p>
         </p:txBody>
@@ -654,10 +1691,10 @@
           <a:bodyPr/>
           <a:lstStyle/>
           <a:p>
-            <a:fld id="{48873B5E-FE01-4C4B-BA4D-0AE21FE4F456}" type="datetimeFigureOut">
-              <a:rPr lang="en-US" smtClean="0"/>
-              <a:t>8/30/14</a:t>
-            </a:fld>
+            <a:r>
+              <a:rPr lang="en-US" smtClean="0"/>
+              <a:t>9/16/14</a:t>
+            </a:r>
             <a:endParaRPr lang="en-US"/>
           </a:p>
         </p:txBody>
@@ -677,6 +1714,10 @@
           <a:bodyPr/>
           <a:lstStyle/>
           <a:p>
+            <a:r>
+              <a:rPr lang="en-US" smtClean="0"/>
+              <a:t>Creative Common SA</a:t>
+            </a:r>
             <a:endParaRPr lang="en-US"/>
           </a:p>
         </p:txBody>
@@ -824,10 +1865,10 @@
           <a:bodyPr/>
           <a:lstStyle/>
           <a:p>
-            <a:fld id="{48873B5E-FE01-4C4B-BA4D-0AE21FE4F456}" type="datetimeFigureOut">
-              <a:rPr lang="en-US" smtClean="0"/>
-              <a:t>8/30/14</a:t>
-            </a:fld>
+            <a:r>
+              <a:rPr lang="en-US" smtClean="0"/>
+              <a:t>9/16/14</a:t>
+            </a:r>
             <a:endParaRPr lang="en-US"/>
           </a:p>
         </p:txBody>
@@ -847,6 +1888,10 @@
           <a:bodyPr/>
           <a:lstStyle/>
           <a:p>
+            <a:r>
+              <a:rPr lang="en-US" smtClean="0"/>
+              <a:t>Creative Common SA</a:t>
+            </a:r>
             <a:endParaRPr lang="en-US"/>
           </a:p>
         </p:txBody>
@@ -1070,10 +2115,10 @@
           <a:bodyPr/>
           <a:lstStyle/>
           <a:p>
-            <a:fld id="{48873B5E-FE01-4C4B-BA4D-0AE21FE4F456}" type="datetimeFigureOut">
-              <a:rPr lang="en-US" smtClean="0"/>
-              <a:t>8/30/14</a:t>
-            </a:fld>
+            <a:r>
+              <a:rPr lang="en-US" smtClean="0"/>
+              <a:t>9/16/14</a:t>
+            </a:r>
             <a:endParaRPr lang="en-US"/>
           </a:p>
         </p:txBody>
@@ -1093,6 +2138,10 @@
           <a:bodyPr/>
           <a:lstStyle/>
           <a:p>
+            <a:r>
+              <a:rPr lang="en-US" smtClean="0"/>
+              <a:t>Creative Common SA</a:t>
+            </a:r>
             <a:endParaRPr lang="en-US"/>
           </a:p>
         </p:txBody>
@@ -1358,10 +2407,10 @@
           <a:bodyPr/>
           <a:lstStyle/>
           <a:p>
-            <a:fld id="{48873B5E-FE01-4C4B-BA4D-0AE21FE4F456}" type="datetimeFigureOut">
-              <a:rPr lang="en-US" smtClean="0"/>
-              <a:t>8/30/14</a:t>
-            </a:fld>
+            <a:r>
+              <a:rPr lang="en-US" smtClean="0"/>
+              <a:t>9/16/14</a:t>
+            </a:r>
             <a:endParaRPr lang="en-US"/>
           </a:p>
         </p:txBody>
@@ -1381,6 +2430,10 @@
           <a:bodyPr/>
           <a:lstStyle/>
           <a:p>
+            <a:r>
+              <a:rPr lang="en-US" smtClean="0"/>
+              <a:t>Creative Common SA</a:t>
+            </a:r>
             <a:endParaRPr lang="en-US"/>
           </a:p>
         </p:txBody>
@@ -1780,10 +2833,10 @@
           <a:bodyPr/>
           <a:lstStyle/>
           <a:p>
-            <a:fld id="{48873B5E-FE01-4C4B-BA4D-0AE21FE4F456}" type="datetimeFigureOut">
-              <a:rPr lang="en-US" smtClean="0"/>
-              <a:t>8/30/14</a:t>
-            </a:fld>
+            <a:r>
+              <a:rPr lang="en-US" smtClean="0"/>
+              <a:t>9/16/14</a:t>
+            </a:r>
             <a:endParaRPr lang="en-US"/>
           </a:p>
         </p:txBody>
@@ -1803,6 +2856,10 @@
           <a:bodyPr/>
           <a:lstStyle/>
           <a:p>
+            <a:r>
+              <a:rPr lang="en-US" smtClean="0"/>
+              <a:t>Creative Common SA</a:t>
+            </a:r>
             <a:endParaRPr lang="en-US"/>
           </a:p>
         </p:txBody>
@@ -1898,10 +2955,10 @@
           <a:bodyPr/>
           <a:lstStyle/>
           <a:p>
-            <a:fld id="{48873B5E-FE01-4C4B-BA4D-0AE21FE4F456}" type="datetimeFigureOut">
-              <a:rPr lang="en-US" smtClean="0"/>
-              <a:t>8/30/14</a:t>
-            </a:fld>
+            <a:r>
+              <a:rPr lang="en-US" smtClean="0"/>
+              <a:t>9/16/14</a:t>
+            </a:r>
             <a:endParaRPr lang="en-US"/>
           </a:p>
         </p:txBody>
@@ -1921,6 +2978,10 @@
           <a:bodyPr/>
           <a:lstStyle/>
           <a:p>
+            <a:r>
+              <a:rPr lang="en-US" smtClean="0"/>
+              <a:t>Creative Common SA</a:t>
+            </a:r>
             <a:endParaRPr lang="en-US"/>
           </a:p>
         </p:txBody>
@@ -1993,10 +3054,10 @@
           <a:bodyPr/>
           <a:lstStyle/>
           <a:p>
-            <a:fld id="{48873B5E-FE01-4C4B-BA4D-0AE21FE4F456}" type="datetimeFigureOut">
-              <a:rPr lang="en-US" smtClean="0"/>
-              <a:t>8/30/14</a:t>
-            </a:fld>
+            <a:r>
+              <a:rPr lang="en-US" smtClean="0"/>
+              <a:t>9/16/14</a:t>
+            </a:r>
             <a:endParaRPr lang="en-US"/>
           </a:p>
         </p:txBody>
@@ -2016,6 +3077,10 @@
           <a:bodyPr/>
           <a:lstStyle/>
           <a:p>
+            <a:r>
+              <a:rPr lang="en-US" smtClean="0"/>
+              <a:t>Creative Common SA</a:t>
+            </a:r>
             <a:endParaRPr lang="en-US"/>
           </a:p>
         </p:txBody>
@@ -2270,10 +3335,10 @@
           <a:bodyPr/>
           <a:lstStyle/>
           <a:p>
-            <a:fld id="{48873B5E-FE01-4C4B-BA4D-0AE21FE4F456}" type="datetimeFigureOut">
-              <a:rPr lang="en-US" smtClean="0"/>
-              <a:t>8/30/14</a:t>
-            </a:fld>
+            <a:r>
+              <a:rPr lang="en-US" smtClean="0"/>
+              <a:t>9/16/14</a:t>
+            </a:r>
             <a:endParaRPr lang="en-US"/>
           </a:p>
         </p:txBody>
@@ -2293,6 +3358,10 @@
           <a:bodyPr/>
           <a:lstStyle/>
           <a:p>
+            <a:r>
+              <a:rPr lang="en-US" smtClean="0"/>
+              <a:t>Creative Common SA</a:t>
+            </a:r>
             <a:endParaRPr lang="en-US"/>
           </a:p>
         </p:txBody>
@@ -2523,10 +3592,10 @@
           <a:bodyPr/>
           <a:lstStyle/>
           <a:p>
-            <a:fld id="{48873B5E-FE01-4C4B-BA4D-0AE21FE4F456}" type="datetimeFigureOut">
-              <a:rPr lang="en-US" smtClean="0"/>
-              <a:t>8/30/14</a:t>
-            </a:fld>
+            <a:r>
+              <a:rPr lang="en-US" smtClean="0"/>
+              <a:t>9/16/14</a:t>
+            </a:r>
             <a:endParaRPr lang="en-US"/>
           </a:p>
         </p:txBody>
@@ -2546,6 +3615,10 @@
           <a:bodyPr/>
           <a:lstStyle/>
           <a:p>
+            <a:r>
+              <a:rPr lang="en-US" smtClean="0"/>
+              <a:t>Creative Common SA</a:t>
+            </a:r>
             <a:endParaRPr lang="en-US"/>
           </a:p>
         </p:txBody>
@@ -2736,10 +3809,10 @@
             </a:lvl1pPr>
           </a:lstStyle>
           <a:p>
-            <a:fld id="{48873B5E-FE01-4C4B-BA4D-0AE21FE4F456}" type="datetimeFigureOut">
-              <a:rPr lang="en-US" smtClean="0"/>
-              <a:t>8/30/14</a:t>
-            </a:fld>
+            <a:r>
+              <a:rPr lang="en-US" smtClean="0"/>
+              <a:t>9/16/14</a:t>
+            </a:r>
             <a:endParaRPr lang="en-US"/>
           </a:p>
         </p:txBody>
@@ -2777,6 +3850,10 @@
             </a:lvl1pPr>
           </a:lstStyle>
           <a:p>
+            <a:r>
+              <a:rPr lang="en-US" smtClean="0"/>
+              <a:t>Creative Common SA</a:t>
+            </a:r>
             <a:endParaRPr lang="en-US"/>
           </a:p>
         </p:txBody>
@@ -2843,6 +3920,7 @@
     <p:sldLayoutId id="2147483658" r:id="rId10"/>
     <p:sldLayoutId id="2147483659" r:id="rId11"/>
   </p:sldLayoutIdLst>
+  <p:hf hdr="0"/>
   <p:txStyles>
     <p:titleStyle>
       <a:lvl1pPr algn="ctr" defTabSz="457200" rtl="0" eaLnBrk="1" latinLnBrk="0" hangingPunct="1">
@@ -3129,10 +4207,10 @@
           <a:lstStyle/>
           <a:p>
             <a:r>
-              <a:rPr lang="en-US" dirty="0" smtClean="0"/>
+              <a:rPr lang="en-US" b="1" dirty="0" smtClean="0"/>
               <a:t>Learning Graph Database – Neo4j</a:t>
             </a:r>
-            <a:endParaRPr lang="en-US" dirty="0"/>
+            <a:endParaRPr lang="en-US" b="1" dirty="0"/>
           </a:p>
         </p:txBody>
       </p:sp>
@@ -3200,7 +4278,15 @@
           <a:bodyPr/>
           <a:lstStyle/>
           <a:p>
-            <a:endParaRPr lang="en-US"/>
+            <a:r>
+              <a:rPr lang="en-US" dirty="0" smtClean="0"/>
+              <a:t>Model – version </a:t>
+            </a:r>
+            <a:r>
+              <a:rPr lang="en-US" dirty="0" smtClean="0"/>
+              <a:t>0.3 – More Links</a:t>
+            </a:r>
+            <a:endParaRPr lang="en-US" dirty="0"/>
           </a:p>
         </p:txBody>
       </p:sp>
@@ -3219,44 +4305,83 @@
           <a:bodyPr/>
           <a:lstStyle/>
           <a:p>
-            <a:r>
-              <a:rPr lang="en-US" dirty="0" smtClean="0"/>
-              <a:t>Add more objects: </a:t>
-            </a:r>
-          </a:p>
-          <a:p>
-            <a:pPr lvl="1"/>
-            <a:r>
-              <a:rPr lang="en-US" dirty="0" smtClean="0"/>
-              <a:t>Schools, Airport, Stadium.</a:t>
-            </a:r>
-          </a:p>
-          <a:p>
-            <a:r>
-              <a:rPr lang="en-US" dirty="0" smtClean="0"/>
-              <a:t>Connect them with relationships: </a:t>
-            </a:r>
-          </a:p>
-          <a:p>
-            <a:pPr lvl="1"/>
-            <a:r>
-              <a:rPr lang="en-US" dirty="0" smtClean="0"/>
-              <a:t>has.</a:t>
-            </a:r>
-          </a:p>
-          <a:p>
-            <a:r>
-              <a:rPr lang="en-US" dirty="0" smtClean="0"/>
-              <a:t>Use the database to answer some questions.</a:t>
-            </a:r>
-            <a:endParaRPr lang="en-US" dirty="0"/>
+            <a:endParaRPr lang="en-US"/>
+          </a:p>
+        </p:txBody>
+      </p:sp>
+      <p:sp>
+        <p:nvSpPr>
+          <p:cNvPr id="4" name="Date Placeholder 3"/>
+          <p:cNvSpPr>
+            <a:spLocks noGrp="1"/>
+          </p:cNvSpPr>
+          <p:nvPr>
+            <p:ph type="dt" sz="half" idx="10"/>
+          </p:nvPr>
+        </p:nvSpPr>
+        <p:spPr/>
+        <p:txBody>
+          <a:bodyPr/>
+          <a:lstStyle/>
+          <a:p>
+            <a:r>
+              <a:rPr lang="en-US" smtClean="0"/>
+              <a:t>9/16/14</a:t>
+            </a:r>
+            <a:endParaRPr lang="en-US"/>
+          </a:p>
+        </p:txBody>
+      </p:sp>
+      <p:sp>
+        <p:nvSpPr>
+          <p:cNvPr id="5" name="Footer Placeholder 4"/>
+          <p:cNvSpPr>
+            <a:spLocks noGrp="1"/>
+          </p:cNvSpPr>
+          <p:nvPr>
+            <p:ph type="ftr" sz="quarter" idx="11"/>
+          </p:nvPr>
+        </p:nvSpPr>
+        <p:spPr/>
+        <p:txBody>
+          <a:bodyPr/>
+          <a:lstStyle/>
+          <a:p>
+            <a:r>
+              <a:rPr lang="en-US" smtClean="0"/>
+              <a:t>Creative Common SA</a:t>
+            </a:r>
+            <a:endParaRPr lang="en-US"/>
+          </a:p>
+        </p:txBody>
+      </p:sp>
+      <p:sp>
+        <p:nvSpPr>
+          <p:cNvPr id="6" name="Slide Number Placeholder 5"/>
+          <p:cNvSpPr>
+            <a:spLocks noGrp="1"/>
+          </p:cNvSpPr>
+          <p:nvPr>
+            <p:ph type="sldNum" sz="quarter" idx="12"/>
+          </p:nvPr>
+        </p:nvSpPr>
+        <p:spPr/>
+        <p:txBody>
+          <a:bodyPr/>
+          <a:lstStyle/>
+          <a:p>
+            <a:fld id="{02968B73-BAA9-8B43-B9A0-F0D59A65CBE2}" type="slidenum">
+              <a:rPr lang="en-US" smtClean="0"/>
+              <a:t>10</a:t>
+            </a:fld>
+            <a:endParaRPr lang="en-US"/>
           </a:p>
         </p:txBody>
       </p:sp>
     </p:spTree>
     <p:extLst>
       <p:ext uri="{BB962C8B-B14F-4D97-AF65-F5344CB8AC3E}">
-        <p14:creationId xmlns:p14="http://schemas.microsoft.com/office/powerpoint/2010/main" val="924891242"/>
+        <p14:creationId xmlns:p14="http://schemas.microsoft.com/office/powerpoint/2010/main" val="54386222"/>
       </p:ext>
     </p:extLst>
   </p:cSld>
@@ -3299,8 +4424,12 @@
           <a:lstStyle/>
           <a:p>
             <a:r>
+              <a:rPr lang="en-US" dirty="0"/>
+              <a:t>Cypher Statement - </a:t>
+            </a:r>
+            <a:r>
               <a:rPr lang="en-US" dirty="0" smtClean="0"/>
-              <a:t>Model – version 0.3</a:t>
+              <a:t>3</a:t>
             </a:r>
             <a:endParaRPr lang="en-US" dirty="0"/>
           </a:p>
@@ -3321,6 +4450,75 @@
           <a:bodyPr/>
           <a:lstStyle/>
           <a:p>
+            <a:endParaRPr lang="en-US"/>
+          </a:p>
+        </p:txBody>
+      </p:sp>
+      <p:sp>
+        <p:nvSpPr>
+          <p:cNvPr id="4" name="Date Placeholder 3"/>
+          <p:cNvSpPr>
+            <a:spLocks noGrp="1"/>
+          </p:cNvSpPr>
+          <p:nvPr>
+            <p:ph type="dt" sz="half" idx="10"/>
+          </p:nvPr>
+        </p:nvSpPr>
+        <p:spPr/>
+        <p:txBody>
+          <a:bodyPr/>
+          <a:lstStyle/>
+          <a:p>
+            <a:r>
+              <a:rPr lang="en-US" smtClean="0"/>
+              <a:t>9/16/14</a:t>
+            </a:r>
+            <a:endParaRPr lang="en-US"/>
+          </a:p>
+        </p:txBody>
+      </p:sp>
+      <p:sp>
+        <p:nvSpPr>
+          <p:cNvPr id="5" name="Footer Placeholder 4"/>
+          <p:cNvSpPr>
+            <a:spLocks noGrp="1"/>
+          </p:cNvSpPr>
+          <p:nvPr>
+            <p:ph type="ftr" sz="quarter" idx="11"/>
+          </p:nvPr>
+        </p:nvSpPr>
+        <p:spPr/>
+        <p:txBody>
+          <a:bodyPr/>
+          <a:lstStyle/>
+          <a:p>
+            <a:r>
+              <a:rPr lang="en-US" smtClean="0"/>
+              <a:t>Creative Common SA</a:t>
+            </a:r>
+            <a:endParaRPr lang="en-US"/>
+          </a:p>
+        </p:txBody>
+      </p:sp>
+      <p:sp>
+        <p:nvSpPr>
+          <p:cNvPr id="6" name="Slide Number Placeholder 5"/>
+          <p:cNvSpPr>
+            <a:spLocks noGrp="1"/>
+          </p:cNvSpPr>
+          <p:nvPr>
+            <p:ph type="sldNum" sz="quarter" idx="12"/>
+          </p:nvPr>
+        </p:nvSpPr>
+        <p:spPr/>
+        <p:txBody>
+          <a:bodyPr/>
+          <a:lstStyle/>
+          <a:p>
+            <a:fld id="{02968B73-BAA9-8B43-B9A0-F0D59A65CBE2}" type="slidenum">
+              <a:rPr lang="en-US" smtClean="0"/>
+              <a:t>11</a:t>
+            </a:fld>
             <a:endParaRPr lang="en-US"/>
           </a:p>
         </p:txBody>
@@ -3372,7 +4570,7 @@
           <a:p>
             <a:r>
               <a:rPr lang="en-US" dirty="0" smtClean="0"/>
-              <a:t>Model – version 0.1</a:t>
+              <a:t>Graph Everywhere</a:t>
             </a:r>
             <a:endParaRPr lang="en-US" dirty="0"/>
           </a:p>
@@ -3393,6 +4591,75 @@
           <a:bodyPr/>
           <a:lstStyle/>
           <a:p>
+            <a:endParaRPr lang="en-US"/>
+          </a:p>
+        </p:txBody>
+      </p:sp>
+      <p:sp>
+        <p:nvSpPr>
+          <p:cNvPr id="4" name="Date Placeholder 3"/>
+          <p:cNvSpPr>
+            <a:spLocks noGrp="1"/>
+          </p:cNvSpPr>
+          <p:nvPr>
+            <p:ph type="dt" sz="half" idx="10"/>
+          </p:nvPr>
+        </p:nvSpPr>
+        <p:spPr/>
+        <p:txBody>
+          <a:bodyPr/>
+          <a:lstStyle/>
+          <a:p>
+            <a:r>
+              <a:rPr lang="en-US" smtClean="0"/>
+              <a:t>9/16/14</a:t>
+            </a:r>
+            <a:endParaRPr lang="en-US"/>
+          </a:p>
+        </p:txBody>
+      </p:sp>
+      <p:sp>
+        <p:nvSpPr>
+          <p:cNvPr id="5" name="Footer Placeholder 4"/>
+          <p:cNvSpPr>
+            <a:spLocks noGrp="1"/>
+          </p:cNvSpPr>
+          <p:nvPr>
+            <p:ph type="ftr" sz="quarter" idx="11"/>
+          </p:nvPr>
+        </p:nvSpPr>
+        <p:spPr/>
+        <p:txBody>
+          <a:bodyPr/>
+          <a:lstStyle/>
+          <a:p>
+            <a:r>
+              <a:rPr lang="en-US" smtClean="0"/>
+              <a:t>Creative Common SA</a:t>
+            </a:r>
+            <a:endParaRPr lang="en-US"/>
+          </a:p>
+        </p:txBody>
+      </p:sp>
+      <p:sp>
+        <p:nvSpPr>
+          <p:cNvPr id="6" name="Slide Number Placeholder 5"/>
+          <p:cNvSpPr>
+            <a:spLocks noGrp="1"/>
+          </p:cNvSpPr>
+          <p:nvPr>
+            <p:ph type="sldNum" sz="quarter" idx="12"/>
+          </p:nvPr>
+        </p:nvSpPr>
+        <p:spPr/>
+        <p:txBody>
+          <a:bodyPr/>
+          <a:lstStyle/>
+          <a:p>
+            <a:fld id="{02968B73-BAA9-8B43-B9A0-F0D59A65CBE2}" type="slidenum">
+              <a:rPr lang="en-US" smtClean="0"/>
+              <a:t>12</a:t>
+            </a:fld>
             <a:endParaRPr lang="en-US"/>
           </a:p>
         </p:txBody>
@@ -3400,7 +4667,7 @@
     </p:spTree>
     <p:extLst>
       <p:ext uri="{BB962C8B-B14F-4D97-AF65-F5344CB8AC3E}">
-        <p14:creationId xmlns:p14="http://schemas.microsoft.com/office/powerpoint/2010/main" val="54386222"/>
+        <p14:creationId xmlns:p14="http://schemas.microsoft.com/office/powerpoint/2010/main" val="547762204"/>
       </p:ext>
     </p:extLst>
   </p:cSld>
@@ -3461,6 +4728,75 @@
           <a:bodyPr/>
           <a:lstStyle/>
           <a:p>
+            <a:endParaRPr lang="en-US"/>
+          </a:p>
+        </p:txBody>
+      </p:sp>
+      <p:sp>
+        <p:nvSpPr>
+          <p:cNvPr id="4" name="Date Placeholder 3"/>
+          <p:cNvSpPr>
+            <a:spLocks noGrp="1"/>
+          </p:cNvSpPr>
+          <p:nvPr>
+            <p:ph type="dt" sz="half" idx="10"/>
+          </p:nvPr>
+        </p:nvSpPr>
+        <p:spPr/>
+        <p:txBody>
+          <a:bodyPr/>
+          <a:lstStyle/>
+          <a:p>
+            <a:r>
+              <a:rPr lang="en-US" smtClean="0"/>
+              <a:t>9/16/14</a:t>
+            </a:r>
+            <a:endParaRPr lang="en-US"/>
+          </a:p>
+        </p:txBody>
+      </p:sp>
+      <p:sp>
+        <p:nvSpPr>
+          <p:cNvPr id="5" name="Footer Placeholder 4"/>
+          <p:cNvSpPr>
+            <a:spLocks noGrp="1"/>
+          </p:cNvSpPr>
+          <p:nvPr>
+            <p:ph type="ftr" sz="quarter" idx="11"/>
+          </p:nvPr>
+        </p:nvSpPr>
+        <p:spPr/>
+        <p:txBody>
+          <a:bodyPr/>
+          <a:lstStyle/>
+          <a:p>
+            <a:r>
+              <a:rPr lang="en-US" smtClean="0"/>
+              <a:t>Creative Common SA</a:t>
+            </a:r>
+            <a:endParaRPr lang="en-US"/>
+          </a:p>
+        </p:txBody>
+      </p:sp>
+      <p:sp>
+        <p:nvSpPr>
+          <p:cNvPr id="6" name="Slide Number Placeholder 5"/>
+          <p:cNvSpPr>
+            <a:spLocks noGrp="1"/>
+          </p:cNvSpPr>
+          <p:nvPr>
+            <p:ph type="sldNum" sz="quarter" idx="12"/>
+          </p:nvPr>
+        </p:nvSpPr>
+        <p:spPr/>
+        <p:txBody>
+          <a:bodyPr/>
+          <a:lstStyle/>
+          <a:p>
+            <a:fld id="{02968B73-BAA9-8B43-B9A0-F0D59A65CBE2}" type="slidenum">
+              <a:rPr lang="en-US" smtClean="0"/>
+              <a:t>13</a:t>
+            </a:fld>
             <a:endParaRPr lang="en-US"/>
           </a:p>
         </p:txBody>
@@ -3537,6 +4873,75 @@
           </a:p>
         </p:txBody>
       </p:sp>
+      <p:sp>
+        <p:nvSpPr>
+          <p:cNvPr id="4" name="Date Placeholder 3"/>
+          <p:cNvSpPr>
+            <a:spLocks noGrp="1"/>
+          </p:cNvSpPr>
+          <p:nvPr>
+            <p:ph type="dt" sz="half" idx="10"/>
+          </p:nvPr>
+        </p:nvSpPr>
+        <p:spPr/>
+        <p:txBody>
+          <a:bodyPr/>
+          <a:lstStyle/>
+          <a:p>
+            <a:r>
+              <a:rPr lang="en-US" smtClean="0"/>
+              <a:t>9/16/14</a:t>
+            </a:r>
+            <a:endParaRPr lang="en-US"/>
+          </a:p>
+        </p:txBody>
+      </p:sp>
+      <p:sp>
+        <p:nvSpPr>
+          <p:cNvPr id="5" name="Footer Placeholder 4"/>
+          <p:cNvSpPr>
+            <a:spLocks noGrp="1"/>
+          </p:cNvSpPr>
+          <p:nvPr>
+            <p:ph type="ftr" sz="quarter" idx="11"/>
+          </p:nvPr>
+        </p:nvSpPr>
+        <p:spPr/>
+        <p:txBody>
+          <a:bodyPr/>
+          <a:lstStyle/>
+          <a:p>
+            <a:r>
+              <a:rPr lang="en-US" smtClean="0"/>
+              <a:t>Creative Common SA</a:t>
+            </a:r>
+            <a:endParaRPr lang="en-US"/>
+          </a:p>
+        </p:txBody>
+      </p:sp>
+      <p:sp>
+        <p:nvSpPr>
+          <p:cNvPr id="6" name="Slide Number Placeholder 5"/>
+          <p:cNvSpPr>
+            <a:spLocks noGrp="1"/>
+          </p:cNvSpPr>
+          <p:nvPr>
+            <p:ph type="sldNum" sz="quarter" idx="12"/>
+          </p:nvPr>
+        </p:nvSpPr>
+        <p:spPr/>
+        <p:txBody>
+          <a:bodyPr/>
+          <a:lstStyle/>
+          <a:p>
+            <a:fld id="{02968B73-BAA9-8B43-B9A0-F0D59A65CBE2}" type="slidenum">
+              <a:rPr lang="en-US" smtClean="0"/>
+              <a:t>14</a:t>
+            </a:fld>
+            <a:endParaRPr lang="en-US"/>
+          </a:p>
+        </p:txBody>
+      </p:sp>
     </p:spTree>
     <p:extLst>
       <p:ext uri="{BB962C8B-B14F-4D97-AF65-F5344CB8AC3E}">
@@ -3609,6 +5014,75 @@
           </a:p>
         </p:txBody>
       </p:sp>
+      <p:sp>
+        <p:nvSpPr>
+          <p:cNvPr id="2" name="Date Placeholder 1"/>
+          <p:cNvSpPr>
+            <a:spLocks noGrp="1"/>
+          </p:cNvSpPr>
+          <p:nvPr>
+            <p:ph type="dt" sz="half" idx="10"/>
+          </p:nvPr>
+        </p:nvSpPr>
+        <p:spPr/>
+        <p:txBody>
+          <a:bodyPr/>
+          <a:lstStyle/>
+          <a:p>
+            <a:r>
+              <a:rPr lang="en-US" smtClean="0"/>
+              <a:t>9/16/14</a:t>
+            </a:r>
+            <a:endParaRPr lang="en-US"/>
+          </a:p>
+        </p:txBody>
+      </p:sp>
+      <p:sp>
+        <p:nvSpPr>
+          <p:cNvPr id="3" name="Footer Placeholder 2"/>
+          <p:cNvSpPr>
+            <a:spLocks noGrp="1"/>
+          </p:cNvSpPr>
+          <p:nvPr>
+            <p:ph type="ftr" sz="quarter" idx="11"/>
+          </p:nvPr>
+        </p:nvSpPr>
+        <p:spPr/>
+        <p:txBody>
+          <a:bodyPr/>
+          <a:lstStyle/>
+          <a:p>
+            <a:r>
+              <a:rPr lang="en-US" smtClean="0"/>
+              <a:t>Creative Common SA</a:t>
+            </a:r>
+            <a:endParaRPr lang="en-US"/>
+          </a:p>
+        </p:txBody>
+      </p:sp>
+      <p:sp>
+        <p:nvSpPr>
+          <p:cNvPr id="6" name="Slide Number Placeholder 5"/>
+          <p:cNvSpPr>
+            <a:spLocks noGrp="1"/>
+          </p:cNvSpPr>
+          <p:nvPr>
+            <p:ph type="sldNum" sz="quarter" idx="12"/>
+          </p:nvPr>
+        </p:nvSpPr>
+        <p:spPr/>
+        <p:txBody>
+          <a:bodyPr/>
+          <a:lstStyle/>
+          <a:p>
+            <a:fld id="{02968B73-BAA9-8B43-B9A0-F0D59A65CBE2}" type="slidenum">
+              <a:rPr lang="en-US" smtClean="0"/>
+              <a:t>15</a:t>
+            </a:fld>
+            <a:endParaRPr lang="en-US"/>
+          </a:p>
+        </p:txBody>
+      </p:sp>
     </p:spTree>
     <p:extLst>
       <p:ext uri="{BB962C8B-B14F-4D97-AF65-F5344CB8AC3E}">
@@ -3651,45 +5125,151 @@
         </p:nvSpPr>
         <p:spPr/>
         <p:txBody>
-          <a:bodyPr/>
-          <a:lstStyle/>
-          <a:p>
-            <a:r>
-              <a:rPr lang="en-US" dirty="0" smtClean="0"/>
-              <a:t>Not Only SQL (</a:t>
-            </a:r>
-            <a:r>
-              <a:rPr lang="en-US" dirty="0" err="1" smtClean="0"/>
+          <a:bodyPr>
+            <a:noAutofit/>
+          </a:bodyPr>
+          <a:lstStyle/>
+          <a:p>
+            <a:r>
+              <a:rPr lang="en-US" sz="3600" dirty="0" smtClean="0"/>
+              <a:t>SQL (Structured Query Language) &amp; </a:t>
+            </a:r>
+            <a:br>
+              <a:rPr lang="en-US" sz="3600" dirty="0" smtClean="0"/>
+            </a:br>
+            <a:r>
+              <a:rPr lang="en-US" sz="3600" dirty="0" err="1" smtClean="0"/>
               <a:t>NOSql</a:t>
             </a:r>
             <a:r>
-              <a:rPr lang="en-US" dirty="0" smtClean="0"/>
+              <a:rPr lang="en-US" sz="3600" dirty="0" smtClean="0"/>
+              <a:t> </a:t>
+            </a:r>
+            <a:r>
+              <a:rPr lang="en-US" sz="3600" dirty="0"/>
+              <a:t>(Not Only SQL </a:t>
+            </a:r>
+            <a:r>
+              <a:rPr lang="en-US" sz="3600" dirty="0" smtClean="0"/>
               <a:t>)</a:t>
             </a:r>
-            <a:endParaRPr lang="en-US" dirty="0"/>
-          </a:p>
-        </p:txBody>
-      </p:sp>
-      <p:sp>
-        <p:nvSpPr>
-          <p:cNvPr id="3" name="Content Placeholder 2"/>
-          <p:cNvSpPr>
-            <a:spLocks noGrp="1"/>
-          </p:cNvSpPr>
+            <a:br>
+              <a:rPr lang="en-US" sz="3600" dirty="0" smtClean="0"/>
+            </a:br>
+            <a:r>
+              <a:rPr lang="en-US" sz="1000" dirty="0"/>
+              <a:t>from </a:t>
+            </a:r>
+            <a:r>
+              <a:rPr lang="en-US" sz="1000" dirty="0">
+                <a:hlinkClick r:id="rId2"/>
+              </a:rPr>
+              <a:t>https://blogs.the451group.com/information_management/files/2012/11/</a:t>
+            </a:r>
+            <a:r>
+              <a:rPr lang="en-US" sz="1000" dirty="0" smtClean="0">
+                <a:hlinkClick r:id="rId2"/>
+              </a:rPr>
+              <a:t>DBlandscape.jpg</a:t>
+            </a:r>
+            <a:r>
+              <a:rPr lang="en-US" sz="1000" dirty="0" smtClean="0"/>
+              <a:t> </a:t>
+            </a:r>
+            <a:endParaRPr lang="en-US" sz="3600" dirty="0"/>
+          </a:p>
+        </p:txBody>
+      </p:sp>
+      <p:pic>
+        <p:nvPicPr>
+          <p:cNvPr id="5" name="Content Placeholder 4"/>
+          <p:cNvPicPr>
+            <a:picLocks noGrp="1" noChangeAspect="1"/>
+          </p:cNvPicPr>
           <p:nvPr>
             <p:ph idx="1"/>
           </p:nvPr>
-        </p:nvSpPr>
-        <p:spPr/>
-        <p:txBody>
-          <a:bodyPr/>
-          <a:lstStyle/>
-          <a:p>
-            <a:r>
-              <a:rPr lang="en-US" dirty="0" smtClean="0"/>
-              <a:t>Insert 4 types</a:t>
-            </a:r>
-            <a:endParaRPr lang="en-US" dirty="0"/>
+        </p:nvPicPr>
+        <p:blipFill>
+          <a:blip r:embed="rId3"/>
+          <a:srcRect l="-18187" r="-18187"/>
+          <a:stretch>
+            <a:fillRect/>
+          </a:stretch>
+        </p:blipFill>
+        <p:spPr>
+          <a:xfrm>
+            <a:off x="-1" y="1310979"/>
+            <a:ext cx="9144099" cy="5028902"/>
+          </a:xfrm>
+        </p:spPr>
+      </p:pic>
+      <p:sp>
+        <p:nvSpPr>
+          <p:cNvPr id="6" name="Date Placeholder 5"/>
+          <p:cNvSpPr>
+            <a:spLocks noGrp="1"/>
+          </p:cNvSpPr>
+          <p:nvPr>
+            <p:ph type="dt" sz="half" idx="10"/>
+          </p:nvPr>
+        </p:nvSpPr>
+        <p:spPr/>
+        <p:txBody>
+          <a:bodyPr/>
+          <a:lstStyle/>
+          <a:p>
+            <a:r>
+              <a:rPr lang="en-US" smtClean="0"/>
+              <a:t>9/16/14</a:t>
+            </a:r>
+            <a:endParaRPr lang="en-US"/>
+          </a:p>
+        </p:txBody>
+      </p:sp>
+      <p:sp>
+        <p:nvSpPr>
+          <p:cNvPr id="7" name="Footer Placeholder 6"/>
+          <p:cNvSpPr>
+            <a:spLocks noGrp="1"/>
+          </p:cNvSpPr>
+          <p:nvPr>
+            <p:ph type="ftr" sz="quarter" idx="11"/>
+          </p:nvPr>
+        </p:nvSpPr>
+        <p:spPr/>
+        <p:txBody>
+          <a:bodyPr/>
+          <a:lstStyle/>
+          <a:p>
+            <a:r>
+              <a:rPr lang="en-US" smtClean="0"/>
+              <a:t>Creative Common SA</a:t>
+            </a:r>
+            <a:endParaRPr lang="en-US"/>
+          </a:p>
+        </p:txBody>
+      </p:sp>
+      <p:sp>
+        <p:nvSpPr>
+          <p:cNvPr id="8" name="Slide Number Placeholder 7"/>
+          <p:cNvSpPr>
+            <a:spLocks noGrp="1"/>
+          </p:cNvSpPr>
+          <p:nvPr>
+            <p:ph type="sldNum" sz="quarter" idx="12"/>
+          </p:nvPr>
+        </p:nvSpPr>
+        <p:spPr/>
+        <p:txBody>
+          <a:bodyPr/>
+          <a:lstStyle/>
+          <a:p>
+            <a:fld id="{02968B73-BAA9-8B43-B9A0-F0D59A65CBE2}" type="slidenum">
+              <a:rPr lang="en-US" smtClean="0"/>
+              <a:t>16</a:t>
+            </a:fld>
+            <a:endParaRPr lang="en-US"/>
           </a:p>
         </p:txBody>
       </p:sp>
@@ -3740,7 +5320,11 @@
           <a:p>
             <a:r>
               <a:rPr lang="en-US" dirty="0" smtClean="0"/>
-              <a:t>Graph Database</a:t>
+              <a:t>Seven Bridges of </a:t>
+            </a:r>
+            <a:r>
+              <a:rPr lang="en-US" dirty="0" err="1" smtClean="0"/>
+              <a:t>Kon</a:t>
             </a:r>
             <a:endParaRPr lang="en-US" dirty="0"/>
           </a:p>
@@ -3748,27 +5332,129 @@
       </p:sp>
       <p:sp>
         <p:nvSpPr>
-          <p:cNvPr id="3" name="Content Placeholder 2"/>
-          <p:cNvSpPr>
-            <a:spLocks noGrp="1"/>
-          </p:cNvSpPr>
+          <p:cNvPr id="4" name="Date Placeholder 3"/>
+          <p:cNvSpPr>
+            <a:spLocks noGrp="1"/>
+          </p:cNvSpPr>
+          <p:nvPr>
+            <p:ph type="dt" sz="half" idx="10"/>
+          </p:nvPr>
+        </p:nvSpPr>
+        <p:spPr/>
+        <p:txBody>
+          <a:bodyPr/>
+          <a:lstStyle/>
+          <a:p>
+            <a:r>
+              <a:rPr lang="en-US" smtClean="0"/>
+              <a:t>9/16/14</a:t>
+            </a:r>
+            <a:endParaRPr lang="en-US"/>
+          </a:p>
+        </p:txBody>
+      </p:sp>
+      <p:sp>
+        <p:nvSpPr>
+          <p:cNvPr id="5" name="Footer Placeholder 4"/>
+          <p:cNvSpPr>
+            <a:spLocks noGrp="1"/>
+          </p:cNvSpPr>
+          <p:nvPr>
+            <p:ph type="ftr" sz="quarter" idx="11"/>
+          </p:nvPr>
+        </p:nvSpPr>
+        <p:spPr/>
+        <p:txBody>
+          <a:bodyPr/>
+          <a:lstStyle/>
+          <a:p>
+            <a:r>
+              <a:rPr lang="en-US" smtClean="0"/>
+              <a:t>Creative Common SA</a:t>
+            </a:r>
+            <a:endParaRPr lang="en-US"/>
+          </a:p>
+        </p:txBody>
+      </p:sp>
+      <p:sp>
+        <p:nvSpPr>
+          <p:cNvPr id="6" name="Slide Number Placeholder 5"/>
+          <p:cNvSpPr>
+            <a:spLocks noGrp="1"/>
+          </p:cNvSpPr>
+          <p:nvPr>
+            <p:ph type="sldNum" sz="quarter" idx="12"/>
+          </p:nvPr>
+        </p:nvSpPr>
+        <p:spPr/>
+        <p:txBody>
+          <a:bodyPr/>
+          <a:lstStyle/>
+          <a:p>
+            <a:fld id="{02968B73-BAA9-8B43-B9A0-F0D59A65CBE2}" type="slidenum">
+              <a:rPr lang="en-US" smtClean="0"/>
+              <a:t>17</a:t>
+            </a:fld>
+            <a:endParaRPr lang="en-US"/>
+          </a:p>
+        </p:txBody>
+      </p:sp>
+      <p:pic>
+        <p:nvPicPr>
+          <p:cNvPr id="7" name="Picture 1"/>
+          <p:cNvPicPr>
+            <a:picLocks noGrp="1" noChangeAspect="1" noChangeArrowheads="1"/>
+          </p:cNvPicPr>
           <p:nvPr>
             <p:ph idx="1"/>
           </p:nvPr>
-        </p:nvSpPr>
-        <p:spPr/>
-        <p:txBody>
-          <a:bodyPr/>
-          <a:lstStyle/>
-          <a:p>
-            <a:endParaRPr lang="en-US"/>
-          </a:p>
-        </p:txBody>
-      </p:sp>
+        </p:nvPicPr>
+        <p:blipFill>
+          <a:blip r:embed="rId2">
+            <a:extLst>
+              <a:ext uri="{28A0092B-C50C-407E-A947-70E740481C1C}">
+                <a14:useLocalDpi xmlns:a14="http://schemas.microsoft.com/office/drawing/2010/main" val="0"/>
+              </a:ext>
+            </a:extLst>
+          </a:blip>
+          <a:srcRect t="-8675" b="-8675"/>
+          <a:stretch>
+            <a:fillRect/>
+          </a:stretch>
+        </p:blipFill>
+        <p:spPr bwMode="auto">
+          <a:prstGeom prst="rect">
+            <a:avLst/>
+          </a:prstGeom>
+          <a:noFill/>
+          <a:ln>
+            <a:noFill/>
+          </a:ln>
+          <a:extLst>
+            <a:ext uri="{909E8E84-426E-40dd-AFC4-6F175D3DCCD1}">
+              <a14:hiddenFill xmlns:a14="http://schemas.microsoft.com/office/drawing/2010/main">
+                <a:solidFill>
+                  <a:srgbClr val="FFFFFF"/>
+                </a:solidFill>
+              </a14:hiddenFill>
+            </a:ext>
+            <a:ext uri="{91240B29-F687-4f45-9708-019B960494DF}">
+              <a14:hiddenLine xmlns:a14="http://schemas.microsoft.com/office/drawing/2010/main" w="12700">
+                <a:solidFill>
+                  <a:schemeClr val="tx1"/>
+                </a:solidFill>
+                <a:miter lim="800000"/>
+                <a:headEnd/>
+                <a:tailEnd/>
+              </a14:hiddenLine>
+            </a:ext>
+          </a:extLst>
+        </p:spPr>
+      </p:pic>
     </p:spTree>
     <p:extLst>
       <p:ext uri="{BB962C8B-B14F-4D97-AF65-F5344CB8AC3E}">
-        <p14:creationId xmlns:p14="http://schemas.microsoft.com/office/powerpoint/2010/main" val="90298870"/>
+        <p14:creationId xmlns:p14="http://schemas.microsoft.com/office/powerpoint/2010/main" val="2244808387"/>
       </p:ext>
     </p:extLst>
   </p:cSld>
@@ -3795,58 +5481,1387 @@
           <a:chExt cx="0" cy="0"/>
         </a:xfrm>
       </p:grpSpPr>
-      <p:sp>
-        <p:nvSpPr>
-          <p:cNvPr id="2" name="Title 1"/>
-          <p:cNvSpPr>
-            <a:spLocks noGrp="1"/>
-          </p:cNvSpPr>
-          <p:nvPr>
-            <p:ph type="title"/>
-          </p:nvPr>
-        </p:nvSpPr>
-        <p:spPr/>
-        <p:txBody>
-          <a:bodyPr/>
-          <a:lstStyle/>
-          <a:p>
-            <a:r>
-              <a:rPr lang="en-US" dirty="0" smtClean="0"/>
-              <a:t>Neo4j</a:t>
-            </a:r>
-            <a:endParaRPr lang="en-US" dirty="0"/>
-          </a:p>
-        </p:txBody>
-      </p:sp>
-      <p:sp>
-        <p:nvSpPr>
-          <p:cNvPr id="3" name="Content Placeholder 2"/>
-          <p:cNvSpPr>
-            <a:spLocks noGrp="1"/>
-          </p:cNvSpPr>
-          <p:nvPr>
-            <p:ph idx="1"/>
-          </p:nvPr>
-        </p:nvSpPr>
-        <p:spPr/>
-        <p:txBody>
-          <a:bodyPr/>
-          <a:lstStyle/>
-          <a:p>
-            <a:endParaRPr lang="en-US"/>
-          </a:p>
-        </p:txBody>
-      </p:sp>
+      <p:pic>
+        <p:nvPicPr>
+          <p:cNvPr id="33793" name="Picture 1"/>
+          <p:cNvPicPr>
+            <a:picLocks noChangeAspect="1" noChangeArrowheads="1"/>
+          </p:cNvPicPr>
+          <p:nvPr/>
+        </p:nvPicPr>
+        <p:blipFill>
+          <a:blip r:embed="rId3">
+            <a:extLst>
+              <a:ext uri="{28A0092B-C50C-407E-A947-70E740481C1C}">
+                <a14:useLocalDpi xmlns:a14="http://schemas.microsoft.com/office/drawing/2010/main" val="0"/>
+              </a:ext>
+            </a:extLst>
+          </a:blip>
+          <a:srcRect l="21510" t="33319" r="23383" b="2855"/>
+          <a:stretch>
+            <a:fillRect/>
+          </a:stretch>
+        </p:blipFill>
+        <p:spPr bwMode="auto">
+          <a:xfrm>
+            <a:off x="759024" y="654844"/>
+            <a:ext cx="7617023" cy="5512594"/>
+          </a:xfrm>
+          <a:prstGeom prst="rect">
+            <a:avLst/>
+          </a:prstGeom>
+          <a:noFill/>
+          <a:ln>
+            <a:noFill/>
+          </a:ln>
+          <a:extLst>
+            <a:ext uri="{909E8E84-426E-40dd-AFC4-6F175D3DCCD1}">
+              <a14:hiddenFill xmlns:a14="http://schemas.microsoft.com/office/drawing/2010/main">
+                <a:solidFill>
+                  <a:srgbClr val="FFFFFF"/>
+                </a:solidFill>
+              </a14:hiddenFill>
+            </a:ext>
+            <a:ext uri="{91240B29-F687-4f45-9708-019B960494DF}">
+              <a14:hiddenLine xmlns:a14="http://schemas.microsoft.com/office/drawing/2010/main" w="12700">
+                <a:solidFill>
+                  <a:schemeClr val="tx1"/>
+                </a:solidFill>
+                <a:miter lim="800000"/>
+                <a:headEnd/>
+                <a:tailEnd/>
+              </a14:hiddenLine>
+            </a:ext>
+          </a:extLst>
+        </p:spPr>
+      </p:pic>
+      <p:grpSp>
+        <p:nvGrpSpPr>
+          <p:cNvPr id="32791" name="Group 23"/>
+          <p:cNvGrpSpPr>
+            <a:grpSpLocks/>
+          </p:cNvGrpSpPr>
+          <p:nvPr/>
+        </p:nvGrpSpPr>
+        <p:grpSpPr bwMode="auto">
+          <a:xfrm>
+            <a:off x="1946672" y="1339453"/>
+            <a:ext cx="5658074" cy="4588372"/>
+            <a:chOff x="0" y="0"/>
+            <a:chExt cx="5069" cy="3083"/>
+          </a:xfrm>
+        </p:grpSpPr>
+        <p:grpSp>
+          <p:nvGrpSpPr>
+            <p:cNvPr id="33801" name="Group 4"/>
+            <p:cNvGrpSpPr>
+              <a:grpSpLocks/>
+            </p:cNvGrpSpPr>
+            <p:nvPr/>
+          </p:nvGrpSpPr>
+          <p:grpSpPr bwMode="auto">
+            <a:xfrm>
+              <a:off x="626" y="-87"/>
+              <a:ext cx="966" cy="1125"/>
+              <a:chOff x="0" y="0"/>
+              <a:chExt cx="966" cy="1125"/>
+            </a:xfrm>
+          </p:grpSpPr>
+          <p:sp>
+            <p:nvSpPr>
+              <p:cNvPr id="33820" name="Oval 2"/>
+              <p:cNvSpPr>
+                <a:spLocks/>
+              </p:cNvSpPr>
+              <p:nvPr/>
+            </p:nvSpPr>
+            <p:spPr bwMode="auto">
+              <a:xfrm rot="1760965">
+                <a:off x="269" y="139"/>
+                <a:ext cx="432" cy="840"/>
+              </a:xfrm>
+              <a:prstGeom prst="ellipse">
+                <a:avLst/>
+              </a:prstGeom>
+              <a:noFill/>
+              <a:ln>
+                <a:noFill/>
+              </a:ln>
+              <a:extLst>
+                <a:ext uri="{909E8E84-426E-40dd-AFC4-6F175D3DCCD1}">
+                  <a14:hiddenFill xmlns:a14="http://schemas.microsoft.com/office/drawing/2010/main">
+                    <a:solidFill>
+                      <a:srgbClr val="FFFFFF"/>
+                    </a:solidFill>
+                  </a14:hiddenFill>
+                </a:ext>
+                <a:ext uri="{91240B29-F687-4f45-9708-019B960494DF}">
+                  <a14:hiddenLine xmlns:a14="http://schemas.microsoft.com/office/drawing/2010/main" w="12700">
+                    <a:solidFill>
+                      <a:schemeClr val="tx1"/>
+                    </a:solidFill>
+                    <a:miter lim="800000"/>
+                    <a:headEnd/>
+                    <a:tailEnd/>
+                  </a14:hiddenLine>
+                </a:ext>
+              </a:extLst>
+            </p:spPr>
+            <p:txBody>
+              <a:bodyPr lIns="0" tIns="0" rIns="0" bIns="0"/>
+              <a:lstStyle/>
+              <a:p>
+                <a:endParaRPr lang="en-US"/>
+              </a:p>
+            </p:txBody>
+          </p:sp>
+          <p:pic>
+            <p:nvPicPr>
+              <p:cNvPr id="33821" name="Picture 3"/>
+              <p:cNvPicPr>
+                <a:picLocks noChangeArrowheads="1"/>
+              </p:cNvPicPr>
+              <p:nvPr/>
+            </p:nvPicPr>
+            <p:blipFill>
+              <a:blip r:embed="rId4">
+                <a:extLst>
+                  <a:ext uri="{28A0092B-C50C-407E-A947-70E740481C1C}">
+                    <a14:useLocalDpi xmlns:a14="http://schemas.microsoft.com/office/drawing/2010/main" val="0"/>
+                  </a:ext>
+                </a:extLst>
+              </a:blip>
+              <a:srcRect/>
+              <a:stretch>
+                <a:fillRect/>
+              </a:stretch>
+            </p:blipFill>
+            <p:spPr bwMode="auto">
+              <a:xfrm rot="1760965">
+                <a:off x="203" y="74"/>
+                <a:ext cx="560" cy="976"/>
+              </a:xfrm>
+              <a:prstGeom prst="rect">
+                <a:avLst/>
+              </a:prstGeom>
+              <a:noFill/>
+              <a:ln>
+                <a:noFill/>
+              </a:ln>
+              <a:extLst>
+                <a:ext uri="{909E8E84-426E-40dd-AFC4-6F175D3DCCD1}">
+                  <a14:hiddenFill xmlns:a14="http://schemas.microsoft.com/office/drawing/2010/main">
+                    <a:solidFill>
+                      <a:srgbClr val="FFFFFF"/>
+                    </a:solidFill>
+                  </a14:hiddenFill>
+                </a:ext>
+                <a:ext uri="{91240B29-F687-4f45-9708-019B960494DF}">
+                  <a14:hiddenLine xmlns:a14="http://schemas.microsoft.com/office/drawing/2010/main" w="12700">
+                    <a:solidFill>
+                      <a:schemeClr val="tx1"/>
+                    </a:solidFill>
+                    <a:miter lim="800000"/>
+                    <a:headEnd/>
+                    <a:tailEnd/>
+                  </a14:hiddenLine>
+                </a:ext>
+              </a:extLst>
+            </p:spPr>
+          </p:pic>
+        </p:grpSp>
+        <p:grpSp>
+          <p:nvGrpSpPr>
+            <p:cNvPr id="33802" name="Group 7"/>
+            <p:cNvGrpSpPr>
+              <a:grpSpLocks/>
+            </p:cNvGrpSpPr>
+            <p:nvPr/>
+          </p:nvGrpSpPr>
+          <p:grpSpPr bwMode="auto">
+            <a:xfrm>
+              <a:off x="2099" y="-5"/>
+              <a:ext cx="898" cy="1118"/>
+              <a:chOff x="0" y="0"/>
+              <a:chExt cx="898" cy="1119"/>
+            </a:xfrm>
+          </p:grpSpPr>
+          <p:sp>
+            <p:nvSpPr>
+              <p:cNvPr id="33818" name="Oval 5"/>
+              <p:cNvSpPr>
+                <a:spLocks/>
+              </p:cNvSpPr>
+              <p:nvPr/>
+            </p:nvSpPr>
+            <p:spPr bwMode="auto">
+              <a:xfrm rot="9451121">
+                <a:off x="238" y="141"/>
+                <a:ext cx="432" cy="840"/>
+              </a:xfrm>
+              <a:prstGeom prst="ellipse">
+                <a:avLst/>
+              </a:prstGeom>
+              <a:noFill/>
+              <a:ln>
+                <a:noFill/>
+              </a:ln>
+              <a:extLst>
+                <a:ext uri="{909E8E84-426E-40dd-AFC4-6F175D3DCCD1}">
+                  <a14:hiddenFill xmlns:a14="http://schemas.microsoft.com/office/drawing/2010/main">
+                    <a:solidFill>
+                      <a:srgbClr val="FFFFFF"/>
+                    </a:solidFill>
+                  </a14:hiddenFill>
+                </a:ext>
+                <a:ext uri="{91240B29-F687-4f45-9708-019B960494DF}">
+                  <a14:hiddenLine xmlns:a14="http://schemas.microsoft.com/office/drawing/2010/main" w="12700">
+                    <a:solidFill>
+                      <a:schemeClr val="tx1"/>
+                    </a:solidFill>
+                    <a:miter lim="800000"/>
+                    <a:headEnd/>
+                    <a:tailEnd/>
+                  </a14:hiddenLine>
+                </a:ext>
+              </a:extLst>
+            </p:spPr>
+            <p:txBody>
+              <a:bodyPr lIns="0" tIns="0" rIns="0" bIns="0"/>
+              <a:lstStyle/>
+              <a:p>
+                <a:endParaRPr lang="en-US"/>
+              </a:p>
+            </p:txBody>
+          </p:sp>
+          <p:pic>
+            <p:nvPicPr>
+              <p:cNvPr id="33819" name="Picture 6"/>
+              <p:cNvPicPr>
+                <a:picLocks noChangeArrowheads="1"/>
+              </p:cNvPicPr>
+              <p:nvPr/>
+            </p:nvPicPr>
+            <p:blipFill>
+              <a:blip r:embed="rId5">
+                <a:extLst>
+                  <a:ext uri="{28A0092B-C50C-407E-A947-70E740481C1C}">
+                    <a14:useLocalDpi xmlns:a14="http://schemas.microsoft.com/office/drawing/2010/main" val="0"/>
+                  </a:ext>
+                </a:extLst>
+              </a:blip>
+              <a:srcRect/>
+              <a:stretch>
+                <a:fillRect/>
+              </a:stretch>
+            </p:blipFill>
+            <p:spPr bwMode="auto">
+              <a:xfrm rot="-1348879">
+                <a:off x="165" y="71"/>
+                <a:ext cx="568" cy="976"/>
+              </a:xfrm>
+              <a:prstGeom prst="rect">
+                <a:avLst/>
+              </a:prstGeom>
+              <a:noFill/>
+              <a:ln>
+                <a:noFill/>
+              </a:ln>
+              <a:extLst>
+                <a:ext uri="{909E8E84-426E-40dd-AFC4-6F175D3DCCD1}">
+                  <a14:hiddenFill xmlns:a14="http://schemas.microsoft.com/office/drawing/2010/main">
+                    <a:solidFill>
+                      <a:srgbClr val="FFFFFF"/>
+                    </a:solidFill>
+                  </a14:hiddenFill>
+                </a:ext>
+                <a:ext uri="{91240B29-F687-4f45-9708-019B960494DF}">
+                  <a14:hiddenLine xmlns:a14="http://schemas.microsoft.com/office/drawing/2010/main" w="12700">
+                    <a:solidFill>
+                      <a:schemeClr val="tx1"/>
+                    </a:solidFill>
+                    <a:miter lim="800000"/>
+                    <a:headEnd/>
+                    <a:tailEnd/>
+                  </a14:hiddenLine>
+                </a:ext>
+              </a:extLst>
+            </p:spPr>
+          </p:pic>
+        </p:grpSp>
+        <p:grpSp>
+          <p:nvGrpSpPr>
+            <p:cNvPr id="33803" name="Group 10"/>
+            <p:cNvGrpSpPr>
+              <a:grpSpLocks/>
+            </p:cNvGrpSpPr>
+            <p:nvPr/>
+          </p:nvGrpSpPr>
+          <p:grpSpPr bwMode="auto">
+            <a:xfrm>
+              <a:off x="3772" y="212"/>
+              <a:ext cx="953" cy="824"/>
+              <a:chOff x="0" y="0"/>
+              <a:chExt cx="952" cy="823"/>
+            </a:xfrm>
+          </p:grpSpPr>
+          <p:sp>
+            <p:nvSpPr>
+              <p:cNvPr id="33816" name="Oval 8"/>
+              <p:cNvSpPr>
+                <a:spLocks/>
+              </p:cNvSpPr>
+              <p:nvPr/>
+            </p:nvSpPr>
+            <p:spPr bwMode="auto">
+              <a:xfrm rot="6308784">
+                <a:off x="229" y="63"/>
+                <a:ext cx="496" cy="688"/>
+              </a:xfrm>
+              <a:prstGeom prst="ellipse">
+                <a:avLst/>
+              </a:prstGeom>
+              <a:noFill/>
+              <a:ln>
+                <a:noFill/>
+              </a:ln>
+              <a:extLst>
+                <a:ext uri="{909E8E84-426E-40dd-AFC4-6F175D3DCCD1}">
+                  <a14:hiddenFill xmlns:a14="http://schemas.microsoft.com/office/drawing/2010/main">
+                    <a:solidFill>
+                      <a:srgbClr val="FFFFFF"/>
+                    </a:solidFill>
+                  </a14:hiddenFill>
+                </a:ext>
+                <a:ext uri="{91240B29-F687-4f45-9708-019B960494DF}">
+                  <a14:hiddenLine xmlns:a14="http://schemas.microsoft.com/office/drawing/2010/main" w="12700">
+                    <a:solidFill>
+                      <a:schemeClr val="tx1"/>
+                    </a:solidFill>
+                    <a:miter lim="800000"/>
+                    <a:headEnd/>
+                    <a:tailEnd/>
+                  </a14:hiddenLine>
+                </a:ext>
+              </a:extLst>
+            </p:spPr>
+            <p:txBody>
+              <a:bodyPr lIns="0" tIns="0" rIns="0" bIns="0"/>
+              <a:lstStyle/>
+              <a:p>
+                <a:endParaRPr lang="en-US"/>
+              </a:p>
+            </p:txBody>
+          </p:sp>
+          <p:pic>
+            <p:nvPicPr>
+              <p:cNvPr id="33817" name="Picture 9"/>
+              <p:cNvPicPr>
+                <a:picLocks noChangeArrowheads="1"/>
+              </p:cNvPicPr>
+              <p:nvPr/>
+            </p:nvPicPr>
+            <p:blipFill>
+              <a:blip r:embed="rId6">
+                <a:extLst>
+                  <a:ext uri="{28A0092B-C50C-407E-A947-70E740481C1C}">
+                    <a14:useLocalDpi xmlns:a14="http://schemas.microsoft.com/office/drawing/2010/main" val="0"/>
+                  </a:ext>
+                </a:extLst>
+              </a:blip>
+              <a:srcRect/>
+              <a:stretch>
+                <a:fillRect/>
+              </a:stretch>
+            </p:blipFill>
+            <p:spPr bwMode="auto">
+              <a:xfrm rot="908785">
+                <a:off x="68" y="95"/>
+                <a:ext cx="816" cy="632"/>
+              </a:xfrm>
+              <a:prstGeom prst="rect">
+                <a:avLst/>
+              </a:prstGeom>
+              <a:noFill/>
+              <a:ln>
+                <a:noFill/>
+              </a:ln>
+              <a:extLst>
+                <a:ext uri="{909E8E84-426E-40dd-AFC4-6F175D3DCCD1}">
+                  <a14:hiddenFill xmlns:a14="http://schemas.microsoft.com/office/drawing/2010/main">
+                    <a:solidFill>
+                      <a:srgbClr val="FFFFFF"/>
+                    </a:solidFill>
+                  </a14:hiddenFill>
+                </a:ext>
+                <a:ext uri="{91240B29-F687-4f45-9708-019B960494DF}">
+                  <a14:hiddenLine xmlns:a14="http://schemas.microsoft.com/office/drawing/2010/main" w="12700">
+                    <a:solidFill>
+                      <a:schemeClr val="tx1"/>
+                    </a:solidFill>
+                    <a:miter lim="800000"/>
+                    <a:headEnd/>
+                    <a:tailEnd/>
+                  </a14:hiddenLine>
+                </a:ext>
+              </a:extLst>
+            </p:spPr>
+          </p:pic>
+        </p:grpSp>
+        <p:grpSp>
+          <p:nvGrpSpPr>
+            <p:cNvPr id="33804" name="Group 13"/>
+            <p:cNvGrpSpPr>
+              <a:grpSpLocks/>
+            </p:cNvGrpSpPr>
+            <p:nvPr/>
+          </p:nvGrpSpPr>
+          <p:grpSpPr bwMode="auto">
+            <a:xfrm>
+              <a:off x="3596" y="716"/>
+              <a:ext cx="1038" cy="999"/>
+              <a:chOff x="0" y="0"/>
+              <a:chExt cx="1038" cy="999"/>
+            </a:xfrm>
+          </p:grpSpPr>
+          <p:sp>
+            <p:nvSpPr>
+              <p:cNvPr id="33814" name="Oval 11"/>
+              <p:cNvSpPr>
+                <a:spLocks/>
+              </p:cNvSpPr>
+              <p:nvPr/>
+            </p:nvSpPr>
+            <p:spPr bwMode="auto">
+              <a:xfrm rot="-3198019">
+                <a:off x="271" y="161"/>
+                <a:ext cx="496" cy="688"/>
+              </a:xfrm>
+              <a:prstGeom prst="ellipse">
+                <a:avLst/>
+              </a:prstGeom>
+              <a:noFill/>
+              <a:ln>
+                <a:noFill/>
+              </a:ln>
+              <a:extLst>
+                <a:ext uri="{909E8E84-426E-40dd-AFC4-6F175D3DCCD1}">
+                  <a14:hiddenFill xmlns:a14="http://schemas.microsoft.com/office/drawing/2010/main">
+                    <a:solidFill>
+                      <a:srgbClr val="FFFFFF"/>
+                    </a:solidFill>
+                  </a14:hiddenFill>
+                </a:ext>
+                <a:ext uri="{91240B29-F687-4f45-9708-019B960494DF}">
+                  <a14:hiddenLine xmlns:a14="http://schemas.microsoft.com/office/drawing/2010/main" w="12700">
+                    <a:solidFill>
+                      <a:schemeClr val="tx1"/>
+                    </a:solidFill>
+                    <a:miter lim="800000"/>
+                    <a:headEnd/>
+                    <a:tailEnd/>
+                  </a14:hiddenLine>
+                </a:ext>
+              </a:extLst>
+            </p:spPr>
+            <p:txBody>
+              <a:bodyPr lIns="0" tIns="0" rIns="0" bIns="0"/>
+              <a:lstStyle/>
+              <a:p>
+                <a:endParaRPr lang="en-US"/>
+              </a:p>
+            </p:txBody>
+          </p:sp>
+          <p:pic>
+            <p:nvPicPr>
+              <p:cNvPr id="33815" name="Picture 12"/>
+              <p:cNvPicPr>
+                <a:picLocks noChangeArrowheads="1"/>
+              </p:cNvPicPr>
+              <p:nvPr/>
+            </p:nvPicPr>
+            <p:blipFill>
+              <a:blip r:embed="rId7">
+                <a:extLst>
+                  <a:ext uri="{28A0092B-C50C-407E-A947-70E740481C1C}">
+                    <a14:useLocalDpi xmlns:a14="http://schemas.microsoft.com/office/drawing/2010/main" val="0"/>
+                  </a:ext>
+                </a:extLst>
+              </a:blip>
+              <a:srcRect/>
+              <a:stretch>
+                <a:fillRect/>
+              </a:stretch>
+            </p:blipFill>
+            <p:spPr bwMode="auto">
+              <a:xfrm rot="2201981">
+                <a:off x="107" y="183"/>
+                <a:ext cx="824" cy="632"/>
+              </a:xfrm>
+              <a:prstGeom prst="rect">
+                <a:avLst/>
+              </a:prstGeom>
+              <a:noFill/>
+              <a:ln>
+                <a:noFill/>
+              </a:ln>
+              <a:extLst>
+                <a:ext uri="{909E8E84-426E-40dd-AFC4-6F175D3DCCD1}">
+                  <a14:hiddenFill xmlns:a14="http://schemas.microsoft.com/office/drawing/2010/main">
+                    <a:solidFill>
+                      <a:srgbClr val="FFFFFF"/>
+                    </a:solidFill>
+                  </a14:hiddenFill>
+                </a:ext>
+                <a:ext uri="{91240B29-F687-4f45-9708-019B960494DF}">
+                  <a14:hiddenLine xmlns:a14="http://schemas.microsoft.com/office/drawing/2010/main" w="12700">
+                    <a:solidFill>
+                      <a:schemeClr val="tx1"/>
+                    </a:solidFill>
+                    <a:miter lim="800000"/>
+                    <a:headEnd/>
+                    <a:tailEnd/>
+                  </a14:hiddenLine>
+                </a:ext>
+              </a:extLst>
+            </p:spPr>
+          </p:pic>
+        </p:grpSp>
+        <p:grpSp>
+          <p:nvGrpSpPr>
+            <p:cNvPr id="33805" name="Group 16"/>
+            <p:cNvGrpSpPr>
+              <a:grpSpLocks/>
+            </p:cNvGrpSpPr>
+            <p:nvPr/>
+          </p:nvGrpSpPr>
+          <p:grpSpPr bwMode="auto">
+            <a:xfrm>
+              <a:off x="4366" y="2216"/>
+              <a:ext cx="786" cy="950"/>
+              <a:chOff x="0" y="0"/>
+              <a:chExt cx="785" cy="950"/>
+            </a:xfrm>
+          </p:grpSpPr>
+          <p:sp>
+            <p:nvSpPr>
+              <p:cNvPr id="33812" name="Oval 14"/>
+              <p:cNvSpPr>
+                <a:spLocks/>
+              </p:cNvSpPr>
+              <p:nvPr/>
+            </p:nvSpPr>
+            <p:spPr bwMode="auto">
+              <a:xfrm rot="1304263">
+                <a:off x="196" y="131"/>
+                <a:ext cx="392" cy="688"/>
+              </a:xfrm>
+              <a:prstGeom prst="ellipse">
+                <a:avLst/>
+              </a:prstGeom>
+              <a:noFill/>
+              <a:ln>
+                <a:noFill/>
+              </a:ln>
+              <a:extLst>
+                <a:ext uri="{909E8E84-426E-40dd-AFC4-6F175D3DCCD1}">
+                  <a14:hiddenFill xmlns:a14="http://schemas.microsoft.com/office/drawing/2010/main">
+                    <a:solidFill>
+                      <a:srgbClr val="FFFFFF"/>
+                    </a:solidFill>
+                  </a14:hiddenFill>
+                </a:ext>
+                <a:ext uri="{91240B29-F687-4f45-9708-019B960494DF}">
+                  <a14:hiddenLine xmlns:a14="http://schemas.microsoft.com/office/drawing/2010/main" w="12700">
+                    <a:solidFill>
+                      <a:schemeClr val="tx1"/>
+                    </a:solidFill>
+                    <a:miter lim="800000"/>
+                    <a:headEnd/>
+                    <a:tailEnd/>
+                  </a14:hiddenLine>
+                </a:ext>
+              </a:extLst>
+            </p:spPr>
+            <p:txBody>
+              <a:bodyPr lIns="0" tIns="0" rIns="0" bIns="0"/>
+              <a:lstStyle/>
+              <a:p>
+                <a:endParaRPr lang="en-US"/>
+              </a:p>
+            </p:txBody>
+          </p:sp>
+          <p:pic>
+            <p:nvPicPr>
+              <p:cNvPr id="33813" name="Picture 15"/>
+              <p:cNvPicPr>
+                <a:picLocks noChangeArrowheads="1"/>
+              </p:cNvPicPr>
+              <p:nvPr/>
+            </p:nvPicPr>
+            <p:blipFill>
+              <a:blip r:embed="rId8">
+                <a:extLst>
+                  <a:ext uri="{28A0092B-C50C-407E-A947-70E740481C1C}">
+                    <a14:useLocalDpi xmlns:a14="http://schemas.microsoft.com/office/drawing/2010/main" val="0"/>
+                  </a:ext>
+                </a:extLst>
+              </a:blip>
+              <a:srcRect/>
+              <a:stretch>
+                <a:fillRect/>
+              </a:stretch>
+            </p:blipFill>
+            <p:spPr bwMode="auto">
+              <a:xfrm rot="1304263">
+                <a:off x="132" y="67"/>
+                <a:ext cx="520" cy="816"/>
+              </a:xfrm>
+              <a:prstGeom prst="rect">
+                <a:avLst/>
+              </a:prstGeom>
+              <a:noFill/>
+              <a:ln>
+                <a:noFill/>
+              </a:ln>
+              <a:extLst>
+                <a:ext uri="{909E8E84-426E-40dd-AFC4-6F175D3DCCD1}">
+                  <a14:hiddenFill xmlns:a14="http://schemas.microsoft.com/office/drawing/2010/main">
+                    <a:solidFill>
+                      <a:srgbClr val="FFFFFF"/>
+                    </a:solidFill>
+                  </a14:hiddenFill>
+                </a:ext>
+                <a:ext uri="{91240B29-F687-4f45-9708-019B960494DF}">
+                  <a14:hiddenLine xmlns:a14="http://schemas.microsoft.com/office/drawing/2010/main" w="12700">
+                    <a:solidFill>
+                      <a:schemeClr val="tx1"/>
+                    </a:solidFill>
+                    <a:miter lim="800000"/>
+                    <a:headEnd/>
+                    <a:tailEnd/>
+                  </a14:hiddenLine>
+                </a:ext>
+              </a:extLst>
+            </p:spPr>
+          </p:pic>
+        </p:grpSp>
+        <p:grpSp>
+          <p:nvGrpSpPr>
+            <p:cNvPr id="33806" name="Group 19"/>
+            <p:cNvGrpSpPr>
+              <a:grpSpLocks/>
+            </p:cNvGrpSpPr>
+            <p:nvPr/>
+          </p:nvGrpSpPr>
+          <p:grpSpPr bwMode="auto">
+            <a:xfrm>
+              <a:off x="1045" y="1216"/>
+              <a:ext cx="670" cy="903"/>
+              <a:chOff x="0" y="0"/>
+              <a:chExt cx="670" cy="902"/>
+            </a:xfrm>
+          </p:grpSpPr>
+          <p:sp>
+            <p:nvSpPr>
+              <p:cNvPr id="33810" name="Oval 17"/>
+              <p:cNvSpPr>
+                <a:spLocks/>
+              </p:cNvSpPr>
+              <p:nvPr/>
+            </p:nvSpPr>
+            <p:spPr bwMode="auto">
+              <a:xfrm rot="-679835">
+                <a:off x="139" y="107"/>
+                <a:ext cx="392" cy="688"/>
+              </a:xfrm>
+              <a:prstGeom prst="ellipse">
+                <a:avLst/>
+              </a:prstGeom>
+              <a:noFill/>
+              <a:ln>
+                <a:noFill/>
+              </a:ln>
+              <a:extLst>
+                <a:ext uri="{909E8E84-426E-40dd-AFC4-6F175D3DCCD1}">
+                  <a14:hiddenFill xmlns:a14="http://schemas.microsoft.com/office/drawing/2010/main">
+                    <a:solidFill>
+                      <a:srgbClr val="FFFFFF"/>
+                    </a:solidFill>
+                  </a14:hiddenFill>
+                </a:ext>
+                <a:ext uri="{91240B29-F687-4f45-9708-019B960494DF}">
+                  <a14:hiddenLine xmlns:a14="http://schemas.microsoft.com/office/drawing/2010/main" w="12700">
+                    <a:solidFill>
+                      <a:schemeClr val="tx1"/>
+                    </a:solidFill>
+                    <a:miter lim="800000"/>
+                    <a:headEnd/>
+                    <a:tailEnd/>
+                  </a14:hiddenLine>
+                </a:ext>
+              </a:extLst>
+            </p:spPr>
+            <p:txBody>
+              <a:bodyPr lIns="0" tIns="0" rIns="0" bIns="0"/>
+              <a:lstStyle/>
+              <a:p>
+                <a:endParaRPr lang="en-US"/>
+              </a:p>
+            </p:txBody>
+          </p:sp>
+          <p:pic>
+            <p:nvPicPr>
+              <p:cNvPr id="33811" name="Picture 18"/>
+              <p:cNvPicPr>
+                <a:picLocks noChangeArrowheads="1"/>
+              </p:cNvPicPr>
+              <p:nvPr/>
+            </p:nvPicPr>
+            <p:blipFill>
+              <a:blip r:embed="rId8">
+                <a:extLst>
+                  <a:ext uri="{28A0092B-C50C-407E-A947-70E740481C1C}">
+                    <a14:useLocalDpi xmlns:a14="http://schemas.microsoft.com/office/drawing/2010/main" val="0"/>
+                  </a:ext>
+                </a:extLst>
+              </a:blip>
+              <a:srcRect/>
+              <a:stretch>
+                <a:fillRect/>
+              </a:stretch>
+            </p:blipFill>
+            <p:spPr bwMode="auto">
+              <a:xfrm rot="-679835">
+                <a:off x="75" y="43"/>
+                <a:ext cx="520" cy="816"/>
+              </a:xfrm>
+              <a:prstGeom prst="rect">
+                <a:avLst/>
+              </a:prstGeom>
+              <a:noFill/>
+              <a:ln>
+                <a:noFill/>
+              </a:ln>
+              <a:extLst>
+                <a:ext uri="{909E8E84-426E-40dd-AFC4-6F175D3DCCD1}">
+                  <a14:hiddenFill xmlns:a14="http://schemas.microsoft.com/office/drawing/2010/main">
+                    <a:solidFill>
+                      <a:srgbClr val="FFFFFF"/>
+                    </a:solidFill>
+                  </a14:hiddenFill>
+                </a:ext>
+                <a:ext uri="{91240B29-F687-4f45-9708-019B960494DF}">
+                  <a14:hiddenLine xmlns:a14="http://schemas.microsoft.com/office/drawing/2010/main" w="12700">
+                    <a:solidFill>
+                      <a:schemeClr val="tx1"/>
+                    </a:solidFill>
+                    <a:miter lim="800000"/>
+                    <a:headEnd/>
+                    <a:tailEnd/>
+                  </a14:hiddenLine>
+                </a:ext>
+              </a:extLst>
+            </p:spPr>
+          </p:pic>
+        </p:grpSp>
+        <p:grpSp>
+          <p:nvGrpSpPr>
+            <p:cNvPr id="33807" name="Group 22"/>
+            <p:cNvGrpSpPr>
+              <a:grpSpLocks/>
+            </p:cNvGrpSpPr>
+            <p:nvPr/>
+          </p:nvGrpSpPr>
+          <p:grpSpPr bwMode="auto">
+            <a:xfrm>
+              <a:off x="-84" y="1210"/>
+              <a:ext cx="698" cy="914"/>
+              <a:chOff x="0" y="0"/>
+              <a:chExt cx="698" cy="914"/>
+            </a:xfrm>
+          </p:grpSpPr>
+          <p:sp>
+            <p:nvSpPr>
+              <p:cNvPr id="33808" name="Oval 20"/>
+              <p:cNvSpPr>
+                <a:spLocks/>
+              </p:cNvSpPr>
+              <p:nvPr/>
+            </p:nvSpPr>
+            <p:spPr bwMode="auto">
+              <a:xfrm rot="-10015378">
+                <a:off x="157" y="114"/>
+                <a:ext cx="392" cy="688"/>
+              </a:xfrm>
+              <a:prstGeom prst="ellipse">
+                <a:avLst/>
+              </a:prstGeom>
+              <a:noFill/>
+              <a:ln>
+                <a:noFill/>
+              </a:ln>
+              <a:extLst>
+                <a:ext uri="{909E8E84-426E-40dd-AFC4-6F175D3DCCD1}">
+                  <a14:hiddenFill xmlns:a14="http://schemas.microsoft.com/office/drawing/2010/main">
+                    <a:solidFill>
+                      <a:srgbClr val="FFFFFF"/>
+                    </a:solidFill>
+                  </a14:hiddenFill>
+                </a:ext>
+                <a:ext uri="{91240B29-F687-4f45-9708-019B960494DF}">
+                  <a14:hiddenLine xmlns:a14="http://schemas.microsoft.com/office/drawing/2010/main" w="12700">
+                    <a:solidFill>
+                      <a:schemeClr val="tx1"/>
+                    </a:solidFill>
+                    <a:miter lim="800000"/>
+                    <a:headEnd/>
+                    <a:tailEnd/>
+                  </a14:hiddenLine>
+                </a:ext>
+              </a:extLst>
+            </p:spPr>
+            <p:txBody>
+              <a:bodyPr lIns="0" tIns="0" rIns="0" bIns="0"/>
+              <a:lstStyle/>
+              <a:p>
+                <a:endParaRPr lang="en-US"/>
+              </a:p>
+            </p:txBody>
+          </p:sp>
+          <p:pic>
+            <p:nvPicPr>
+              <p:cNvPr id="33809" name="Picture 21"/>
+              <p:cNvPicPr>
+                <a:picLocks noChangeArrowheads="1"/>
+              </p:cNvPicPr>
+              <p:nvPr/>
+            </p:nvPicPr>
+            <p:blipFill>
+              <a:blip r:embed="rId9">
+                <a:extLst>
+                  <a:ext uri="{28A0092B-C50C-407E-A947-70E740481C1C}">
+                    <a14:useLocalDpi xmlns:a14="http://schemas.microsoft.com/office/drawing/2010/main" val="0"/>
+                  </a:ext>
+                </a:extLst>
+              </a:blip>
+              <a:srcRect/>
+              <a:stretch>
+                <a:fillRect/>
+              </a:stretch>
+            </p:blipFill>
+            <p:spPr bwMode="auto">
+              <a:xfrm rot="784621">
+                <a:off x="85" y="49"/>
+                <a:ext cx="528" cy="816"/>
+              </a:xfrm>
+              <a:prstGeom prst="rect">
+                <a:avLst/>
+              </a:prstGeom>
+              <a:noFill/>
+              <a:ln>
+                <a:noFill/>
+              </a:ln>
+              <a:extLst>
+                <a:ext uri="{909E8E84-426E-40dd-AFC4-6F175D3DCCD1}">
+                  <a14:hiddenFill xmlns:a14="http://schemas.microsoft.com/office/drawing/2010/main">
+                    <a:solidFill>
+                      <a:srgbClr val="FFFFFF"/>
+                    </a:solidFill>
+                  </a14:hiddenFill>
+                </a:ext>
+                <a:ext uri="{91240B29-F687-4f45-9708-019B960494DF}">
+                  <a14:hiddenLine xmlns:a14="http://schemas.microsoft.com/office/drawing/2010/main" w="12700">
+                    <a:solidFill>
+                      <a:schemeClr val="tx1"/>
+                    </a:solidFill>
+                    <a:miter lim="800000"/>
+                    <a:headEnd/>
+                    <a:tailEnd/>
+                  </a14:hiddenLine>
+                </a:ext>
+              </a:extLst>
+            </p:spPr>
+          </p:pic>
+        </p:grpSp>
+      </p:grpSp>
+      <p:sp>
+        <p:nvSpPr>
+          <p:cNvPr id="33795" name="Rectangle 24"/>
+          <p:cNvSpPr>
+            <a:spLocks/>
+          </p:cNvSpPr>
+          <p:nvPr/>
+        </p:nvSpPr>
+        <p:spPr bwMode="auto">
+          <a:xfrm>
+            <a:off x="2646537" y="254407"/>
+            <a:ext cx="2540396" cy="276999"/>
+          </a:xfrm>
+          <a:prstGeom prst="rect">
+            <a:avLst/>
+          </a:prstGeom>
+          <a:noFill/>
+          <a:ln>
+            <a:noFill/>
+          </a:ln>
+          <a:extLst>
+            <a:ext uri="{909E8E84-426E-40dd-AFC4-6F175D3DCCD1}">
+              <a14:hiddenFill xmlns:a14="http://schemas.microsoft.com/office/drawing/2010/main">
+                <a:solidFill>
+                  <a:srgbClr val="FFFFFF"/>
+                </a:solidFill>
+              </a14:hiddenFill>
+            </a:ext>
+            <a:ext uri="{91240B29-F687-4f45-9708-019B960494DF}">
+              <a14:hiddenLine xmlns:a14="http://schemas.microsoft.com/office/drawing/2010/main" w="12700">
+                <a:solidFill>
+                  <a:schemeClr val="tx1"/>
+                </a:solidFill>
+                <a:miter lim="800000"/>
+                <a:headEnd/>
+                <a:tailEnd/>
+              </a14:hiddenLine>
+            </a:ext>
+          </a:extLst>
+        </p:spPr>
+        <p:txBody>
+          <a:bodyPr wrap="none" lIns="0" tIns="0" rIns="0" bIns="0" anchor="ctr">
+            <a:spAutoFit/>
+          </a:bodyPr>
+          <a:lstStyle/>
+          <a:p>
+            <a:r>
+              <a:rPr lang="en-US">
+                <a:solidFill>
+                  <a:schemeClr val="tx1"/>
+                </a:solidFill>
+                <a:ea typeface="ＭＳ Ｐゴシック" charset="0"/>
+                <a:cs typeface="ＭＳ Ｐゴシック" charset="0"/>
+              </a:rPr>
+              <a:t>Königsberg (Prussia) - 1736</a:t>
+            </a:r>
+          </a:p>
+        </p:txBody>
+      </p:sp>
+      <p:grpSp>
+        <p:nvGrpSpPr>
+          <p:cNvPr id="32797" name="Group 29"/>
+          <p:cNvGrpSpPr>
+            <a:grpSpLocks/>
+          </p:cNvGrpSpPr>
+          <p:nvPr/>
+        </p:nvGrpSpPr>
+        <p:grpSpPr bwMode="auto">
+          <a:xfrm>
+            <a:off x="3571875" y="809625"/>
+            <a:ext cx="4330898" cy="4583906"/>
+            <a:chOff x="0" y="0"/>
+            <a:chExt cx="3880" cy="3080"/>
+          </a:xfrm>
+        </p:grpSpPr>
+        <p:sp>
+          <p:nvSpPr>
+            <p:cNvPr id="32793" name="Oval 25"/>
+            <p:cNvSpPr>
+              <a:spLocks/>
+            </p:cNvSpPr>
+            <p:nvPr/>
+          </p:nvSpPr>
+          <p:spPr bwMode="auto">
+            <a:xfrm>
+              <a:off x="1400" y="0"/>
+              <a:ext cx="640" cy="640"/>
+            </a:xfrm>
+            <a:prstGeom prst="ellipse">
+              <a:avLst/>
+            </a:prstGeom>
+            <a:noFill/>
+            <a:ln w="101600" cap="flat">
+              <a:solidFill>
+                <a:schemeClr val="tx1">
+                  <a:alpha val="70000"/>
+                </a:schemeClr>
+              </a:solidFill>
+              <a:prstDash val="solid"/>
+              <a:miter lim="800000"/>
+              <a:headEnd type="none" w="med" len="med"/>
+              <a:tailEnd type="none" w="med" len="med"/>
+            </a:ln>
+            <a:effectLst>
+              <a:outerShdw blurRad="38100" dist="12699" dir="5400000" algn="ctr" rotWithShape="0">
+                <a:srgbClr val="000000">
+                  <a:alpha val="50000"/>
+                </a:srgbClr>
+              </a:outerShdw>
+            </a:effectLst>
+            <a:extLst>
+              <a:ext uri="{909E8E84-426E-40dd-AFC4-6F175D3DCCD1}">
+                <a14:hiddenFill xmlns:a14="http://schemas.microsoft.com/office/drawing/2010/main">
+                  <a:solidFill>
+                    <a:srgbClr val="FFFFFF"/>
+                  </a:solidFill>
+                </a14:hiddenFill>
+              </a:ext>
+            </a:extLst>
+          </p:spPr>
+          <p:txBody>
+            <a:bodyPr lIns="0" tIns="0" rIns="0" bIns="0" anchor="ctr"/>
+            <a:lstStyle/>
+            <a:p>
+              <a:pPr>
+                <a:defRPr/>
+              </a:pPr>
+              <a:r>
+                <a:rPr lang="en-US" sz="3500">
+                  <a:effectLst>
+                    <a:outerShdw blurRad="38100" dist="38100" dir="2700000" algn="tl">
+                      <a:srgbClr val="DDDDDD"/>
+                    </a:outerShdw>
+                  </a:effectLst>
+                  <a:ea typeface="ＭＳ Ｐゴシック" charset="0"/>
+                  <a:cs typeface="Gill Sans" charset="0"/>
+                </a:rPr>
+                <a:t>A</a:t>
+              </a:r>
+            </a:p>
+          </p:txBody>
+        </p:sp>
+        <p:sp>
+          <p:nvSpPr>
+            <p:cNvPr id="32794" name="Oval 26"/>
+            <p:cNvSpPr>
+              <a:spLocks/>
+            </p:cNvSpPr>
+            <p:nvPr/>
+          </p:nvSpPr>
+          <p:spPr bwMode="auto">
+            <a:xfrm>
+              <a:off x="200" y="1112"/>
+              <a:ext cx="640" cy="640"/>
+            </a:xfrm>
+            <a:prstGeom prst="ellipse">
+              <a:avLst/>
+            </a:prstGeom>
+            <a:noFill/>
+            <a:ln w="101600" cap="flat">
+              <a:solidFill>
+                <a:schemeClr val="tx1">
+                  <a:alpha val="70000"/>
+                </a:schemeClr>
+              </a:solidFill>
+              <a:prstDash val="solid"/>
+              <a:miter lim="800000"/>
+              <a:headEnd type="none" w="med" len="med"/>
+              <a:tailEnd type="none" w="med" len="med"/>
+            </a:ln>
+            <a:effectLst>
+              <a:outerShdw blurRad="38100" dist="12699" dir="5400000" algn="ctr" rotWithShape="0">
+                <a:srgbClr val="000000">
+                  <a:alpha val="50000"/>
+                </a:srgbClr>
+              </a:outerShdw>
+            </a:effectLst>
+            <a:extLst>
+              <a:ext uri="{909E8E84-426E-40dd-AFC4-6F175D3DCCD1}">
+                <a14:hiddenFill xmlns:a14="http://schemas.microsoft.com/office/drawing/2010/main">
+                  <a:solidFill>
+                    <a:srgbClr val="FFFFFF"/>
+                  </a:solidFill>
+                </a14:hiddenFill>
+              </a:ext>
+            </a:extLst>
+          </p:spPr>
+          <p:txBody>
+            <a:bodyPr lIns="0" tIns="0" rIns="0" bIns="0" anchor="ctr"/>
+            <a:lstStyle/>
+            <a:p>
+              <a:pPr>
+                <a:defRPr/>
+              </a:pPr>
+              <a:r>
+                <a:rPr lang="en-US" sz="3500">
+                  <a:effectLst>
+                    <a:outerShdw blurRad="38100" dist="38100" dir="2700000" algn="tl">
+                      <a:srgbClr val="DDDDDD"/>
+                    </a:outerShdw>
+                  </a:effectLst>
+                  <a:ea typeface="ＭＳ Ｐゴシック" charset="0"/>
+                  <a:cs typeface="Gill Sans" charset="0"/>
+                </a:rPr>
+                <a:t>B</a:t>
+              </a:r>
+            </a:p>
+          </p:txBody>
+        </p:sp>
+        <p:sp>
+          <p:nvSpPr>
+            <p:cNvPr id="32795" name="Oval 27"/>
+            <p:cNvSpPr>
+              <a:spLocks/>
+            </p:cNvSpPr>
+            <p:nvPr/>
+          </p:nvSpPr>
+          <p:spPr bwMode="auto">
+            <a:xfrm>
+              <a:off x="0" y="2440"/>
+              <a:ext cx="640" cy="640"/>
+            </a:xfrm>
+            <a:prstGeom prst="ellipse">
+              <a:avLst/>
+            </a:prstGeom>
+            <a:noFill/>
+            <a:ln w="101600" cap="flat">
+              <a:solidFill>
+                <a:schemeClr val="tx1">
+                  <a:alpha val="70000"/>
+                </a:schemeClr>
+              </a:solidFill>
+              <a:prstDash val="solid"/>
+              <a:miter lim="800000"/>
+              <a:headEnd type="none" w="med" len="med"/>
+              <a:tailEnd type="none" w="med" len="med"/>
+            </a:ln>
+            <a:effectLst>
+              <a:outerShdw blurRad="38100" dist="12699" dir="5400000" algn="ctr" rotWithShape="0">
+                <a:srgbClr val="000000">
+                  <a:alpha val="50000"/>
+                </a:srgbClr>
+              </a:outerShdw>
+            </a:effectLst>
+            <a:extLst>
+              <a:ext uri="{909E8E84-426E-40dd-AFC4-6F175D3DCCD1}">
+                <a14:hiddenFill xmlns:a14="http://schemas.microsoft.com/office/drawing/2010/main">
+                  <a:solidFill>
+                    <a:srgbClr val="FFFFFF"/>
+                  </a:solidFill>
+                </a14:hiddenFill>
+              </a:ext>
+            </a:extLst>
+          </p:spPr>
+          <p:txBody>
+            <a:bodyPr lIns="0" tIns="0" rIns="0" bIns="0" anchor="ctr"/>
+            <a:lstStyle/>
+            <a:p>
+              <a:pPr>
+                <a:defRPr/>
+              </a:pPr>
+              <a:r>
+                <a:rPr lang="en-US" sz="3500">
+                  <a:effectLst>
+                    <a:outerShdw blurRad="38100" dist="38100" dir="2700000" algn="tl">
+                      <a:srgbClr val="DDDDDD"/>
+                    </a:outerShdw>
+                  </a:effectLst>
+                  <a:ea typeface="ＭＳ Ｐゴシック" charset="0"/>
+                  <a:cs typeface="Gill Sans" charset="0"/>
+                </a:rPr>
+                <a:t>D</a:t>
+              </a:r>
+            </a:p>
+          </p:txBody>
+        </p:sp>
+        <p:sp>
+          <p:nvSpPr>
+            <p:cNvPr id="32796" name="Oval 28"/>
+            <p:cNvSpPr>
+              <a:spLocks/>
+            </p:cNvSpPr>
+            <p:nvPr/>
+          </p:nvSpPr>
+          <p:spPr bwMode="auto">
+            <a:xfrm>
+              <a:off x="3240" y="1520"/>
+              <a:ext cx="640" cy="640"/>
+            </a:xfrm>
+            <a:prstGeom prst="ellipse">
+              <a:avLst/>
+            </a:prstGeom>
+            <a:noFill/>
+            <a:ln w="101600" cap="flat">
+              <a:solidFill>
+                <a:schemeClr val="tx1">
+                  <a:alpha val="70000"/>
+                </a:schemeClr>
+              </a:solidFill>
+              <a:prstDash val="solid"/>
+              <a:miter lim="800000"/>
+              <a:headEnd type="none" w="med" len="med"/>
+              <a:tailEnd type="none" w="med" len="med"/>
+            </a:ln>
+            <a:effectLst>
+              <a:outerShdw blurRad="38100" dist="12699" dir="5400000" algn="ctr" rotWithShape="0">
+                <a:srgbClr val="000000">
+                  <a:alpha val="50000"/>
+                </a:srgbClr>
+              </a:outerShdw>
+            </a:effectLst>
+            <a:extLst>
+              <a:ext uri="{909E8E84-426E-40dd-AFC4-6F175D3DCCD1}">
+                <a14:hiddenFill xmlns:a14="http://schemas.microsoft.com/office/drawing/2010/main">
+                  <a:solidFill>
+                    <a:srgbClr val="FFFFFF"/>
+                  </a:solidFill>
+                </a14:hiddenFill>
+              </a:ext>
+            </a:extLst>
+          </p:spPr>
+          <p:txBody>
+            <a:bodyPr lIns="0" tIns="0" rIns="0" bIns="0" anchor="ctr"/>
+            <a:lstStyle/>
+            <a:p>
+              <a:pPr>
+                <a:defRPr/>
+              </a:pPr>
+              <a:r>
+                <a:rPr lang="en-US" sz="3500">
+                  <a:effectLst>
+                    <a:outerShdw blurRad="38100" dist="38100" dir="2700000" algn="tl">
+                      <a:srgbClr val="DDDDDD"/>
+                    </a:outerShdw>
+                  </a:effectLst>
+                  <a:ea typeface="ＭＳ Ｐゴシック" charset="0"/>
+                  <a:cs typeface="Gill Sans" charset="0"/>
+                </a:rPr>
+                <a:t>C</a:t>
+              </a:r>
+            </a:p>
+          </p:txBody>
+        </p:sp>
+      </p:grpSp>
     </p:spTree>
     <p:extLst>
       <p:ext uri="{BB962C8B-B14F-4D97-AF65-F5344CB8AC3E}">
-        <p14:creationId xmlns:p14="http://schemas.microsoft.com/office/powerpoint/2010/main" val="204831253"/>
+        <p14:creationId xmlns:p14="http://schemas.microsoft.com/office/powerpoint/2010/main" val="3815488504"/>
       </p:ext>
     </p:extLst>
   </p:cSld>
   <p:clrMapOvr>
     <a:masterClrMapping/>
   </p:clrMapOvr>
+  <p:transition xmlns:p14="http://schemas.microsoft.com/office/powerpoint/2010/main">
+    <p:fade/>
+  </p:transition>
+  <p:timing>
+    <p:tnLst>
+      <p:par>
+        <p:cTn xmlns:p14="http://schemas.microsoft.com/office/powerpoint/2010/main" id="1" dur="indefinite" restart="never" nodeType="tmRoot">
+          <p:childTnLst>
+            <p:seq concurrent="1" nextAc="seek">
+              <p:cTn id="2" dur="indefinite" nodeType="mainSeq">
+                <p:childTnLst>
+                  <p:par>
+                    <p:cTn id="3" fill="hold" nodeType="clickPar">
+                      <p:stCondLst>
+                        <p:cond delay="indefinite"/>
+                      </p:stCondLst>
+                      <p:childTnLst>
+                        <p:par>
+                          <p:cTn id="4" fill="hold" nodeType="withGroup">
+                            <p:stCondLst>
+                              <p:cond delay="0"/>
+                            </p:stCondLst>
+                            <p:childTnLst>
+                              <p:par>
+                                <p:cTn id="5" presetID="168" presetClass="entr" presetSubtype="0" fill="hold" nodeType="clickEffect">
+                                  <p:stCondLst>
+                                    <p:cond delay="0"/>
+                                  </p:stCondLst>
+                                  <p:childTnLst>
+                                    <p:set>
+                                      <p:cBhvr>
+                                        <p:cTn id="6" dur="1" fill="hold">
+                                          <p:stCondLst>
+                                            <p:cond delay="499"/>
+                                          </p:stCondLst>
+                                        </p:cTn>
+                                        <p:tgtEl>
+                                          <p:spTgt spid="32791"/>
+                                        </p:tgtEl>
+                                        <p:attrNameLst>
+                                          <p:attrName>style.visibility</p:attrName>
+                                        </p:attrNameLst>
+                                      </p:cBhvr>
+                                      <p:to>
+                                        <p:strVal val="visible"/>
+                                      </p:to>
+                                    </p:set>
+                                  </p:childTnLst>
+                                </p:cTn>
+                              </p:par>
+                            </p:childTnLst>
+                          </p:cTn>
+                        </p:par>
+                      </p:childTnLst>
+                    </p:cTn>
+                  </p:par>
+                  <p:par>
+                    <p:cTn id="7" fill="hold" nodeType="clickPar">
+                      <p:stCondLst>
+                        <p:cond delay="indefinite"/>
+                      </p:stCondLst>
+                      <p:childTnLst>
+                        <p:par>
+                          <p:cTn id="8" fill="hold" nodeType="withGroup">
+                            <p:stCondLst>
+                              <p:cond delay="0"/>
+                            </p:stCondLst>
+                            <p:childTnLst>
+                              <p:par>
+                                <p:cTn id="9" presetID="168" presetClass="entr" presetSubtype="0" fill="hold" nodeType="clickEffect">
+                                  <p:stCondLst>
+                                    <p:cond delay="0"/>
+                                  </p:stCondLst>
+                                  <p:childTnLst>
+                                    <p:set>
+                                      <p:cBhvr>
+                                        <p:cTn id="10" dur="1" fill="hold">
+                                          <p:stCondLst>
+                                            <p:cond delay="499"/>
+                                          </p:stCondLst>
+                                        </p:cTn>
+                                        <p:tgtEl>
+                                          <p:spTgt spid="32797"/>
+                                        </p:tgtEl>
+                                        <p:attrNameLst>
+                                          <p:attrName>style.visibility</p:attrName>
+                                        </p:attrNameLst>
+                                      </p:cBhvr>
+                                      <p:to>
+                                        <p:strVal val="visible"/>
+                                      </p:to>
+                                    </p:set>
+                                  </p:childTnLst>
+                                </p:cTn>
+                              </p:par>
+                            </p:childTnLst>
+                          </p:cTn>
+                        </p:par>
+                      </p:childTnLst>
+                    </p:cTn>
+                  </p:par>
+                </p:childTnLst>
+              </p:cTn>
+              <p:prevCondLst>
+                <p:cond evt="onPrev" delay="0">
+                  <p:tgtEl>
+                    <p:sldTgt/>
+                  </p:tgtEl>
+                </p:cond>
+              </p:prevCondLst>
+              <p:nextCondLst>
+                <p:cond evt="onNext" delay="0">
+                  <p:tgtEl>
+                    <p:sldTgt/>
+                  </p:tgtEl>
+                </p:cond>
+              </p:nextCondLst>
+            </p:seq>
+          </p:childTnLst>
+        </p:cTn>
+      </p:par>
+    </p:tnLst>
+  </p:timing>
 </p:sld>
 </file>
 
@@ -3867,58 +6882,1285 @@
           <a:chExt cx="0" cy="0"/>
         </a:xfrm>
       </p:grpSpPr>
-      <p:sp>
-        <p:nvSpPr>
-          <p:cNvPr id="2" name="Title 1"/>
-          <p:cNvSpPr>
-            <a:spLocks noGrp="1"/>
-          </p:cNvSpPr>
-          <p:nvPr>
-            <p:ph type="title"/>
-          </p:nvPr>
-        </p:nvSpPr>
-        <p:spPr/>
-        <p:txBody>
-          <a:bodyPr/>
-          <a:lstStyle/>
-          <a:p>
-            <a:r>
-              <a:rPr lang="en-US" dirty="0" smtClean="0"/>
-              <a:t>References</a:t>
-            </a:r>
-            <a:endParaRPr lang="en-US" dirty="0"/>
-          </a:p>
-        </p:txBody>
-      </p:sp>
-      <p:sp>
-        <p:nvSpPr>
-          <p:cNvPr id="3" name="Content Placeholder 2"/>
-          <p:cNvSpPr>
-            <a:spLocks noGrp="1"/>
-          </p:cNvSpPr>
-          <p:nvPr>
-            <p:ph idx="1"/>
-          </p:nvPr>
-        </p:nvSpPr>
-        <p:spPr/>
-        <p:txBody>
-          <a:bodyPr/>
-          <a:lstStyle/>
-          <a:p>
-            <a:endParaRPr lang="en-US" dirty="0"/>
+      <p:pic>
+        <p:nvPicPr>
+          <p:cNvPr id="37889" name="Picture 1"/>
+          <p:cNvPicPr>
+            <a:picLocks noChangeAspect="1" noChangeArrowheads="1"/>
+          </p:cNvPicPr>
+          <p:nvPr/>
+        </p:nvPicPr>
+        <p:blipFill>
+          <a:blip r:embed="rId3">
+            <a:extLst>
+              <a:ext uri="{28A0092B-C50C-407E-A947-70E740481C1C}">
+                <a14:useLocalDpi xmlns:a14="http://schemas.microsoft.com/office/drawing/2010/main" val="0"/>
+              </a:ext>
+            </a:extLst>
+          </a:blip>
+          <a:srcRect l="2185" t="8627" r="2151" b="1569"/>
+          <a:stretch>
+            <a:fillRect/>
+          </a:stretch>
+        </p:blipFill>
+        <p:spPr bwMode="auto">
+          <a:xfrm>
+            <a:off x="464344" y="523875"/>
+            <a:ext cx="8206383" cy="5453063"/>
+          </a:xfrm>
+          <a:prstGeom prst="rect">
+            <a:avLst/>
+          </a:prstGeom>
+          <a:noFill/>
+          <a:ln>
+            <a:noFill/>
+          </a:ln>
+          <a:extLst>
+            <a:ext uri="{909E8E84-426E-40dd-AFC4-6F175D3DCCD1}">
+              <a14:hiddenFill xmlns:a14="http://schemas.microsoft.com/office/drawing/2010/main">
+                <a:solidFill>
+                  <a:srgbClr val="FFFFFF"/>
+                </a:solidFill>
+              </a14:hiddenFill>
+            </a:ext>
+            <a:ext uri="{91240B29-F687-4f45-9708-019B960494DF}">
+              <a14:hiddenLine xmlns:a14="http://schemas.microsoft.com/office/drawing/2010/main" w="12700">
+                <a:solidFill>
+                  <a:schemeClr val="tx1"/>
+                </a:solidFill>
+                <a:miter lim="800000"/>
+                <a:headEnd/>
+                <a:tailEnd/>
+              </a14:hiddenLine>
+            </a:ext>
+          </a:extLst>
+        </p:spPr>
+      </p:pic>
+      <p:sp>
+        <p:nvSpPr>
+          <p:cNvPr id="36866" name="Oval 2"/>
+          <p:cNvSpPr>
+            <a:spLocks/>
+          </p:cNvSpPr>
+          <p:nvPr/>
+        </p:nvSpPr>
+        <p:spPr bwMode="auto">
+          <a:xfrm>
+            <a:off x="4589859" y="762000"/>
+            <a:ext cx="892969" cy="1190625"/>
+          </a:xfrm>
+          <a:prstGeom prst="ellipse">
+            <a:avLst/>
+          </a:prstGeom>
+          <a:noFill/>
+          <a:ln w="101600" cap="flat">
+            <a:solidFill>
+              <a:schemeClr val="tx1"/>
+            </a:solidFill>
+            <a:prstDash val="solid"/>
+            <a:miter lim="800000"/>
+            <a:headEnd type="none" w="med" len="med"/>
+            <a:tailEnd type="none" w="med" len="med"/>
+          </a:ln>
+          <a:effectLst>
+            <a:outerShdw blurRad="38100" dist="12699" dir="5400000" algn="ctr" rotWithShape="0">
+              <a:srgbClr val="000000">
+                <a:alpha val="50000"/>
+              </a:srgbClr>
+            </a:outerShdw>
+          </a:effectLst>
+          <a:extLst>
+            <a:ext uri="{909E8E84-426E-40dd-AFC4-6F175D3DCCD1}">
+              <a14:hiddenFill xmlns:a14="http://schemas.microsoft.com/office/drawing/2010/main">
+                <a:solidFill>
+                  <a:srgbClr val="FFFFFF"/>
+                </a:solidFill>
+              </a14:hiddenFill>
+            </a:ext>
+          </a:extLst>
+        </p:spPr>
+        <p:txBody>
+          <a:bodyPr lIns="0" tIns="0" rIns="0" bIns="0" anchor="ctr"/>
+          <a:lstStyle/>
+          <a:p>
+            <a:pPr>
+              <a:defRPr/>
+            </a:pPr>
+            <a:r>
+              <a:rPr lang="en-US" sz="3800">
+                <a:effectLst>
+                  <a:outerShdw blurRad="38100" dist="38100" dir="2700000" algn="tl">
+                    <a:srgbClr val="DDDDDD"/>
+                  </a:outerShdw>
+                </a:effectLst>
+                <a:ea typeface="ＭＳ Ｐゴシック" charset="0"/>
+                <a:cs typeface="Gill Sans" charset="0"/>
+              </a:rPr>
+              <a:t>A</a:t>
+            </a:r>
+          </a:p>
+        </p:txBody>
+      </p:sp>
+      <p:sp>
+        <p:nvSpPr>
+          <p:cNvPr id="36867" name="Oval 3"/>
+          <p:cNvSpPr>
+            <a:spLocks/>
+          </p:cNvSpPr>
+          <p:nvPr/>
+        </p:nvSpPr>
+        <p:spPr bwMode="auto">
+          <a:xfrm>
+            <a:off x="2732484" y="2833688"/>
+            <a:ext cx="892969" cy="1190625"/>
+          </a:xfrm>
+          <a:prstGeom prst="ellipse">
+            <a:avLst/>
+          </a:prstGeom>
+          <a:noFill/>
+          <a:ln w="101600" cap="flat">
+            <a:solidFill>
+              <a:schemeClr val="tx1"/>
+            </a:solidFill>
+            <a:prstDash val="solid"/>
+            <a:miter lim="800000"/>
+            <a:headEnd type="none" w="med" len="med"/>
+            <a:tailEnd type="none" w="med" len="med"/>
+          </a:ln>
+          <a:effectLst>
+            <a:outerShdw blurRad="38100" dist="12699" dir="5400000" algn="ctr" rotWithShape="0">
+              <a:srgbClr val="000000">
+                <a:alpha val="50000"/>
+              </a:srgbClr>
+            </a:outerShdw>
+          </a:effectLst>
+          <a:extLst>
+            <a:ext uri="{909E8E84-426E-40dd-AFC4-6F175D3DCCD1}">
+              <a14:hiddenFill xmlns:a14="http://schemas.microsoft.com/office/drawing/2010/main">
+                <a:solidFill>
+                  <a:srgbClr val="FFFFFF"/>
+                </a:solidFill>
+              </a14:hiddenFill>
+            </a:ext>
+          </a:extLst>
+        </p:spPr>
+        <p:txBody>
+          <a:bodyPr lIns="0" tIns="0" rIns="0" bIns="0" anchor="ctr"/>
+          <a:lstStyle/>
+          <a:p>
+            <a:pPr>
+              <a:defRPr/>
+            </a:pPr>
+            <a:r>
+              <a:rPr lang="en-US" sz="3800">
+                <a:effectLst>
+                  <a:outerShdw blurRad="38100" dist="38100" dir="2700000" algn="tl">
+                    <a:srgbClr val="DDDDDD"/>
+                  </a:outerShdw>
+                </a:effectLst>
+                <a:ea typeface="ＭＳ Ｐゴシック" charset="0"/>
+                <a:cs typeface="Gill Sans" charset="0"/>
+              </a:rPr>
+              <a:t>B</a:t>
+            </a:r>
+          </a:p>
+        </p:txBody>
+      </p:sp>
+      <p:sp>
+        <p:nvSpPr>
+          <p:cNvPr id="36868" name="Oval 4"/>
+          <p:cNvSpPr>
+            <a:spLocks/>
+          </p:cNvSpPr>
+          <p:nvPr/>
+        </p:nvSpPr>
+        <p:spPr bwMode="auto">
+          <a:xfrm>
+            <a:off x="3661172" y="5155406"/>
+            <a:ext cx="892969" cy="1190625"/>
+          </a:xfrm>
+          <a:prstGeom prst="ellipse">
+            <a:avLst/>
+          </a:prstGeom>
+          <a:noFill/>
+          <a:ln w="101600" cap="flat">
+            <a:solidFill>
+              <a:schemeClr val="tx1"/>
+            </a:solidFill>
+            <a:prstDash val="solid"/>
+            <a:miter lim="800000"/>
+            <a:headEnd type="none" w="med" len="med"/>
+            <a:tailEnd type="none" w="med" len="med"/>
+          </a:ln>
+          <a:effectLst>
+            <a:outerShdw blurRad="38100" dist="12699" dir="5400000" algn="ctr" rotWithShape="0">
+              <a:srgbClr val="000000">
+                <a:alpha val="50000"/>
+              </a:srgbClr>
+            </a:outerShdw>
+          </a:effectLst>
+          <a:extLst>
+            <a:ext uri="{909E8E84-426E-40dd-AFC4-6F175D3DCCD1}">
+              <a14:hiddenFill xmlns:a14="http://schemas.microsoft.com/office/drawing/2010/main">
+                <a:solidFill>
+                  <a:srgbClr val="FFFFFF"/>
+                </a:solidFill>
+              </a14:hiddenFill>
+            </a:ext>
+          </a:extLst>
+        </p:spPr>
+        <p:txBody>
+          <a:bodyPr lIns="0" tIns="0" rIns="0" bIns="0" anchor="ctr"/>
+          <a:lstStyle/>
+          <a:p>
+            <a:pPr>
+              <a:defRPr/>
+            </a:pPr>
+            <a:r>
+              <a:rPr lang="en-US" sz="3800">
+                <a:effectLst>
+                  <a:outerShdw blurRad="38100" dist="38100" dir="2700000" algn="tl">
+                    <a:srgbClr val="DDDDDD"/>
+                  </a:outerShdw>
+                </a:effectLst>
+                <a:ea typeface="ＭＳ Ｐゴシック" charset="0"/>
+                <a:cs typeface="Gill Sans" charset="0"/>
+              </a:rPr>
+              <a:t>D</a:t>
+            </a:r>
+          </a:p>
+        </p:txBody>
+      </p:sp>
+      <p:sp>
+        <p:nvSpPr>
+          <p:cNvPr id="36869" name="Oval 5"/>
+          <p:cNvSpPr>
+            <a:spLocks/>
+          </p:cNvSpPr>
+          <p:nvPr/>
+        </p:nvSpPr>
+        <p:spPr bwMode="auto">
+          <a:xfrm>
+            <a:off x="7509867" y="3059906"/>
+            <a:ext cx="892969" cy="1190625"/>
+          </a:xfrm>
+          <a:prstGeom prst="ellipse">
+            <a:avLst/>
+          </a:prstGeom>
+          <a:noFill/>
+          <a:ln w="101600" cap="flat">
+            <a:solidFill>
+              <a:schemeClr val="tx1"/>
+            </a:solidFill>
+            <a:prstDash val="solid"/>
+            <a:miter lim="800000"/>
+            <a:headEnd type="none" w="med" len="med"/>
+            <a:tailEnd type="none" w="med" len="med"/>
+          </a:ln>
+          <a:effectLst>
+            <a:outerShdw blurRad="38100" dist="12699" dir="5400000" algn="ctr" rotWithShape="0">
+              <a:srgbClr val="000000">
+                <a:alpha val="50000"/>
+              </a:srgbClr>
+            </a:outerShdw>
+          </a:effectLst>
+          <a:extLst>
+            <a:ext uri="{909E8E84-426E-40dd-AFC4-6F175D3DCCD1}">
+              <a14:hiddenFill xmlns:a14="http://schemas.microsoft.com/office/drawing/2010/main">
+                <a:solidFill>
+                  <a:srgbClr val="FFFFFF"/>
+                </a:solidFill>
+              </a14:hiddenFill>
+            </a:ext>
+          </a:extLst>
+        </p:spPr>
+        <p:txBody>
+          <a:bodyPr lIns="0" tIns="0" rIns="0" bIns="0" anchor="ctr"/>
+          <a:lstStyle/>
+          <a:p>
+            <a:pPr>
+              <a:defRPr/>
+            </a:pPr>
+            <a:r>
+              <a:rPr lang="en-US" sz="3800">
+                <a:effectLst>
+                  <a:outerShdw blurRad="38100" dist="38100" dir="2700000" algn="tl">
+                    <a:srgbClr val="DDDDDD"/>
+                  </a:outerShdw>
+                </a:effectLst>
+                <a:ea typeface="ＭＳ Ｐゴシック" charset="0"/>
+                <a:cs typeface="Gill Sans" charset="0"/>
+              </a:rPr>
+              <a:t>C</a:t>
+            </a:r>
+          </a:p>
+        </p:txBody>
+      </p:sp>
+      <p:sp>
+        <p:nvSpPr>
+          <p:cNvPr id="37894" name="Freeform 6"/>
+          <p:cNvSpPr>
+            <a:spLocks/>
+          </p:cNvSpPr>
+          <p:nvPr/>
+        </p:nvSpPr>
+        <p:spPr bwMode="auto">
+          <a:xfrm>
+            <a:off x="3595316" y="3729634"/>
+            <a:ext cx="562570" cy="1425773"/>
+          </a:xfrm>
+          <a:custGeom>
+            <a:avLst/>
+            <a:gdLst>
+              <a:gd name="T0" fmla="*/ 0 w 21600"/>
+              <a:gd name="T1" fmla="*/ 0 h 21600"/>
+              <a:gd name="T2" fmla="*/ 2147483647 w 21600"/>
+              <a:gd name="T3" fmla="*/ 2147483647 h 21600"/>
+              <a:gd name="T4" fmla="*/ 0 60000 65536"/>
+              <a:gd name="T5" fmla="*/ 0 60000 65536"/>
+            </a:gdLst>
+            <a:ahLst/>
+            <a:cxnLst>
+              <a:cxn ang="T4">
+                <a:pos x="T0" y="T1"/>
+              </a:cxn>
+              <a:cxn ang="T5">
+                <a:pos x="T2" y="T3"/>
+              </a:cxn>
+            </a:cxnLst>
+            <a:rect l="0" t="0" r="r" b="b"/>
+            <a:pathLst>
+              <a:path w="21600" h="21600">
+                <a:moveTo>
+                  <a:pt x="0" y="0"/>
+                </a:moveTo>
+                <a:cubicBezTo>
+                  <a:pt x="11502" y="5275"/>
+                  <a:pt x="20902" y="10381"/>
+                  <a:pt x="21600" y="21600"/>
+                </a:cubicBezTo>
+              </a:path>
+            </a:pathLst>
+          </a:custGeom>
+          <a:noFill/>
+          <a:ln w="76200" cap="flat">
+            <a:solidFill>
+              <a:schemeClr val="tx1"/>
+            </a:solidFill>
+            <a:prstDash val="solid"/>
+            <a:miter lim="800000"/>
+            <a:headEnd type="triangle" w="med" len="med"/>
+            <a:tailEnd type="triangle" w="med" len="med"/>
+          </a:ln>
+          <a:extLst>
+            <a:ext uri="{909E8E84-426E-40dd-AFC4-6F175D3DCCD1}">
+              <a14:hiddenFill xmlns:a14="http://schemas.microsoft.com/office/drawing/2010/main">
+                <a:solidFill>
+                  <a:srgbClr val="FFFFFF"/>
+                </a:solidFill>
+              </a14:hiddenFill>
+            </a:ext>
+          </a:extLst>
+        </p:spPr>
+        <p:txBody>
+          <a:bodyPr lIns="0" tIns="0" rIns="0" bIns="0"/>
+          <a:lstStyle/>
+          <a:p>
+            <a:endParaRPr lang="en-US"/>
+          </a:p>
+        </p:txBody>
+      </p:sp>
+      <p:sp>
+        <p:nvSpPr>
+          <p:cNvPr id="37895" name="Freeform 7"/>
+          <p:cNvSpPr>
+            <a:spLocks/>
+          </p:cNvSpPr>
+          <p:nvPr/>
+        </p:nvSpPr>
+        <p:spPr bwMode="auto">
+          <a:xfrm>
+            <a:off x="2778250" y="4030266"/>
+            <a:ext cx="904131" cy="1610320"/>
+          </a:xfrm>
+          <a:custGeom>
+            <a:avLst/>
+            <a:gdLst>
+              <a:gd name="T0" fmla="*/ 2147483647 w 15454"/>
+              <a:gd name="T1" fmla="*/ 2147483647 h 21600"/>
+              <a:gd name="T2" fmla="*/ 2147483647 w 15454"/>
+              <a:gd name="T3" fmla="*/ 0 h 21600"/>
+              <a:gd name="T4" fmla="*/ 0 60000 65536"/>
+              <a:gd name="T5" fmla="*/ 0 60000 65536"/>
+            </a:gdLst>
+            <a:ahLst/>
+            <a:cxnLst>
+              <a:cxn ang="T4">
+                <a:pos x="T0" y="T1"/>
+              </a:cxn>
+              <a:cxn ang="T5">
+                <a:pos x="T2" y="T3"/>
+              </a:cxn>
+            </a:cxnLst>
+            <a:rect l="0" t="0" r="r" b="b"/>
+            <a:pathLst>
+              <a:path w="15454" h="21600">
+                <a:moveTo>
+                  <a:pt x="15454" y="21600"/>
+                </a:moveTo>
+                <a:cubicBezTo>
+                  <a:pt x="5179" y="19690"/>
+                  <a:pt x="-6146" y="12385"/>
+                  <a:pt x="3916" y="0"/>
+                </a:cubicBezTo>
+              </a:path>
+            </a:pathLst>
+          </a:custGeom>
+          <a:noFill/>
+          <a:ln w="76200" cap="flat">
+            <a:solidFill>
+              <a:schemeClr val="tx1"/>
+            </a:solidFill>
+            <a:prstDash val="solid"/>
+            <a:miter lim="800000"/>
+            <a:headEnd type="triangle" w="med" len="med"/>
+            <a:tailEnd type="triangle" w="med" len="med"/>
+          </a:ln>
+          <a:extLst>
+            <a:ext uri="{909E8E84-426E-40dd-AFC4-6F175D3DCCD1}">
+              <a14:hiddenFill xmlns:a14="http://schemas.microsoft.com/office/drawing/2010/main">
+                <a:solidFill>
+                  <a:srgbClr val="FFFFFF"/>
+                </a:solidFill>
+              </a14:hiddenFill>
+            </a:ext>
+          </a:extLst>
+        </p:spPr>
+        <p:txBody>
+          <a:bodyPr lIns="0" tIns="0" rIns="0" bIns="0"/>
+          <a:lstStyle/>
+          <a:p>
+            <a:endParaRPr lang="en-US"/>
+          </a:p>
+        </p:txBody>
+      </p:sp>
+      <p:sp>
+        <p:nvSpPr>
+          <p:cNvPr id="37896" name="Freeform 8"/>
+          <p:cNvSpPr>
+            <a:spLocks/>
+          </p:cNvSpPr>
+          <p:nvPr/>
+        </p:nvSpPr>
+        <p:spPr bwMode="auto">
+          <a:xfrm>
+            <a:off x="2364135" y="956965"/>
+            <a:ext cx="2270373" cy="2214563"/>
+          </a:xfrm>
+          <a:custGeom>
+            <a:avLst/>
+            <a:gdLst>
+              <a:gd name="T0" fmla="*/ 2147483647 w 17401"/>
+              <a:gd name="T1" fmla="*/ 2147483647 h 18372"/>
+              <a:gd name="T2" fmla="*/ 2147483647 w 17401"/>
+              <a:gd name="T3" fmla="*/ 2147483647 h 18372"/>
+              <a:gd name="T4" fmla="*/ 0 60000 65536"/>
+              <a:gd name="T5" fmla="*/ 0 60000 65536"/>
+            </a:gdLst>
+            <a:ahLst/>
+            <a:cxnLst>
+              <a:cxn ang="T4">
+                <a:pos x="T0" y="T1"/>
+              </a:cxn>
+              <a:cxn ang="T5">
+                <a:pos x="T2" y="T3"/>
+              </a:cxn>
+            </a:cxnLst>
+            <a:rect l="0" t="0" r="r" b="b"/>
+            <a:pathLst>
+              <a:path w="17401" h="18372">
+                <a:moveTo>
+                  <a:pt x="2999" y="18372"/>
+                </a:moveTo>
+                <a:cubicBezTo>
+                  <a:pt x="-4199" y="9721"/>
+                  <a:pt x="1931" y="-3228"/>
+                  <a:pt x="17401" y="735"/>
+                </a:cubicBezTo>
+              </a:path>
+            </a:pathLst>
+          </a:custGeom>
+          <a:noFill/>
+          <a:ln w="76200" cap="flat">
+            <a:solidFill>
+              <a:schemeClr val="tx1"/>
+            </a:solidFill>
+            <a:prstDash val="solid"/>
+            <a:miter lim="800000"/>
+            <a:headEnd type="triangle" w="med" len="med"/>
+            <a:tailEnd type="triangle" w="med" len="med"/>
+          </a:ln>
+          <a:extLst>
+            <a:ext uri="{909E8E84-426E-40dd-AFC4-6F175D3DCCD1}">
+              <a14:hiddenFill xmlns:a14="http://schemas.microsoft.com/office/drawing/2010/main">
+                <a:solidFill>
+                  <a:srgbClr val="FFFFFF"/>
+                </a:solidFill>
+              </a14:hiddenFill>
+            </a:ext>
+          </a:extLst>
+        </p:spPr>
+        <p:txBody>
+          <a:bodyPr lIns="0" tIns="0" rIns="0" bIns="0"/>
+          <a:lstStyle/>
+          <a:p>
+            <a:endParaRPr lang="en-US"/>
+          </a:p>
+        </p:txBody>
+      </p:sp>
+      <p:sp>
+        <p:nvSpPr>
+          <p:cNvPr id="37897" name="Freeform 9"/>
+          <p:cNvSpPr>
+            <a:spLocks/>
+          </p:cNvSpPr>
+          <p:nvPr/>
+        </p:nvSpPr>
+        <p:spPr bwMode="auto">
+          <a:xfrm>
+            <a:off x="3530576" y="1784450"/>
+            <a:ext cx="1175370" cy="1284386"/>
+          </a:xfrm>
+          <a:custGeom>
+            <a:avLst/>
+            <a:gdLst>
+              <a:gd name="T0" fmla="*/ 0 w 21600"/>
+              <a:gd name="T1" fmla="*/ 2147483647 h 21600"/>
+              <a:gd name="T2" fmla="*/ 2147483647 w 21600"/>
+              <a:gd name="T3" fmla="*/ 0 h 21600"/>
+              <a:gd name="T4" fmla="*/ 0 60000 65536"/>
+              <a:gd name="T5" fmla="*/ 0 60000 65536"/>
+            </a:gdLst>
+            <a:ahLst/>
+            <a:cxnLst>
+              <a:cxn ang="T4">
+                <a:pos x="T0" y="T1"/>
+              </a:cxn>
+              <a:cxn ang="T5">
+                <a:pos x="T2" y="T3"/>
+              </a:cxn>
+            </a:cxnLst>
+            <a:rect l="0" t="0" r="r" b="b"/>
+            <a:pathLst>
+              <a:path w="21600" h="21600">
+                <a:moveTo>
+                  <a:pt x="0" y="21600"/>
+                </a:moveTo>
+                <a:cubicBezTo>
+                  <a:pt x="0" y="21600"/>
+                  <a:pt x="13573" y="20170"/>
+                  <a:pt x="21600" y="0"/>
+                </a:cubicBezTo>
+              </a:path>
+            </a:pathLst>
+          </a:custGeom>
+          <a:noFill/>
+          <a:ln w="76200" cap="flat">
+            <a:solidFill>
+              <a:schemeClr val="tx1"/>
+            </a:solidFill>
+            <a:prstDash val="solid"/>
+            <a:miter lim="800000"/>
+            <a:headEnd type="triangle" w="med" len="med"/>
+            <a:tailEnd type="triangle" w="med" len="med"/>
+          </a:ln>
+          <a:extLst>
+            <a:ext uri="{909E8E84-426E-40dd-AFC4-6F175D3DCCD1}">
+              <a14:hiddenFill xmlns:a14="http://schemas.microsoft.com/office/drawing/2010/main">
+                <a:solidFill>
+                  <a:srgbClr val="FFFFFF"/>
+                </a:solidFill>
+              </a14:hiddenFill>
+            </a:ext>
+          </a:extLst>
+        </p:spPr>
+        <p:txBody>
+          <a:bodyPr lIns="0" tIns="0" rIns="0" bIns="0"/>
+          <a:lstStyle/>
+          <a:p>
+            <a:endParaRPr lang="en-US"/>
+          </a:p>
+        </p:txBody>
+      </p:sp>
+      <p:sp>
+        <p:nvSpPr>
+          <p:cNvPr id="37898" name="Freeform 10"/>
+          <p:cNvSpPr>
+            <a:spLocks/>
+          </p:cNvSpPr>
+          <p:nvPr/>
+        </p:nvSpPr>
+        <p:spPr bwMode="auto">
+          <a:xfrm>
+            <a:off x="3644429" y="3143250"/>
+            <a:ext cx="3874368" cy="453926"/>
+          </a:xfrm>
+          <a:custGeom>
+            <a:avLst/>
+            <a:gdLst>
+              <a:gd name="T0" fmla="*/ 0 w 21600"/>
+              <a:gd name="T1" fmla="*/ 2147483647 h 14207"/>
+              <a:gd name="T2" fmla="*/ 2147483647 w 21600"/>
+              <a:gd name="T3" fmla="*/ 2147483647 h 14207"/>
+              <a:gd name="T4" fmla="*/ 0 60000 65536"/>
+              <a:gd name="T5" fmla="*/ 0 60000 65536"/>
+            </a:gdLst>
+            <a:ahLst/>
+            <a:cxnLst>
+              <a:cxn ang="T4">
+                <a:pos x="T0" y="T1"/>
+              </a:cxn>
+              <a:cxn ang="T5">
+                <a:pos x="T2" y="T3"/>
+              </a:cxn>
+            </a:cxnLst>
+            <a:rect l="0" t="0" r="r" b="b"/>
+            <a:pathLst>
+              <a:path w="21600" h="14207">
+                <a:moveTo>
+                  <a:pt x="0" y="8603"/>
+                </a:moveTo>
+                <a:cubicBezTo>
+                  <a:pt x="6186" y="-190"/>
+                  <a:pt x="12930" y="-7393"/>
+                  <a:pt x="21600" y="14207"/>
+                </a:cubicBezTo>
+              </a:path>
+            </a:pathLst>
+          </a:custGeom>
+          <a:noFill/>
+          <a:ln w="88900" cap="flat">
+            <a:solidFill>
+              <a:schemeClr val="tx1"/>
+            </a:solidFill>
+            <a:prstDash val="solid"/>
+            <a:miter lim="800000"/>
+            <a:headEnd type="triangle" w="med" len="med"/>
+            <a:tailEnd type="triangle" w="med" len="med"/>
+          </a:ln>
+          <a:extLst>
+            <a:ext uri="{909E8E84-426E-40dd-AFC4-6F175D3DCCD1}">
+              <a14:hiddenFill xmlns:a14="http://schemas.microsoft.com/office/drawing/2010/main">
+                <a:solidFill>
+                  <a:srgbClr val="FFFFFF"/>
+                </a:solidFill>
+              </a14:hiddenFill>
+            </a:ext>
+          </a:extLst>
+        </p:spPr>
+        <p:txBody>
+          <a:bodyPr lIns="0" tIns="0" rIns="0" bIns="0"/>
+          <a:lstStyle/>
+          <a:p>
+            <a:endParaRPr lang="en-US"/>
+          </a:p>
+        </p:txBody>
+      </p:sp>
+      <p:sp>
+        <p:nvSpPr>
+          <p:cNvPr id="37899" name="Freeform 11"/>
+          <p:cNvSpPr>
+            <a:spLocks/>
+          </p:cNvSpPr>
+          <p:nvPr/>
+        </p:nvSpPr>
+        <p:spPr bwMode="auto">
+          <a:xfrm>
+            <a:off x="5495107" y="1220391"/>
+            <a:ext cx="2313905" cy="1878211"/>
+          </a:xfrm>
+          <a:custGeom>
+            <a:avLst/>
+            <a:gdLst>
+              <a:gd name="T0" fmla="*/ 0 w 21600"/>
+              <a:gd name="T1" fmla="*/ 2147483647 h 19084"/>
+              <a:gd name="T2" fmla="*/ 2147483647 w 21600"/>
+              <a:gd name="T3" fmla="*/ 2147483647 h 19084"/>
+              <a:gd name="T4" fmla="*/ 0 60000 65536"/>
+              <a:gd name="T5" fmla="*/ 0 60000 65536"/>
+            </a:gdLst>
+            <a:ahLst/>
+            <a:cxnLst>
+              <a:cxn ang="T4">
+                <a:pos x="T0" y="T1"/>
+              </a:cxn>
+              <a:cxn ang="T5">
+                <a:pos x="T2" y="T3"/>
+              </a:cxn>
+            </a:cxnLst>
+            <a:rect l="0" t="0" r="r" b="b"/>
+            <a:pathLst>
+              <a:path w="21600" h="19084">
+                <a:moveTo>
+                  <a:pt x="0" y="379"/>
+                </a:moveTo>
+                <a:cubicBezTo>
+                  <a:pt x="15167" y="-2516"/>
+                  <a:pt x="18505" y="11887"/>
+                  <a:pt x="21600" y="19084"/>
+                </a:cubicBezTo>
+              </a:path>
+            </a:pathLst>
+          </a:custGeom>
+          <a:noFill/>
+          <a:ln w="76200" cap="flat">
+            <a:solidFill>
+              <a:schemeClr val="tx1"/>
+            </a:solidFill>
+            <a:prstDash val="solid"/>
+            <a:miter lim="800000"/>
+            <a:headEnd type="triangle" w="med" len="med"/>
+            <a:tailEnd type="triangle" w="med" len="med"/>
+          </a:ln>
+          <a:extLst>
+            <a:ext uri="{909E8E84-426E-40dd-AFC4-6F175D3DCCD1}">
+              <a14:hiddenFill xmlns:a14="http://schemas.microsoft.com/office/drawing/2010/main">
+                <a:solidFill>
+                  <a:srgbClr val="FFFFFF"/>
+                </a:solidFill>
+              </a14:hiddenFill>
+            </a:ext>
+          </a:extLst>
+        </p:spPr>
+        <p:txBody>
+          <a:bodyPr lIns="0" tIns="0" rIns="0" bIns="0"/>
+          <a:lstStyle/>
+          <a:p>
+            <a:endParaRPr lang="en-US"/>
+          </a:p>
+        </p:txBody>
+      </p:sp>
+      <p:sp>
+        <p:nvSpPr>
+          <p:cNvPr id="37900" name="Freeform 12"/>
+          <p:cNvSpPr>
+            <a:spLocks/>
+          </p:cNvSpPr>
+          <p:nvPr/>
+        </p:nvSpPr>
+        <p:spPr bwMode="auto">
+          <a:xfrm>
+            <a:off x="4572000" y="4013895"/>
+            <a:ext cx="3039443" cy="1846957"/>
+          </a:xfrm>
+          <a:custGeom>
+            <a:avLst/>
+            <a:gdLst>
+              <a:gd name="T0" fmla="*/ 0 w 21600"/>
+              <a:gd name="T1" fmla="*/ 2147483647 h 20168"/>
+              <a:gd name="T2" fmla="*/ 2147483647 w 21600"/>
+              <a:gd name="T3" fmla="*/ 0 h 20168"/>
+              <a:gd name="T4" fmla="*/ 0 60000 65536"/>
+              <a:gd name="T5" fmla="*/ 0 60000 65536"/>
+            </a:gdLst>
+            <a:ahLst/>
+            <a:cxnLst>
+              <a:cxn ang="T4">
+                <a:pos x="T0" y="T1"/>
+              </a:cxn>
+              <a:cxn ang="T5">
+                <a:pos x="T2" y="T3"/>
+              </a:cxn>
+            </a:cxnLst>
+            <a:rect l="0" t="0" r="r" b="b"/>
+            <a:pathLst>
+              <a:path w="21600" h="20168">
+                <a:moveTo>
+                  <a:pt x="0" y="19863"/>
+                </a:moveTo>
+                <a:cubicBezTo>
+                  <a:pt x="10090" y="21600"/>
+                  <a:pt x="15010" y="16057"/>
+                  <a:pt x="21600" y="0"/>
+                </a:cubicBezTo>
+              </a:path>
+            </a:pathLst>
+          </a:custGeom>
+          <a:noFill/>
+          <a:ln w="76200" cap="flat">
+            <a:solidFill>
+              <a:schemeClr val="tx1"/>
+            </a:solidFill>
+            <a:prstDash val="solid"/>
+            <a:miter lim="800000"/>
+            <a:headEnd type="triangle" w="med" len="med"/>
+            <a:tailEnd type="triangle" w="med" len="med"/>
+          </a:ln>
+          <a:extLst>
+            <a:ext uri="{909E8E84-426E-40dd-AFC4-6F175D3DCCD1}">
+              <a14:hiddenFill xmlns:a14="http://schemas.microsoft.com/office/drawing/2010/main">
+                <a:solidFill>
+                  <a:srgbClr val="FFFFFF"/>
+                </a:solidFill>
+              </a14:hiddenFill>
+            </a:ext>
+          </a:extLst>
+        </p:spPr>
+        <p:txBody>
+          <a:bodyPr lIns="0" tIns="0" rIns="0" bIns="0"/>
+          <a:lstStyle/>
+          <a:p>
+            <a:endParaRPr lang="en-US"/>
+          </a:p>
+        </p:txBody>
+      </p:sp>
+      <p:sp>
+        <p:nvSpPr>
+          <p:cNvPr id="37901" name="Rectangle 13"/>
+          <p:cNvSpPr>
+            <a:spLocks/>
+          </p:cNvSpPr>
+          <p:nvPr/>
+        </p:nvSpPr>
+        <p:spPr bwMode="auto">
+          <a:xfrm>
+            <a:off x="2606353" y="837813"/>
+            <a:ext cx="128378" cy="276999"/>
+          </a:xfrm>
+          <a:prstGeom prst="rect">
+            <a:avLst/>
+          </a:prstGeom>
+          <a:noFill/>
+          <a:ln>
+            <a:noFill/>
+          </a:ln>
+          <a:extLst>
+            <a:ext uri="{909E8E84-426E-40dd-AFC4-6F175D3DCCD1}">
+              <a14:hiddenFill xmlns:a14="http://schemas.microsoft.com/office/drawing/2010/main">
+                <a:solidFill>
+                  <a:srgbClr val="FFFFFF"/>
+                </a:solidFill>
+              </a14:hiddenFill>
+            </a:ext>
+            <a:ext uri="{91240B29-F687-4f45-9708-019B960494DF}">
+              <a14:hiddenLine xmlns:a14="http://schemas.microsoft.com/office/drawing/2010/main" w="12700">
+                <a:solidFill>
+                  <a:schemeClr val="tx1"/>
+                </a:solidFill>
+                <a:miter lim="800000"/>
+                <a:headEnd/>
+                <a:tailEnd/>
+              </a14:hiddenLine>
+            </a:ext>
+          </a:extLst>
+        </p:spPr>
+        <p:txBody>
+          <a:bodyPr wrap="none" lIns="0" tIns="0" rIns="0" bIns="0" anchor="ctr">
+            <a:spAutoFit/>
+          </a:bodyPr>
+          <a:lstStyle/>
+          <a:p>
+            <a:r>
+              <a:rPr lang="en-US">
+                <a:solidFill>
+                  <a:schemeClr val="tx1"/>
+                </a:solidFill>
+                <a:latin typeface="Helvetica" charset="0"/>
+                <a:ea typeface="ＭＳ Ｐゴシック" charset="0"/>
+                <a:cs typeface="ＭＳ Ｐゴシック" charset="0"/>
+                <a:sym typeface="Helvetica" charset="0"/>
+              </a:rPr>
+              <a:t>1</a:t>
+            </a:r>
+          </a:p>
+        </p:txBody>
+      </p:sp>
+      <p:sp>
+        <p:nvSpPr>
+          <p:cNvPr id="37902" name="Rectangle 14"/>
+          <p:cNvSpPr>
+            <a:spLocks/>
+          </p:cNvSpPr>
+          <p:nvPr/>
+        </p:nvSpPr>
+        <p:spPr bwMode="auto">
+          <a:xfrm>
+            <a:off x="4393406" y="2457063"/>
+            <a:ext cx="128378" cy="276999"/>
+          </a:xfrm>
+          <a:prstGeom prst="rect">
+            <a:avLst/>
+          </a:prstGeom>
+          <a:noFill/>
+          <a:ln>
+            <a:noFill/>
+          </a:ln>
+          <a:extLst>
+            <a:ext uri="{909E8E84-426E-40dd-AFC4-6F175D3DCCD1}">
+              <a14:hiddenFill xmlns:a14="http://schemas.microsoft.com/office/drawing/2010/main">
+                <a:solidFill>
+                  <a:srgbClr val="FFFFFF"/>
+                </a:solidFill>
+              </a14:hiddenFill>
+            </a:ext>
+            <a:ext uri="{91240B29-F687-4f45-9708-019B960494DF}">
+              <a14:hiddenLine xmlns:a14="http://schemas.microsoft.com/office/drawing/2010/main" w="12700">
+                <a:solidFill>
+                  <a:schemeClr val="tx1"/>
+                </a:solidFill>
+                <a:miter lim="800000"/>
+                <a:headEnd/>
+                <a:tailEnd/>
+              </a14:hiddenLine>
+            </a:ext>
+          </a:extLst>
+        </p:spPr>
+        <p:txBody>
+          <a:bodyPr wrap="none" lIns="0" tIns="0" rIns="0" bIns="0" anchor="ctr">
+            <a:spAutoFit/>
+          </a:bodyPr>
+          <a:lstStyle/>
+          <a:p>
+            <a:r>
+              <a:rPr lang="en-US">
+                <a:solidFill>
+                  <a:schemeClr val="tx1"/>
+                </a:solidFill>
+                <a:latin typeface="Helvetica" charset="0"/>
+                <a:ea typeface="ＭＳ Ｐゴシック" charset="0"/>
+                <a:cs typeface="ＭＳ Ｐゴシック" charset="0"/>
+                <a:sym typeface="Helvetica" charset="0"/>
+              </a:rPr>
+              <a:t>2</a:t>
+            </a:r>
+          </a:p>
+        </p:txBody>
+      </p:sp>
+      <p:sp>
+        <p:nvSpPr>
+          <p:cNvPr id="37903" name="Rectangle 15"/>
+          <p:cNvSpPr>
+            <a:spLocks/>
+          </p:cNvSpPr>
+          <p:nvPr/>
+        </p:nvSpPr>
+        <p:spPr bwMode="auto">
+          <a:xfrm>
+            <a:off x="5268516" y="3290501"/>
+            <a:ext cx="128378" cy="276999"/>
+          </a:xfrm>
+          <a:prstGeom prst="rect">
+            <a:avLst/>
+          </a:prstGeom>
+          <a:noFill/>
+          <a:ln>
+            <a:noFill/>
+          </a:ln>
+          <a:extLst>
+            <a:ext uri="{909E8E84-426E-40dd-AFC4-6F175D3DCCD1}">
+              <a14:hiddenFill xmlns:a14="http://schemas.microsoft.com/office/drawing/2010/main">
+                <a:solidFill>
+                  <a:srgbClr val="FFFFFF"/>
+                </a:solidFill>
+              </a14:hiddenFill>
+            </a:ext>
+            <a:ext uri="{91240B29-F687-4f45-9708-019B960494DF}">
+              <a14:hiddenLine xmlns:a14="http://schemas.microsoft.com/office/drawing/2010/main" w="12700">
+                <a:solidFill>
+                  <a:schemeClr val="tx1"/>
+                </a:solidFill>
+                <a:miter lim="800000"/>
+                <a:headEnd/>
+                <a:tailEnd/>
+              </a14:hiddenLine>
+            </a:ext>
+          </a:extLst>
+        </p:spPr>
+        <p:txBody>
+          <a:bodyPr wrap="none" lIns="0" tIns="0" rIns="0" bIns="0" anchor="ctr">
+            <a:spAutoFit/>
+          </a:bodyPr>
+          <a:lstStyle/>
+          <a:p>
+            <a:r>
+              <a:rPr lang="en-US">
+                <a:solidFill>
+                  <a:schemeClr val="tx1"/>
+                </a:solidFill>
+                <a:latin typeface="Helvetica" charset="0"/>
+                <a:ea typeface="ＭＳ Ｐゴシック" charset="0"/>
+                <a:cs typeface="ＭＳ Ｐゴシック" charset="0"/>
+                <a:sym typeface="Helvetica" charset="0"/>
+              </a:rPr>
+              <a:t>3</a:t>
+            </a:r>
+          </a:p>
+        </p:txBody>
+      </p:sp>
+      <p:sp>
+        <p:nvSpPr>
+          <p:cNvPr id="37904" name="Rectangle 16"/>
+          <p:cNvSpPr>
+            <a:spLocks/>
+          </p:cNvSpPr>
+          <p:nvPr/>
+        </p:nvSpPr>
+        <p:spPr bwMode="auto">
+          <a:xfrm>
+            <a:off x="6661547" y="1623625"/>
+            <a:ext cx="128378" cy="276999"/>
+          </a:xfrm>
+          <a:prstGeom prst="rect">
+            <a:avLst/>
+          </a:prstGeom>
+          <a:noFill/>
+          <a:ln>
+            <a:noFill/>
+          </a:ln>
+          <a:extLst>
+            <a:ext uri="{909E8E84-426E-40dd-AFC4-6F175D3DCCD1}">
+              <a14:hiddenFill xmlns:a14="http://schemas.microsoft.com/office/drawing/2010/main">
+                <a:solidFill>
+                  <a:srgbClr val="FFFFFF"/>
+                </a:solidFill>
+              </a14:hiddenFill>
+            </a:ext>
+            <a:ext uri="{91240B29-F687-4f45-9708-019B960494DF}">
+              <a14:hiddenLine xmlns:a14="http://schemas.microsoft.com/office/drawing/2010/main" w="12700">
+                <a:solidFill>
+                  <a:schemeClr val="tx1"/>
+                </a:solidFill>
+                <a:miter lim="800000"/>
+                <a:headEnd/>
+                <a:tailEnd/>
+              </a14:hiddenLine>
+            </a:ext>
+          </a:extLst>
+        </p:spPr>
+        <p:txBody>
+          <a:bodyPr wrap="none" lIns="0" tIns="0" rIns="0" bIns="0" anchor="ctr">
+            <a:spAutoFit/>
+          </a:bodyPr>
+          <a:lstStyle/>
+          <a:p>
+            <a:r>
+              <a:rPr lang="en-US">
+                <a:solidFill>
+                  <a:schemeClr val="tx1"/>
+                </a:solidFill>
+                <a:latin typeface="Helvetica" charset="0"/>
+                <a:ea typeface="ＭＳ Ｐゴシック" charset="0"/>
+                <a:cs typeface="ＭＳ Ｐゴシック" charset="0"/>
+                <a:sym typeface="Helvetica" charset="0"/>
+              </a:rPr>
+              <a:t>4</a:t>
+            </a:r>
+          </a:p>
+        </p:txBody>
+      </p:sp>
+      <p:sp>
+        <p:nvSpPr>
+          <p:cNvPr id="37905" name="Rectangle 17"/>
+          <p:cNvSpPr>
+            <a:spLocks/>
+          </p:cNvSpPr>
+          <p:nvPr/>
+        </p:nvSpPr>
+        <p:spPr bwMode="auto">
+          <a:xfrm>
+            <a:off x="6090047" y="5028813"/>
+            <a:ext cx="128378" cy="276999"/>
+          </a:xfrm>
+          <a:prstGeom prst="rect">
+            <a:avLst/>
+          </a:prstGeom>
+          <a:noFill/>
+          <a:ln>
+            <a:noFill/>
+          </a:ln>
+          <a:extLst>
+            <a:ext uri="{909E8E84-426E-40dd-AFC4-6F175D3DCCD1}">
+              <a14:hiddenFill xmlns:a14="http://schemas.microsoft.com/office/drawing/2010/main">
+                <a:solidFill>
+                  <a:srgbClr val="FFFFFF"/>
+                </a:solidFill>
+              </a14:hiddenFill>
+            </a:ext>
+            <a:ext uri="{91240B29-F687-4f45-9708-019B960494DF}">
+              <a14:hiddenLine xmlns:a14="http://schemas.microsoft.com/office/drawing/2010/main" w="12700">
+                <a:solidFill>
+                  <a:schemeClr val="tx1"/>
+                </a:solidFill>
+                <a:miter lim="800000"/>
+                <a:headEnd/>
+                <a:tailEnd/>
+              </a14:hiddenLine>
+            </a:ext>
+          </a:extLst>
+        </p:spPr>
+        <p:txBody>
+          <a:bodyPr wrap="none" lIns="0" tIns="0" rIns="0" bIns="0" anchor="ctr">
+            <a:spAutoFit/>
+          </a:bodyPr>
+          <a:lstStyle/>
+          <a:p>
+            <a:r>
+              <a:rPr lang="en-US">
+                <a:solidFill>
+                  <a:schemeClr val="tx1"/>
+                </a:solidFill>
+                <a:latin typeface="Helvetica" charset="0"/>
+                <a:ea typeface="ＭＳ Ｐゴシック" charset="0"/>
+                <a:cs typeface="ＭＳ Ｐゴシック" charset="0"/>
+                <a:sym typeface="Helvetica" charset="0"/>
+              </a:rPr>
+              <a:t>7</a:t>
+            </a:r>
+          </a:p>
+        </p:txBody>
+      </p:sp>
+      <p:sp>
+        <p:nvSpPr>
+          <p:cNvPr id="37906" name="Rectangle 18"/>
+          <p:cNvSpPr>
+            <a:spLocks/>
+          </p:cNvSpPr>
+          <p:nvPr/>
+        </p:nvSpPr>
+        <p:spPr bwMode="auto">
+          <a:xfrm>
+            <a:off x="4089797" y="4112032"/>
+            <a:ext cx="128378" cy="276999"/>
+          </a:xfrm>
+          <a:prstGeom prst="rect">
+            <a:avLst/>
+          </a:prstGeom>
+          <a:noFill/>
+          <a:ln>
+            <a:noFill/>
+          </a:ln>
+          <a:extLst>
+            <a:ext uri="{909E8E84-426E-40dd-AFC4-6F175D3DCCD1}">
+              <a14:hiddenFill xmlns:a14="http://schemas.microsoft.com/office/drawing/2010/main">
+                <a:solidFill>
+                  <a:srgbClr val="FFFFFF"/>
+                </a:solidFill>
+              </a14:hiddenFill>
+            </a:ext>
+            <a:ext uri="{91240B29-F687-4f45-9708-019B960494DF}">
+              <a14:hiddenLine xmlns:a14="http://schemas.microsoft.com/office/drawing/2010/main" w="12700">
+                <a:solidFill>
+                  <a:schemeClr val="tx1"/>
+                </a:solidFill>
+                <a:miter lim="800000"/>
+                <a:headEnd/>
+                <a:tailEnd/>
+              </a14:hiddenLine>
+            </a:ext>
+          </a:extLst>
+        </p:spPr>
+        <p:txBody>
+          <a:bodyPr wrap="none" lIns="0" tIns="0" rIns="0" bIns="0" anchor="ctr">
+            <a:spAutoFit/>
+          </a:bodyPr>
+          <a:lstStyle/>
+          <a:p>
+            <a:r>
+              <a:rPr lang="en-US">
+                <a:solidFill>
+                  <a:schemeClr val="tx1"/>
+                </a:solidFill>
+                <a:latin typeface="Helvetica" charset="0"/>
+                <a:ea typeface="ＭＳ Ｐゴシック" charset="0"/>
+                <a:cs typeface="ＭＳ Ｐゴシック" charset="0"/>
+                <a:sym typeface="Helvetica" charset="0"/>
+              </a:rPr>
+              <a:t>6</a:t>
+            </a:r>
+          </a:p>
+        </p:txBody>
+      </p:sp>
+      <p:sp>
+        <p:nvSpPr>
+          <p:cNvPr id="37907" name="Rectangle 19"/>
+          <p:cNvSpPr>
+            <a:spLocks/>
+          </p:cNvSpPr>
+          <p:nvPr/>
+        </p:nvSpPr>
+        <p:spPr bwMode="auto">
+          <a:xfrm>
+            <a:off x="2937867" y="4826407"/>
+            <a:ext cx="128378" cy="276999"/>
+          </a:xfrm>
+          <a:prstGeom prst="rect">
+            <a:avLst/>
+          </a:prstGeom>
+          <a:noFill/>
+          <a:ln>
+            <a:noFill/>
+          </a:ln>
+          <a:extLst>
+            <a:ext uri="{909E8E84-426E-40dd-AFC4-6F175D3DCCD1}">
+              <a14:hiddenFill xmlns:a14="http://schemas.microsoft.com/office/drawing/2010/main">
+                <a:solidFill>
+                  <a:srgbClr val="FFFFFF"/>
+                </a:solidFill>
+              </a14:hiddenFill>
+            </a:ext>
+            <a:ext uri="{91240B29-F687-4f45-9708-019B960494DF}">
+              <a14:hiddenLine xmlns:a14="http://schemas.microsoft.com/office/drawing/2010/main" w="12700">
+                <a:solidFill>
+                  <a:schemeClr val="tx1"/>
+                </a:solidFill>
+                <a:miter lim="800000"/>
+                <a:headEnd/>
+                <a:tailEnd/>
+              </a14:hiddenLine>
+            </a:ext>
+          </a:extLst>
+        </p:spPr>
+        <p:txBody>
+          <a:bodyPr wrap="none" lIns="0" tIns="0" rIns="0" bIns="0" anchor="ctr">
+            <a:spAutoFit/>
+          </a:bodyPr>
+          <a:lstStyle/>
+          <a:p>
+            <a:r>
+              <a:rPr lang="en-US">
+                <a:solidFill>
+                  <a:schemeClr val="tx1"/>
+                </a:solidFill>
+                <a:latin typeface="Helvetica" charset="0"/>
+                <a:ea typeface="ＭＳ Ｐゴシック" charset="0"/>
+                <a:cs typeface="ＭＳ Ｐゴシック" charset="0"/>
+                <a:sym typeface="Helvetica" charset="0"/>
+              </a:rPr>
+              <a:t>5</a:t>
+            </a:r>
           </a:p>
         </p:txBody>
       </p:sp>
     </p:spTree>
     <p:extLst>
       <p:ext uri="{BB962C8B-B14F-4D97-AF65-F5344CB8AC3E}">
-        <p14:creationId xmlns:p14="http://schemas.microsoft.com/office/powerpoint/2010/main" val="591296188"/>
+        <p14:creationId xmlns:p14="http://schemas.microsoft.com/office/powerpoint/2010/main" val="734529804"/>
       </p:ext>
     </p:extLst>
   </p:cSld>
   <p:clrMapOvr>
     <a:masterClrMapping/>
   </p:clrMapOvr>
+  <p:transition xmlns:p14="http://schemas.microsoft.com/office/powerpoint/2010/main">
+    <p:fade/>
+  </p:transition>
+  <p:timing>
+    <p:tnLst>
+      <p:par>
+        <p:cTn xmlns:p14="http://schemas.microsoft.com/office/powerpoint/2010/main" id="1" dur="indefinite" restart="never" nodeType="tmRoot"/>
+      </p:par>
+    </p:tnLst>
+  </p:timing>
 </p:sld>
 </file>
 
@@ -3954,7 +8196,11 @@
           <a:bodyPr/>
           <a:lstStyle/>
           <a:p>
-            <a:endParaRPr lang="en-US"/>
+            <a:r>
+              <a:rPr lang="en-US" dirty="0" smtClean="0"/>
+              <a:t>Outline</a:t>
+            </a:r>
+            <a:endParaRPr lang="en-US" dirty="0"/>
           </a:p>
         </p:txBody>
       </p:sp>
@@ -3975,24 +8221,688 @@
           <a:p>
             <a:r>
               <a:rPr lang="en-US" dirty="0" smtClean="0"/>
-              <a:t>Goal</a:t>
+              <a:t>Objectives and Intents</a:t>
             </a:r>
           </a:p>
           <a:p>
             <a:r>
               <a:rPr lang="en-US" dirty="0" smtClean="0"/>
-              <a:t>Questions </a:t>
-            </a:r>
+              <a:t>Graph Database</a:t>
+            </a:r>
+          </a:p>
+          <a:p>
+            <a:r>
+              <a:rPr lang="en-US" dirty="0" smtClean="0"/>
+              <a:t>Modeling</a:t>
+            </a:r>
+          </a:p>
+          <a:p>
+            <a:r>
+              <a:rPr lang="en-US" dirty="0" smtClean="0"/>
+              <a:t>Cypher Query Language</a:t>
+            </a:r>
+          </a:p>
+          <a:p>
+            <a:r>
+              <a:rPr lang="en-US" dirty="0" err="1" smtClean="0"/>
+              <a:t>GraphGist</a:t>
+            </a:r>
+            <a:endParaRPr lang="en-US" dirty="0" smtClean="0"/>
           </a:p>
           <a:p>
             <a:endParaRPr lang="en-US" dirty="0"/>
+          </a:p>
+        </p:txBody>
+      </p:sp>
+      <p:sp>
+        <p:nvSpPr>
+          <p:cNvPr id="4" name="Date Placeholder 3"/>
+          <p:cNvSpPr>
+            <a:spLocks noGrp="1"/>
+          </p:cNvSpPr>
+          <p:nvPr>
+            <p:ph type="dt" sz="half" idx="10"/>
+          </p:nvPr>
+        </p:nvSpPr>
+        <p:spPr/>
+        <p:txBody>
+          <a:bodyPr/>
+          <a:lstStyle/>
+          <a:p>
+            <a:r>
+              <a:rPr lang="en-US" smtClean="0"/>
+              <a:t>9/16/14</a:t>
+            </a:r>
+            <a:endParaRPr lang="en-US"/>
+          </a:p>
+        </p:txBody>
+      </p:sp>
+      <p:sp>
+        <p:nvSpPr>
+          <p:cNvPr id="5" name="Footer Placeholder 4"/>
+          <p:cNvSpPr>
+            <a:spLocks noGrp="1"/>
+          </p:cNvSpPr>
+          <p:nvPr>
+            <p:ph type="ftr" sz="quarter" idx="11"/>
+          </p:nvPr>
+        </p:nvSpPr>
+        <p:spPr/>
+        <p:txBody>
+          <a:bodyPr/>
+          <a:lstStyle/>
+          <a:p>
+            <a:r>
+              <a:rPr lang="en-US" smtClean="0"/>
+              <a:t>Creative Common SA</a:t>
+            </a:r>
+            <a:endParaRPr lang="en-US"/>
+          </a:p>
+        </p:txBody>
+      </p:sp>
+      <p:sp>
+        <p:nvSpPr>
+          <p:cNvPr id="6" name="Slide Number Placeholder 5"/>
+          <p:cNvSpPr>
+            <a:spLocks noGrp="1"/>
+          </p:cNvSpPr>
+          <p:nvPr>
+            <p:ph type="sldNum" sz="quarter" idx="12"/>
+          </p:nvPr>
+        </p:nvSpPr>
+        <p:spPr/>
+        <p:txBody>
+          <a:bodyPr/>
+          <a:lstStyle/>
+          <a:p>
+            <a:fld id="{02968B73-BAA9-8B43-B9A0-F0D59A65CBE2}" type="slidenum">
+              <a:rPr lang="en-US" smtClean="0"/>
+              <a:t>2</a:t>
+            </a:fld>
+            <a:endParaRPr lang="en-US"/>
           </a:p>
         </p:txBody>
       </p:sp>
     </p:spTree>
     <p:extLst>
       <p:ext uri="{BB962C8B-B14F-4D97-AF65-F5344CB8AC3E}">
-        <p14:creationId xmlns:p14="http://schemas.microsoft.com/office/powerpoint/2010/main" val="2055879361"/>
+        <p14:creationId xmlns:p14="http://schemas.microsoft.com/office/powerpoint/2010/main" val="3708215873"/>
+      </p:ext>
+    </p:extLst>
+  </p:cSld>
+  <p:clrMapOvr>
+    <a:masterClrMapping/>
+  </p:clrMapOvr>
+</p:sld>
+</file>
+
+<file path=ppt/slides/slide20.xml><?xml version="1.0" encoding="utf-8"?>
+<p:sld xmlns:a="http://schemas.openxmlformats.org/drawingml/2006/main" xmlns:r="http://schemas.openxmlformats.org/officeDocument/2006/relationships" xmlns:p="http://schemas.openxmlformats.org/presentationml/2006/main">
+  <p:cSld>
+    <p:spTree>
+      <p:nvGrpSpPr>
+        <p:cNvPr id="1" name=""/>
+        <p:cNvGrpSpPr/>
+        <p:nvPr/>
+      </p:nvGrpSpPr>
+      <p:grpSpPr>
+        <a:xfrm>
+          <a:off x="0" y="0"/>
+          <a:ext cx="0" cy="0"/>
+          <a:chOff x="0" y="0"/>
+          <a:chExt cx="0" cy="0"/>
+        </a:xfrm>
+      </p:grpSpPr>
+      <p:sp>
+        <p:nvSpPr>
+          <p:cNvPr id="2" name="Title 1"/>
+          <p:cNvSpPr>
+            <a:spLocks noGrp="1"/>
+          </p:cNvSpPr>
+          <p:nvPr>
+            <p:ph type="title"/>
+          </p:nvPr>
+        </p:nvSpPr>
+        <p:spPr/>
+        <p:txBody>
+          <a:bodyPr>
+            <a:normAutofit/>
+          </a:bodyPr>
+          <a:lstStyle/>
+          <a:p>
+            <a:r>
+              <a:rPr lang="en-US" dirty="0" smtClean="0"/>
+              <a:t>Graph </a:t>
+            </a:r>
+            <a:r>
+              <a:rPr lang="en-US" dirty="0" smtClean="0"/>
+              <a:t>Database</a:t>
+            </a:r>
+            <a:endParaRPr lang="en-US" sz="1200" dirty="0"/>
+          </a:p>
+        </p:txBody>
+      </p:sp>
+      <p:pic>
+        <p:nvPicPr>
+          <p:cNvPr id="7" name="Content Placeholder 6" descr="Screen Shot 2014-08-31 at 1.51.33 PM.png"/>
+          <p:cNvPicPr>
+            <a:picLocks noGrp="1" noChangeAspect="1"/>
+          </p:cNvPicPr>
+          <p:nvPr>
+            <p:ph idx="1"/>
+          </p:nvPr>
+        </p:nvPicPr>
+        <p:blipFill>
+          <a:blip r:embed="rId2">
+            <a:extLst>
+              <a:ext uri="{28A0092B-C50C-407E-A947-70E740481C1C}">
+                <a14:useLocalDpi xmlns:a14="http://schemas.microsoft.com/office/drawing/2010/main" val="0"/>
+              </a:ext>
+            </a:extLst>
+          </a:blip>
+          <a:srcRect l="6499" r="6499"/>
+          <a:stretch>
+            <a:fillRect/>
+          </a:stretch>
+        </p:blipFill>
+        <p:spPr/>
+      </p:pic>
+      <p:sp>
+        <p:nvSpPr>
+          <p:cNvPr id="4" name="Date Placeholder 3"/>
+          <p:cNvSpPr>
+            <a:spLocks noGrp="1"/>
+          </p:cNvSpPr>
+          <p:nvPr>
+            <p:ph type="dt" sz="half" idx="10"/>
+          </p:nvPr>
+        </p:nvSpPr>
+        <p:spPr/>
+        <p:txBody>
+          <a:bodyPr/>
+          <a:lstStyle/>
+          <a:p>
+            <a:r>
+              <a:rPr lang="en-US" smtClean="0"/>
+              <a:t>9/16/14</a:t>
+            </a:r>
+            <a:endParaRPr lang="en-US"/>
+          </a:p>
+        </p:txBody>
+      </p:sp>
+      <p:sp>
+        <p:nvSpPr>
+          <p:cNvPr id="5" name="Footer Placeholder 4"/>
+          <p:cNvSpPr>
+            <a:spLocks noGrp="1"/>
+          </p:cNvSpPr>
+          <p:nvPr>
+            <p:ph type="ftr" sz="quarter" idx="11"/>
+          </p:nvPr>
+        </p:nvSpPr>
+        <p:spPr/>
+        <p:txBody>
+          <a:bodyPr/>
+          <a:lstStyle/>
+          <a:p>
+            <a:r>
+              <a:rPr lang="en-US" smtClean="0"/>
+              <a:t>Creative Common SA</a:t>
+            </a:r>
+            <a:endParaRPr lang="en-US"/>
+          </a:p>
+        </p:txBody>
+      </p:sp>
+      <p:sp>
+        <p:nvSpPr>
+          <p:cNvPr id="6" name="Slide Number Placeholder 5"/>
+          <p:cNvSpPr>
+            <a:spLocks noGrp="1"/>
+          </p:cNvSpPr>
+          <p:nvPr>
+            <p:ph type="sldNum" sz="quarter" idx="12"/>
+          </p:nvPr>
+        </p:nvSpPr>
+        <p:spPr/>
+        <p:txBody>
+          <a:bodyPr/>
+          <a:lstStyle/>
+          <a:p>
+            <a:fld id="{02968B73-BAA9-8B43-B9A0-F0D59A65CBE2}" type="slidenum">
+              <a:rPr lang="en-US" smtClean="0"/>
+              <a:t>20</a:t>
+            </a:fld>
+            <a:endParaRPr lang="en-US"/>
+          </a:p>
+        </p:txBody>
+      </p:sp>
+    </p:spTree>
+    <p:extLst>
+      <p:ext uri="{BB962C8B-B14F-4D97-AF65-F5344CB8AC3E}">
+        <p14:creationId xmlns:p14="http://schemas.microsoft.com/office/powerpoint/2010/main" val="90298870"/>
+      </p:ext>
+    </p:extLst>
+  </p:cSld>
+  <p:clrMapOvr>
+    <a:masterClrMapping/>
+  </p:clrMapOvr>
+</p:sld>
+</file>
+
+<file path=ppt/slides/slide21.xml><?xml version="1.0" encoding="utf-8"?>
+<p:sld xmlns:a="http://schemas.openxmlformats.org/drawingml/2006/main" xmlns:r="http://schemas.openxmlformats.org/officeDocument/2006/relationships" xmlns:p="http://schemas.openxmlformats.org/presentationml/2006/main">
+  <p:cSld>
+    <p:spTree>
+      <p:nvGrpSpPr>
+        <p:cNvPr id="1" name=""/>
+        <p:cNvGrpSpPr/>
+        <p:nvPr/>
+      </p:nvGrpSpPr>
+      <p:grpSpPr>
+        <a:xfrm>
+          <a:off x="0" y="0"/>
+          <a:ext cx="0" cy="0"/>
+          <a:chOff x="0" y="0"/>
+          <a:chExt cx="0" cy="0"/>
+        </a:xfrm>
+      </p:grpSpPr>
+      <p:sp>
+        <p:nvSpPr>
+          <p:cNvPr id="2" name="Title 1"/>
+          <p:cNvSpPr>
+            <a:spLocks noGrp="1"/>
+          </p:cNvSpPr>
+          <p:nvPr>
+            <p:ph type="title"/>
+          </p:nvPr>
+        </p:nvSpPr>
+        <p:spPr/>
+        <p:txBody>
+          <a:bodyPr/>
+          <a:lstStyle/>
+          <a:p>
+            <a:r>
+              <a:rPr lang="en-US" dirty="0" smtClean="0"/>
+              <a:t>Neo4j</a:t>
+            </a:r>
+            <a:endParaRPr lang="en-US" dirty="0"/>
+          </a:p>
+        </p:txBody>
+      </p:sp>
+      <p:sp>
+        <p:nvSpPr>
+          <p:cNvPr id="3" name="Content Placeholder 2"/>
+          <p:cNvSpPr>
+            <a:spLocks noGrp="1"/>
+          </p:cNvSpPr>
+          <p:nvPr>
+            <p:ph idx="1"/>
+          </p:nvPr>
+        </p:nvSpPr>
+        <p:spPr/>
+        <p:txBody>
+          <a:bodyPr/>
+          <a:lstStyle/>
+          <a:p>
+            <a:endParaRPr lang="en-US"/>
+          </a:p>
+        </p:txBody>
+      </p:sp>
+      <p:sp>
+        <p:nvSpPr>
+          <p:cNvPr id="4" name="Date Placeholder 3"/>
+          <p:cNvSpPr>
+            <a:spLocks noGrp="1"/>
+          </p:cNvSpPr>
+          <p:nvPr>
+            <p:ph type="dt" sz="half" idx="10"/>
+          </p:nvPr>
+        </p:nvSpPr>
+        <p:spPr/>
+        <p:txBody>
+          <a:bodyPr/>
+          <a:lstStyle/>
+          <a:p>
+            <a:r>
+              <a:rPr lang="en-US" smtClean="0"/>
+              <a:t>9/16/14</a:t>
+            </a:r>
+            <a:endParaRPr lang="en-US"/>
+          </a:p>
+        </p:txBody>
+      </p:sp>
+      <p:sp>
+        <p:nvSpPr>
+          <p:cNvPr id="5" name="Footer Placeholder 4"/>
+          <p:cNvSpPr>
+            <a:spLocks noGrp="1"/>
+          </p:cNvSpPr>
+          <p:nvPr>
+            <p:ph type="ftr" sz="quarter" idx="11"/>
+          </p:nvPr>
+        </p:nvSpPr>
+        <p:spPr/>
+        <p:txBody>
+          <a:bodyPr/>
+          <a:lstStyle/>
+          <a:p>
+            <a:r>
+              <a:rPr lang="en-US" smtClean="0"/>
+              <a:t>Creative Common SA</a:t>
+            </a:r>
+            <a:endParaRPr lang="en-US"/>
+          </a:p>
+        </p:txBody>
+      </p:sp>
+      <p:sp>
+        <p:nvSpPr>
+          <p:cNvPr id="6" name="Slide Number Placeholder 5"/>
+          <p:cNvSpPr>
+            <a:spLocks noGrp="1"/>
+          </p:cNvSpPr>
+          <p:nvPr>
+            <p:ph type="sldNum" sz="quarter" idx="12"/>
+          </p:nvPr>
+        </p:nvSpPr>
+        <p:spPr/>
+        <p:txBody>
+          <a:bodyPr/>
+          <a:lstStyle/>
+          <a:p>
+            <a:fld id="{02968B73-BAA9-8B43-B9A0-F0D59A65CBE2}" type="slidenum">
+              <a:rPr lang="en-US" smtClean="0"/>
+              <a:t>21</a:t>
+            </a:fld>
+            <a:endParaRPr lang="en-US"/>
+          </a:p>
+        </p:txBody>
+      </p:sp>
+    </p:spTree>
+    <p:extLst>
+      <p:ext uri="{BB962C8B-B14F-4D97-AF65-F5344CB8AC3E}">
+        <p14:creationId xmlns:p14="http://schemas.microsoft.com/office/powerpoint/2010/main" val="204831253"/>
+      </p:ext>
+    </p:extLst>
+  </p:cSld>
+  <p:clrMapOvr>
+    <a:masterClrMapping/>
+  </p:clrMapOvr>
+</p:sld>
+</file>
+
+<file path=ppt/slides/slide22.xml><?xml version="1.0" encoding="utf-8"?>
+<p:sld xmlns:a="http://schemas.openxmlformats.org/drawingml/2006/main" xmlns:r="http://schemas.openxmlformats.org/officeDocument/2006/relationships" xmlns:p="http://schemas.openxmlformats.org/presentationml/2006/main">
+  <p:cSld>
+    <p:spTree>
+      <p:nvGrpSpPr>
+        <p:cNvPr id="1" name=""/>
+        <p:cNvGrpSpPr/>
+        <p:nvPr/>
+      </p:nvGrpSpPr>
+      <p:grpSpPr>
+        <a:xfrm>
+          <a:off x="0" y="0"/>
+          <a:ext cx="0" cy="0"/>
+          <a:chOff x="0" y="0"/>
+          <a:chExt cx="0" cy="0"/>
+        </a:xfrm>
+      </p:grpSpPr>
+      <p:sp>
+        <p:nvSpPr>
+          <p:cNvPr id="2" name="Title 1"/>
+          <p:cNvSpPr>
+            <a:spLocks noGrp="1"/>
+          </p:cNvSpPr>
+          <p:nvPr>
+            <p:ph type="title"/>
+          </p:nvPr>
+        </p:nvSpPr>
+        <p:spPr/>
+        <p:txBody>
+          <a:bodyPr/>
+          <a:lstStyle/>
+          <a:p>
+            <a:r>
+              <a:rPr lang="en-US" dirty="0" smtClean="0"/>
+              <a:t>Cypher</a:t>
+            </a:r>
+            <a:endParaRPr lang="en-US" dirty="0"/>
+          </a:p>
+        </p:txBody>
+      </p:sp>
+      <p:sp>
+        <p:nvSpPr>
+          <p:cNvPr id="3" name="Content Placeholder 2"/>
+          <p:cNvSpPr>
+            <a:spLocks noGrp="1"/>
+          </p:cNvSpPr>
+          <p:nvPr>
+            <p:ph idx="1"/>
+          </p:nvPr>
+        </p:nvSpPr>
+        <p:spPr/>
+        <p:txBody>
+          <a:bodyPr/>
+          <a:lstStyle/>
+          <a:p>
+            <a:endParaRPr lang="en-US" dirty="0"/>
+          </a:p>
+        </p:txBody>
+      </p:sp>
+      <p:sp>
+        <p:nvSpPr>
+          <p:cNvPr id="4" name="Date Placeholder 3"/>
+          <p:cNvSpPr>
+            <a:spLocks noGrp="1"/>
+          </p:cNvSpPr>
+          <p:nvPr>
+            <p:ph type="dt" sz="half" idx="10"/>
+          </p:nvPr>
+        </p:nvSpPr>
+        <p:spPr/>
+        <p:txBody>
+          <a:bodyPr/>
+          <a:lstStyle/>
+          <a:p>
+            <a:r>
+              <a:rPr lang="en-US" smtClean="0"/>
+              <a:t>9/16/14</a:t>
+            </a:r>
+            <a:endParaRPr lang="en-US"/>
+          </a:p>
+        </p:txBody>
+      </p:sp>
+      <p:sp>
+        <p:nvSpPr>
+          <p:cNvPr id="5" name="Footer Placeholder 4"/>
+          <p:cNvSpPr>
+            <a:spLocks noGrp="1"/>
+          </p:cNvSpPr>
+          <p:nvPr>
+            <p:ph type="ftr" sz="quarter" idx="11"/>
+          </p:nvPr>
+        </p:nvSpPr>
+        <p:spPr/>
+        <p:txBody>
+          <a:bodyPr/>
+          <a:lstStyle/>
+          <a:p>
+            <a:r>
+              <a:rPr lang="en-US" smtClean="0"/>
+              <a:t>Creative Common SA</a:t>
+            </a:r>
+            <a:endParaRPr lang="en-US"/>
+          </a:p>
+        </p:txBody>
+      </p:sp>
+      <p:sp>
+        <p:nvSpPr>
+          <p:cNvPr id="6" name="Slide Number Placeholder 5"/>
+          <p:cNvSpPr>
+            <a:spLocks noGrp="1"/>
+          </p:cNvSpPr>
+          <p:nvPr>
+            <p:ph type="sldNum" sz="quarter" idx="12"/>
+          </p:nvPr>
+        </p:nvSpPr>
+        <p:spPr/>
+        <p:txBody>
+          <a:bodyPr/>
+          <a:lstStyle/>
+          <a:p>
+            <a:fld id="{02968B73-BAA9-8B43-B9A0-F0D59A65CBE2}" type="slidenum">
+              <a:rPr lang="en-US" smtClean="0"/>
+              <a:t>22</a:t>
+            </a:fld>
+            <a:endParaRPr lang="en-US"/>
+          </a:p>
+        </p:txBody>
+      </p:sp>
+    </p:spTree>
+    <p:extLst>
+      <p:ext uri="{BB962C8B-B14F-4D97-AF65-F5344CB8AC3E}">
+        <p14:creationId xmlns:p14="http://schemas.microsoft.com/office/powerpoint/2010/main" val="373371059"/>
+      </p:ext>
+    </p:extLst>
+  </p:cSld>
+  <p:clrMapOvr>
+    <a:masterClrMapping/>
+  </p:clrMapOvr>
+</p:sld>
+</file>
+
+<file path=ppt/slides/slide23.xml><?xml version="1.0" encoding="utf-8"?>
+<p:sld xmlns:a="http://schemas.openxmlformats.org/drawingml/2006/main" xmlns:r="http://schemas.openxmlformats.org/officeDocument/2006/relationships" xmlns:p="http://schemas.openxmlformats.org/presentationml/2006/main">
+  <p:cSld>
+    <p:spTree>
+      <p:nvGrpSpPr>
+        <p:cNvPr id="1" name=""/>
+        <p:cNvGrpSpPr/>
+        <p:nvPr/>
+      </p:nvGrpSpPr>
+      <p:grpSpPr>
+        <a:xfrm>
+          <a:off x="0" y="0"/>
+          <a:ext cx="0" cy="0"/>
+          <a:chOff x="0" y="0"/>
+          <a:chExt cx="0" cy="0"/>
+        </a:xfrm>
+      </p:grpSpPr>
+      <p:sp>
+        <p:nvSpPr>
+          <p:cNvPr id="2" name="Title 1"/>
+          <p:cNvSpPr>
+            <a:spLocks noGrp="1"/>
+          </p:cNvSpPr>
+          <p:nvPr>
+            <p:ph type="title"/>
+          </p:nvPr>
+        </p:nvSpPr>
+        <p:spPr/>
+        <p:txBody>
+          <a:bodyPr/>
+          <a:lstStyle/>
+          <a:p>
+            <a:r>
+              <a:rPr lang="en-US" dirty="0" smtClean="0"/>
+              <a:t>References</a:t>
+            </a:r>
+            <a:endParaRPr lang="en-US" dirty="0"/>
+          </a:p>
+        </p:txBody>
+      </p:sp>
+      <p:sp>
+        <p:nvSpPr>
+          <p:cNvPr id="3" name="Content Placeholder 2"/>
+          <p:cNvSpPr>
+            <a:spLocks noGrp="1"/>
+          </p:cNvSpPr>
+          <p:nvPr>
+            <p:ph idx="1"/>
+          </p:nvPr>
+        </p:nvSpPr>
+        <p:spPr/>
+        <p:txBody>
+          <a:bodyPr/>
+          <a:lstStyle/>
+          <a:p>
+            <a:endParaRPr lang="en-US" dirty="0"/>
+          </a:p>
+        </p:txBody>
+      </p:sp>
+      <p:sp>
+        <p:nvSpPr>
+          <p:cNvPr id="4" name="Date Placeholder 3"/>
+          <p:cNvSpPr>
+            <a:spLocks noGrp="1"/>
+          </p:cNvSpPr>
+          <p:nvPr>
+            <p:ph type="dt" sz="half" idx="10"/>
+          </p:nvPr>
+        </p:nvSpPr>
+        <p:spPr/>
+        <p:txBody>
+          <a:bodyPr/>
+          <a:lstStyle/>
+          <a:p>
+            <a:r>
+              <a:rPr lang="en-US" smtClean="0"/>
+              <a:t>9/16/14</a:t>
+            </a:r>
+            <a:endParaRPr lang="en-US"/>
+          </a:p>
+        </p:txBody>
+      </p:sp>
+      <p:sp>
+        <p:nvSpPr>
+          <p:cNvPr id="5" name="Footer Placeholder 4"/>
+          <p:cNvSpPr>
+            <a:spLocks noGrp="1"/>
+          </p:cNvSpPr>
+          <p:nvPr>
+            <p:ph type="ftr" sz="quarter" idx="11"/>
+          </p:nvPr>
+        </p:nvSpPr>
+        <p:spPr/>
+        <p:txBody>
+          <a:bodyPr/>
+          <a:lstStyle/>
+          <a:p>
+            <a:r>
+              <a:rPr lang="en-US" smtClean="0"/>
+              <a:t>Creative Common SA</a:t>
+            </a:r>
+            <a:endParaRPr lang="en-US"/>
+          </a:p>
+        </p:txBody>
+      </p:sp>
+      <p:sp>
+        <p:nvSpPr>
+          <p:cNvPr id="6" name="Slide Number Placeholder 5"/>
+          <p:cNvSpPr>
+            <a:spLocks noGrp="1"/>
+          </p:cNvSpPr>
+          <p:nvPr>
+            <p:ph type="sldNum" sz="quarter" idx="12"/>
+          </p:nvPr>
+        </p:nvSpPr>
+        <p:spPr/>
+        <p:txBody>
+          <a:bodyPr/>
+          <a:lstStyle/>
+          <a:p>
+            <a:fld id="{02968B73-BAA9-8B43-B9A0-F0D59A65CBE2}" type="slidenum">
+              <a:rPr lang="en-US" smtClean="0"/>
+              <a:t>23</a:t>
+            </a:fld>
+            <a:endParaRPr lang="en-US"/>
+          </a:p>
+        </p:txBody>
+      </p:sp>
+    </p:spTree>
+    <p:extLst>
+      <p:ext uri="{BB962C8B-B14F-4D97-AF65-F5344CB8AC3E}">
+        <p14:creationId xmlns:p14="http://schemas.microsoft.com/office/powerpoint/2010/main" val="591296188"/>
       </p:ext>
     </p:extLst>
   </p:cSld>
@@ -4036,7 +8946,7 @@
           <a:p>
             <a:r>
               <a:rPr lang="en-US" dirty="0" smtClean="0"/>
-              <a:t>Outline</a:t>
+              <a:t>Modeling Workflow</a:t>
             </a:r>
             <a:endParaRPr lang="en-US" dirty="0"/>
           </a:p>
@@ -4059,7 +8969,19 @@
           <a:p>
             <a:r>
               <a:rPr lang="en-US" dirty="0" smtClean="0"/>
-              <a:t>Objectives and Intents</a:t>
+              <a:t>Goal</a:t>
+            </a:r>
+          </a:p>
+          <a:p>
+            <a:r>
+              <a:rPr lang="en-US" dirty="0" smtClean="0"/>
+              <a:t>Problem Space</a:t>
+            </a:r>
+          </a:p>
+          <a:p>
+            <a:r>
+              <a:rPr lang="en-US" dirty="0" smtClean="0"/>
+              <a:t>Scenarios and Questions </a:t>
             </a:r>
           </a:p>
           <a:p>
@@ -4071,31 +8993,94 @@
           <a:p>
             <a:r>
               <a:rPr lang="en-US" dirty="0" smtClean="0"/>
-              <a:t>Modeling</a:t>
+              <a:t>Use Cases and Queries</a:t>
             </a:r>
           </a:p>
           <a:p>
             <a:r>
               <a:rPr lang="en-US" dirty="0" smtClean="0"/>
-              <a:t>Cypher Query Language</a:t>
-            </a:r>
-          </a:p>
-          <a:p>
-            <a:r>
-              <a:rPr lang="en-US" dirty="0" err="1" smtClean="0"/>
-              <a:t>GraphGist</a:t>
+              <a:t>Discussion </a:t>
             </a:r>
             <a:endParaRPr lang="en-US" dirty="0" smtClean="0"/>
           </a:p>
           <a:p>
             <a:endParaRPr lang="en-US" dirty="0"/>
+          </a:p>
+        </p:txBody>
+      </p:sp>
+      <p:sp>
+        <p:nvSpPr>
+          <p:cNvPr id="4" name="Date Placeholder 3"/>
+          <p:cNvSpPr>
+            <a:spLocks noGrp="1"/>
+          </p:cNvSpPr>
+          <p:nvPr>
+            <p:ph type="dt" sz="half" idx="10"/>
+          </p:nvPr>
+        </p:nvSpPr>
+        <p:spPr/>
+        <p:txBody>
+          <a:bodyPr/>
+          <a:lstStyle/>
+          <a:p>
+            <a:r>
+              <a:rPr lang="en-US" smtClean="0"/>
+              <a:t>9/16/14</a:t>
+            </a:r>
+            <a:endParaRPr lang="en-US"/>
+          </a:p>
+        </p:txBody>
+      </p:sp>
+      <p:sp>
+        <p:nvSpPr>
+          <p:cNvPr id="5" name="Footer Placeholder 4"/>
+          <p:cNvSpPr>
+            <a:spLocks noGrp="1"/>
+          </p:cNvSpPr>
+          <p:nvPr>
+            <p:ph type="ftr" sz="quarter" idx="11"/>
+          </p:nvPr>
+        </p:nvSpPr>
+        <p:spPr/>
+        <p:txBody>
+          <a:bodyPr/>
+          <a:lstStyle/>
+          <a:p>
+            <a:r>
+              <a:rPr lang="en-US" smtClean="0"/>
+              <a:t>Creative Common SA</a:t>
+            </a:r>
+            <a:endParaRPr lang="en-US"/>
+          </a:p>
+        </p:txBody>
+      </p:sp>
+      <p:sp>
+        <p:nvSpPr>
+          <p:cNvPr id="6" name="Slide Number Placeholder 5"/>
+          <p:cNvSpPr>
+            <a:spLocks noGrp="1"/>
+          </p:cNvSpPr>
+          <p:nvPr>
+            <p:ph type="sldNum" sz="quarter" idx="12"/>
+          </p:nvPr>
+        </p:nvSpPr>
+        <p:spPr/>
+        <p:txBody>
+          <a:bodyPr/>
+          <a:lstStyle/>
+          <a:p>
+            <a:fld id="{02968B73-BAA9-8B43-B9A0-F0D59A65CBE2}" type="slidenum">
+              <a:rPr lang="en-US" smtClean="0"/>
+              <a:t>3</a:t>
+            </a:fld>
+            <a:endParaRPr lang="en-US"/>
           </a:p>
         </p:txBody>
       </p:sp>
     </p:spTree>
     <p:extLst>
       <p:ext uri="{BB962C8B-B14F-4D97-AF65-F5344CB8AC3E}">
-        <p14:creationId xmlns:p14="http://schemas.microsoft.com/office/powerpoint/2010/main" val="3708215873"/>
+        <p14:creationId xmlns:p14="http://schemas.microsoft.com/office/powerpoint/2010/main" val="2055879361"/>
       </p:ext>
     </p:extLst>
   </p:cSld>
@@ -4171,6 +9156,75 @@
           </a:prstGeom>
         </p:spPr>
       </p:pic>
+      <p:sp>
+        <p:nvSpPr>
+          <p:cNvPr id="3" name="Date Placeholder 2"/>
+          <p:cNvSpPr>
+            <a:spLocks noGrp="1"/>
+          </p:cNvSpPr>
+          <p:nvPr>
+            <p:ph type="dt" sz="half" idx="10"/>
+          </p:nvPr>
+        </p:nvSpPr>
+        <p:spPr/>
+        <p:txBody>
+          <a:bodyPr/>
+          <a:lstStyle/>
+          <a:p>
+            <a:r>
+              <a:rPr lang="en-US" smtClean="0"/>
+              <a:t>9/16/14</a:t>
+            </a:r>
+            <a:endParaRPr lang="en-US"/>
+          </a:p>
+        </p:txBody>
+      </p:sp>
+      <p:sp>
+        <p:nvSpPr>
+          <p:cNvPr id="4" name="Footer Placeholder 3"/>
+          <p:cNvSpPr>
+            <a:spLocks noGrp="1"/>
+          </p:cNvSpPr>
+          <p:nvPr>
+            <p:ph type="ftr" sz="quarter" idx="11"/>
+          </p:nvPr>
+        </p:nvSpPr>
+        <p:spPr/>
+        <p:txBody>
+          <a:bodyPr/>
+          <a:lstStyle/>
+          <a:p>
+            <a:r>
+              <a:rPr lang="en-US" smtClean="0"/>
+              <a:t>Creative Common SA</a:t>
+            </a:r>
+            <a:endParaRPr lang="en-US"/>
+          </a:p>
+        </p:txBody>
+      </p:sp>
+      <p:sp>
+        <p:nvSpPr>
+          <p:cNvPr id="5" name="Slide Number Placeholder 4"/>
+          <p:cNvSpPr>
+            <a:spLocks noGrp="1"/>
+          </p:cNvSpPr>
+          <p:nvPr>
+            <p:ph type="sldNum" sz="quarter" idx="12"/>
+          </p:nvPr>
+        </p:nvSpPr>
+        <p:spPr/>
+        <p:txBody>
+          <a:bodyPr/>
+          <a:lstStyle/>
+          <a:p>
+            <a:fld id="{02968B73-BAA9-8B43-B9A0-F0D59A65CBE2}" type="slidenum">
+              <a:rPr lang="en-US" smtClean="0"/>
+              <a:t>4</a:t>
+            </a:fld>
+            <a:endParaRPr lang="en-US"/>
+          </a:p>
+        </p:txBody>
+      </p:sp>
     </p:spTree>
     <p:extLst>
       <p:ext uri="{BB962C8B-B14F-4D97-AF65-F5344CB8AC3E}">
@@ -4218,7 +9272,7 @@
           <a:p>
             <a:r>
               <a:rPr lang="en-US" dirty="0" smtClean="0"/>
-              <a:t>Cypher</a:t>
+              <a:t>Objects in Domain</a:t>
             </a:r>
             <a:endParaRPr lang="en-US" dirty="0"/>
           </a:p>
@@ -4239,14 +9293,137 @@
           <a:bodyPr/>
           <a:lstStyle/>
           <a:p>
+            <a:r>
+              <a:rPr lang="en-US" dirty="0" smtClean="0"/>
+              <a:t>Cities</a:t>
+            </a:r>
+          </a:p>
+          <a:p>
+            <a:pPr lvl="1"/>
+            <a:r>
+              <a:rPr lang="en-US" dirty="0"/>
+              <a:t> </a:t>
+            </a:r>
+            <a:r>
+              <a:rPr lang="en-US" dirty="0" smtClean="0"/>
+              <a:t>name, population</a:t>
+            </a:r>
+          </a:p>
+          <a:p>
+            <a:pPr lvl="1"/>
+            <a:r>
+              <a:rPr lang="en-US" dirty="0"/>
+              <a:t> </a:t>
+            </a:r>
+            <a:r>
+              <a:rPr lang="en-US" dirty="0" smtClean="0"/>
+              <a:t>population growth, incoming workers, out coming workers</a:t>
+            </a:r>
+          </a:p>
+          <a:p>
+            <a:pPr lvl="1"/>
+            <a:r>
+              <a:rPr lang="en-US" dirty="0"/>
+              <a:t> </a:t>
+            </a:r>
+            <a:r>
+              <a:rPr lang="en-US" dirty="0" smtClean="0"/>
+              <a:t>has major facilities (school, airport, sport stadium,..)</a:t>
+            </a:r>
+          </a:p>
+          <a:p>
+            <a:r>
+              <a:rPr lang="en-US" dirty="0" smtClean="0"/>
+              <a:t>Roads connect Cities</a:t>
+            </a:r>
+          </a:p>
+          <a:p>
+            <a:pPr lvl="1"/>
+            <a:r>
+              <a:rPr lang="en-US" dirty="0"/>
+              <a:t> </a:t>
+            </a:r>
+            <a:r>
+              <a:rPr lang="en-US" dirty="0" smtClean="0"/>
+              <a:t>name, distance (length) </a:t>
+            </a:r>
             <a:endParaRPr lang="en-US" dirty="0"/>
+          </a:p>
+        </p:txBody>
+      </p:sp>
+      <p:sp>
+        <p:nvSpPr>
+          <p:cNvPr id="4" name="Date Placeholder 3"/>
+          <p:cNvSpPr>
+            <a:spLocks noGrp="1"/>
+          </p:cNvSpPr>
+          <p:nvPr>
+            <p:ph type="dt" sz="half" idx="10"/>
+          </p:nvPr>
+        </p:nvSpPr>
+        <p:spPr/>
+        <p:txBody>
+          <a:bodyPr/>
+          <a:lstStyle/>
+          <a:p>
+            <a:r>
+              <a:rPr lang="en-US" smtClean="0"/>
+              <a:t>9/16/14</a:t>
+            </a:r>
+            <a:endParaRPr lang="en-US"/>
+          </a:p>
+        </p:txBody>
+      </p:sp>
+      <p:sp>
+        <p:nvSpPr>
+          <p:cNvPr id="5" name="Footer Placeholder 4"/>
+          <p:cNvSpPr>
+            <a:spLocks noGrp="1"/>
+          </p:cNvSpPr>
+          <p:nvPr>
+            <p:ph type="ftr" sz="quarter" idx="11"/>
+          </p:nvPr>
+        </p:nvSpPr>
+        <p:spPr/>
+        <p:txBody>
+          <a:bodyPr/>
+          <a:lstStyle/>
+          <a:p>
+            <a:r>
+              <a:rPr lang="en-US" smtClean="0"/>
+              <a:t>Creative Common SA</a:t>
+            </a:r>
+            <a:endParaRPr lang="en-US"/>
+          </a:p>
+        </p:txBody>
+      </p:sp>
+      <p:sp>
+        <p:nvSpPr>
+          <p:cNvPr id="6" name="Slide Number Placeholder 5"/>
+          <p:cNvSpPr>
+            <a:spLocks noGrp="1"/>
+          </p:cNvSpPr>
+          <p:nvPr>
+            <p:ph type="sldNum" sz="quarter" idx="12"/>
+          </p:nvPr>
+        </p:nvSpPr>
+        <p:spPr/>
+        <p:txBody>
+          <a:bodyPr/>
+          <a:lstStyle/>
+          <a:p>
+            <a:fld id="{02968B73-BAA9-8B43-B9A0-F0D59A65CBE2}" type="slidenum">
+              <a:rPr lang="en-US" smtClean="0"/>
+              <a:t>5</a:t>
+            </a:fld>
+            <a:endParaRPr lang="en-US"/>
           </a:p>
         </p:txBody>
       </p:sp>
     </p:spTree>
     <p:extLst>
       <p:ext uri="{BB962C8B-B14F-4D97-AF65-F5344CB8AC3E}">
-        <p14:creationId xmlns:p14="http://schemas.microsoft.com/office/powerpoint/2010/main" val="373371059"/>
+        <p14:creationId xmlns:p14="http://schemas.microsoft.com/office/powerpoint/2010/main" val="4238288089"/>
       </p:ext>
     </p:extLst>
   </p:cSld>
@@ -4290,89 +9467,109 @@
           <a:p>
             <a:r>
               <a:rPr lang="en-US" dirty="0" smtClean="0"/>
-              <a:t>Objects in Domain</a:t>
+              <a:t>Model – version 0.1 - Simple</a:t>
             </a:r>
             <a:endParaRPr lang="en-US" dirty="0"/>
           </a:p>
         </p:txBody>
       </p:sp>
-      <p:sp>
-        <p:nvSpPr>
-          <p:cNvPr id="3" name="Content Placeholder 2"/>
-          <p:cNvSpPr>
-            <a:spLocks noGrp="1"/>
-          </p:cNvSpPr>
-          <p:nvPr>
-            <p:ph idx="1"/>
-          </p:nvPr>
-        </p:nvSpPr>
-        <p:spPr/>
-        <p:txBody>
-          <a:bodyPr/>
-          <a:lstStyle/>
-          <a:p>
-            <a:r>
-              <a:rPr lang="en-US" dirty="0" smtClean="0"/>
-              <a:t>Cities</a:t>
-            </a:r>
-          </a:p>
-          <a:p>
-            <a:pPr lvl="1"/>
-            <a:r>
-              <a:rPr lang="en-US" dirty="0"/>
-              <a:t> </a:t>
-            </a:r>
-            <a:r>
-              <a:rPr lang="en-US" dirty="0" smtClean="0"/>
-              <a:t>name, population</a:t>
-            </a:r>
-          </a:p>
-          <a:p>
-            <a:pPr lvl="1"/>
-            <a:r>
-              <a:rPr lang="en-US" dirty="0"/>
-              <a:t> </a:t>
-            </a:r>
-            <a:r>
-              <a:rPr lang="en-US" dirty="0" smtClean="0"/>
-              <a:t>population growth, incoming workers, out coming workers</a:t>
-            </a:r>
-          </a:p>
-          <a:p>
-            <a:pPr lvl="1"/>
-            <a:r>
-              <a:rPr lang="en-US" dirty="0"/>
-              <a:t> </a:t>
-            </a:r>
-            <a:r>
-              <a:rPr lang="en-US" dirty="0" smtClean="0"/>
-              <a:t>has major facilities (school, airport, sport stadium,..)</a:t>
-            </a:r>
-          </a:p>
-          <a:p>
-            <a:r>
-              <a:rPr lang="en-US" dirty="0" smtClean="0"/>
-              <a:t>Roads connect Cities</a:t>
-            </a:r>
-          </a:p>
-          <a:p>
-            <a:pPr lvl="1"/>
-            <a:r>
-              <a:rPr lang="en-US" dirty="0"/>
-              <a:t> </a:t>
-            </a:r>
-            <a:r>
-              <a:rPr lang="en-US" dirty="0" smtClean="0"/>
-              <a:t>name, distance (length) </a:t>
-            </a:r>
-            <a:endParaRPr lang="en-US" dirty="0"/>
+      <p:pic>
+        <p:nvPicPr>
+          <p:cNvPr id="4" name="Picture 3"/>
+          <p:cNvPicPr>
+            <a:picLocks noChangeAspect="1"/>
+          </p:cNvPicPr>
+          <p:nvPr/>
+        </p:nvPicPr>
+        <p:blipFill>
+          <a:blip r:embed="rId2"/>
+          <a:stretch>
+            <a:fillRect/>
+          </a:stretch>
+        </p:blipFill>
+        <p:spPr>
+          <a:xfrm>
+            <a:off x="1763412" y="1240528"/>
+            <a:ext cx="5617176" cy="5490472"/>
+          </a:xfrm>
+          <a:prstGeom prst="rect">
+            <a:avLst/>
+          </a:prstGeom>
+        </p:spPr>
+      </p:pic>
+      <p:sp>
+        <p:nvSpPr>
+          <p:cNvPr id="3" name="Date Placeholder 2"/>
+          <p:cNvSpPr>
+            <a:spLocks noGrp="1"/>
+          </p:cNvSpPr>
+          <p:nvPr>
+            <p:ph type="dt" sz="half" idx="10"/>
+          </p:nvPr>
+        </p:nvSpPr>
+        <p:spPr/>
+        <p:txBody>
+          <a:bodyPr/>
+          <a:lstStyle/>
+          <a:p>
+            <a:r>
+              <a:rPr lang="en-US" smtClean="0"/>
+              <a:t>9/16/14</a:t>
+            </a:r>
+            <a:endParaRPr lang="en-US"/>
+          </a:p>
+        </p:txBody>
+      </p:sp>
+      <p:sp>
+        <p:nvSpPr>
+          <p:cNvPr id="5" name="Footer Placeholder 4"/>
+          <p:cNvSpPr>
+            <a:spLocks noGrp="1"/>
+          </p:cNvSpPr>
+          <p:nvPr>
+            <p:ph type="ftr" sz="quarter" idx="11"/>
+          </p:nvPr>
+        </p:nvSpPr>
+        <p:spPr/>
+        <p:txBody>
+          <a:bodyPr/>
+          <a:lstStyle/>
+          <a:p>
+            <a:r>
+              <a:rPr lang="en-US" smtClean="0"/>
+              <a:t>Creative Common SA</a:t>
+            </a:r>
+            <a:endParaRPr lang="en-US"/>
+          </a:p>
+        </p:txBody>
+      </p:sp>
+      <p:sp>
+        <p:nvSpPr>
+          <p:cNvPr id="6" name="Slide Number Placeholder 5"/>
+          <p:cNvSpPr>
+            <a:spLocks noGrp="1"/>
+          </p:cNvSpPr>
+          <p:nvPr>
+            <p:ph type="sldNum" sz="quarter" idx="12"/>
+          </p:nvPr>
+        </p:nvSpPr>
+        <p:spPr/>
+        <p:txBody>
+          <a:bodyPr/>
+          <a:lstStyle/>
+          <a:p>
+            <a:fld id="{02968B73-BAA9-8B43-B9A0-F0D59A65CBE2}" type="slidenum">
+              <a:rPr lang="en-US" smtClean="0"/>
+              <a:t>6</a:t>
+            </a:fld>
+            <a:endParaRPr lang="en-US"/>
           </a:p>
         </p:txBody>
       </p:sp>
     </p:spTree>
     <p:extLst>
       <p:ext uri="{BB962C8B-B14F-4D97-AF65-F5344CB8AC3E}">
-        <p14:creationId xmlns:p14="http://schemas.microsoft.com/office/powerpoint/2010/main" val="4238288089"/>
+        <p14:creationId xmlns:p14="http://schemas.microsoft.com/office/powerpoint/2010/main" val="1731893299"/>
       </p:ext>
     </p:extLst>
   </p:cSld>
@@ -4416,40 +9613,148 @@
           <a:p>
             <a:r>
               <a:rPr lang="en-US" dirty="0" smtClean="0"/>
-              <a:t>Model – version 0.1 - Simple</a:t>
+              <a:t>Cypher Statement - 1</a:t>
             </a:r>
             <a:endParaRPr lang="en-US" dirty="0"/>
           </a:p>
         </p:txBody>
       </p:sp>
-      <p:pic>
-        <p:nvPicPr>
-          <p:cNvPr id="4" name="Picture 3"/>
-          <p:cNvPicPr>
-            <a:picLocks noChangeAspect="1"/>
-          </p:cNvPicPr>
-          <p:nvPr/>
-        </p:nvPicPr>
-        <p:blipFill>
-          <a:blip r:embed="rId2"/>
-          <a:stretch>
-            <a:fillRect/>
-          </a:stretch>
-        </p:blipFill>
-        <p:spPr>
-          <a:xfrm>
-            <a:off x="1763412" y="1240528"/>
-            <a:ext cx="5617176" cy="5490472"/>
-          </a:xfrm>
-          <a:prstGeom prst="rect">
-            <a:avLst/>
-          </a:prstGeom>
-        </p:spPr>
-      </p:pic>
+      <p:sp>
+        <p:nvSpPr>
+          <p:cNvPr id="3" name="Content Placeholder 2"/>
+          <p:cNvSpPr>
+            <a:spLocks noGrp="1"/>
+          </p:cNvSpPr>
+          <p:nvPr>
+            <p:ph idx="1"/>
+          </p:nvPr>
+        </p:nvSpPr>
+        <p:spPr/>
+        <p:txBody>
+          <a:bodyPr/>
+          <a:lstStyle/>
+          <a:p>
+            <a:r>
+              <a:rPr lang="en-US" dirty="0" smtClean="0"/>
+              <a:t>Add cities.</a:t>
+            </a:r>
+          </a:p>
+          <a:p>
+            <a:r>
+              <a:rPr lang="en-US" dirty="0" smtClean="0"/>
+              <a:t>Add </a:t>
+            </a:r>
+            <a:r>
+              <a:rPr lang="en-US" dirty="0" err="1" smtClean="0"/>
+              <a:t>connect_to</a:t>
+            </a:r>
+            <a:r>
+              <a:rPr lang="en-US" dirty="0" smtClean="0"/>
+              <a:t> as relationship between cities.</a:t>
+            </a:r>
+          </a:p>
+          <a:p>
+            <a:r>
+              <a:rPr lang="en-US" dirty="0" smtClean="0"/>
+              <a:t>Verify cities are connected with paths.</a:t>
+            </a:r>
+          </a:p>
+          <a:p>
+            <a:r>
+              <a:rPr lang="en-US" dirty="0" smtClean="0"/>
+              <a:t>Inspect the properties. </a:t>
+            </a:r>
+          </a:p>
+          <a:p>
+            <a:endParaRPr lang="en-US" dirty="0"/>
+          </a:p>
+          <a:p>
+            <a:r>
+              <a:rPr lang="en-US" dirty="0" smtClean="0"/>
+              <a:t>Learning the uses of: CREATE, MATCH, RETURN, MERGE, web console.</a:t>
+            </a:r>
+          </a:p>
+          <a:p>
+            <a:pPr marL="0" indent="0">
+              <a:buNone/>
+            </a:pPr>
+            <a:endParaRPr lang="en-US" dirty="0"/>
+          </a:p>
+        </p:txBody>
+      </p:sp>
+      <p:sp>
+        <p:nvSpPr>
+          <p:cNvPr id="4" name="Date Placeholder 3"/>
+          <p:cNvSpPr>
+            <a:spLocks noGrp="1"/>
+          </p:cNvSpPr>
+          <p:nvPr>
+            <p:ph type="dt" sz="half" idx="10"/>
+          </p:nvPr>
+        </p:nvSpPr>
+        <p:spPr/>
+        <p:txBody>
+          <a:bodyPr/>
+          <a:lstStyle/>
+          <a:p>
+            <a:r>
+              <a:rPr lang="en-US" smtClean="0"/>
+              <a:t>9/16/14</a:t>
+            </a:r>
+            <a:endParaRPr lang="en-US"/>
+          </a:p>
+        </p:txBody>
+      </p:sp>
+      <p:sp>
+        <p:nvSpPr>
+          <p:cNvPr id="5" name="Footer Placeholder 4"/>
+          <p:cNvSpPr>
+            <a:spLocks noGrp="1"/>
+          </p:cNvSpPr>
+          <p:nvPr>
+            <p:ph type="ftr" sz="quarter" idx="11"/>
+          </p:nvPr>
+        </p:nvSpPr>
+        <p:spPr/>
+        <p:txBody>
+          <a:bodyPr/>
+          <a:lstStyle/>
+          <a:p>
+            <a:r>
+              <a:rPr lang="en-US" smtClean="0"/>
+              <a:t>Creative Common SA</a:t>
+            </a:r>
+            <a:endParaRPr lang="en-US"/>
+          </a:p>
+        </p:txBody>
+      </p:sp>
+      <p:sp>
+        <p:nvSpPr>
+          <p:cNvPr id="6" name="Slide Number Placeholder 5"/>
+          <p:cNvSpPr>
+            <a:spLocks noGrp="1"/>
+          </p:cNvSpPr>
+          <p:nvPr>
+            <p:ph type="sldNum" sz="quarter" idx="12"/>
+          </p:nvPr>
+        </p:nvSpPr>
+        <p:spPr/>
+        <p:txBody>
+          <a:bodyPr/>
+          <a:lstStyle/>
+          <a:p>
+            <a:fld id="{02968B73-BAA9-8B43-B9A0-F0D59A65CBE2}" type="slidenum">
+              <a:rPr lang="en-US" smtClean="0"/>
+              <a:t>7</a:t>
+            </a:fld>
+            <a:endParaRPr lang="en-US"/>
+          </a:p>
+        </p:txBody>
+      </p:sp>
     </p:spTree>
     <p:extLst>
       <p:ext uri="{BB962C8B-B14F-4D97-AF65-F5344CB8AC3E}">
-        <p14:creationId xmlns:p14="http://schemas.microsoft.com/office/powerpoint/2010/main" val="1731893299"/>
+        <p14:creationId xmlns:p14="http://schemas.microsoft.com/office/powerpoint/2010/main" val="4285344882"/>
       </p:ext>
     </p:extLst>
   </p:cSld>
@@ -4488,12 +9793,14 @@
         </p:nvSpPr>
         <p:spPr/>
         <p:txBody>
-          <a:bodyPr/>
+          <a:bodyPr>
+            <a:normAutofit fontScale="90000"/>
+          </a:bodyPr>
           <a:lstStyle/>
           <a:p>
             <a:r>
               <a:rPr lang="en-US" dirty="0" smtClean="0"/>
-              <a:t>Cypher Statement - 1</a:t>
+              <a:t>Model – version 0.2 – more Objects</a:t>
             </a:r>
             <a:endParaRPr lang="en-US" dirty="0"/>
           </a:p>
@@ -4514,58 +9821,83 @@
           <a:bodyPr/>
           <a:lstStyle/>
           <a:p>
-            <a:r>
-              <a:rPr lang="en-US" dirty="0" smtClean="0"/>
-              <a:t>Add cities.</a:t>
-            </a:r>
-          </a:p>
-          <a:p>
-            <a:r>
-              <a:rPr lang="en-US" dirty="0" smtClean="0"/>
-              <a:t>Add </a:t>
-            </a:r>
-            <a:r>
-              <a:rPr lang="en-US" dirty="0" err="1" smtClean="0"/>
-              <a:t>connect_to</a:t>
-            </a:r>
-            <a:r>
-              <a:rPr lang="en-US" dirty="0" smtClean="0"/>
-              <a:t> as relationship between cities.</a:t>
-            </a:r>
-          </a:p>
-          <a:p>
-            <a:r>
-              <a:rPr lang="en-US" dirty="0" smtClean="0"/>
-              <a:t>Verify cities are connected with paths.</a:t>
-            </a:r>
-          </a:p>
-          <a:p>
-            <a:r>
-              <a:rPr lang="en-US" dirty="0" smtClean="0"/>
-              <a:t>Inspect the properties. </a:t>
-            </a:r>
-          </a:p>
-          <a:p>
             <a:endParaRPr lang="en-US" dirty="0"/>
           </a:p>
-          <a:p>
-            <a:r>
-              <a:rPr lang="en-US" dirty="0" smtClean="0"/>
-              <a:t>Learning the uses of: CREATE, MATCH, RETURN, MERGE, web console.</a:t>
-            </a:r>
-          </a:p>
-          <a:p>
-            <a:pPr marL="0" indent="0">
-              <a:buNone/>
-            </a:pPr>
-            <a:endParaRPr lang="en-US" dirty="0"/>
+        </p:txBody>
+      </p:sp>
+      <p:sp>
+        <p:nvSpPr>
+          <p:cNvPr id="4" name="Date Placeholder 3"/>
+          <p:cNvSpPr>
+            <a:spLocks noGrp="1"/>
+          </p:cNvSpPr>
+          <p:nvPr>
+            <p:ph type="dt" sz="half" idx="10"/>
+          </p:nvPr>
+        </p:nvSpPr>
+        <p:spPr/>
+        <p:txBody>
+          <a:bodyPr/>
+          <a:lstStyle/>
+          <a:p>
+            <a:r>
+              <a:rPr lang="en-US" smtClean="0"/>
+              <a:t>9/16/14</a:t>
+            </a:r>
+            <a:endParaRPr lang="en-US"/>
+          </a:p>
+        </p:txBody>
+      </p:sp>
+      <p:sp>
+        <p:nvSpPr>
+          <p:cNvPr id="5" name="Footer Placeholder 4"/>
+          <p:cNvSpPr>
+            <a:spLocks noGrp="1"/>
+          </p:cNvSpPr>
+          <p:nvPr>
+            <p:ph type="ftr" sz="quarter" idx="11"/>
+          </p:nvPr>
+        </p:nvSpPr>
+        <p:spPr/>
+        <p:txBody>
+          <a:bodyPr/>
+          <a:lstStyle/>
+          <a:p>
+            <a:r>
+              <a:rPr lang="en-US" smtClean="0"/>
+              <a:t>Creative Common SA</a:t>
+            </a:r>
+            <a:endParaRPr lang="en-US"/>
+          </a:p>
+        </p:txBody>
+      </p:sp>
+      <p:sp>
+        <p:nvSpPr>
+          <p:cNvPr id="6" name="Slide Number Placeholder 5"/>
+          <p:cNvSpPr>
+            <a:spLocks noGrp="1"/>
+          </p:cNvSpPr>
+          <p:nvPr>
+            <p:ph type="sldNum" sz="quarter" idx="12"/>
+          </p:nvPr>
+        </p:nvSpPr>
+        <p:spPr/>
+        <p:txBody>
+          <a:bodyPr/>
+          <a:lstStyle/>
+          <a:p>
+            <a:fld id="{02968B73-BAA9-8B43-B9A0-F0D59A65CBE2}" type="slidenum">
+              <a:rPr lang="en-US" smtClean="0"/>
+              <a:t>8</a:t>
+            </a:fld>
+            <a:endParaRPr lang="en-US"/>
           </a:p>
         </p:txBody>
       </p:sp>
     </p:spTree>
     <p:extLst>
       <p:ext uri="{BB962C8B-B14F-4D97-AF65-F5344CB8AC3E}">
-        <p14:creationId xmlns:p14="http://schemas.microsoft.com/office/powerpoint/2010/main" val="4285344882"/>
+        <p14:creationId xmlns:p14="http://schemas.microsoft.com/office/powerpoint/2010/main" val="54386222"/>
       </p:ext>
     </p:extLst>
   </p:cSld>
@@ -4604,14 +9936,16 @@
         </p:nvSpPr>
         <p:spPr/>
         <p:txBody>
-          <a:bodyPr>
-            <a:normAutofit fontScale="90000"/>
-          </a:bodyPr>
-          <a:lstStyle/>
-          <a:p>
+          <a:bodyPr/>
+          <a:lstStyle/>
+          <a:p>
+            <a:r>
+              <a:rPr lang="en-US" dirty="0"/>
+              <a:t>Cypher Statement - </a:t>
+            </a:r>
             <a:r>
               <a:rPr lang="en-US" dirty="0" smtClean="0"/>
-              <a:t>Model – version 0.2 – more Objects</a:t>
+              <a:t>2</a:t>
             </a:r>
             <a:endParaRPr lang="en-US" dirty="0"/>
           </a:p>
@@ -4632,14 +9966,113 @@
           <a:bodyPr/>
           <a:lstStyle/>
           <a:p>
+            <a:r>
+              <a:rPr lang="en-US" dirty="0" smtClean="0"/>
+              <a:t>Add more objects: </a:t>
+            </a:r>
+          </a:p>
+          <a:p>
+            <a:pPr lvl="1"/>
+            <a:r>
+              <a:rPr lang="en-US" dirty="0" smtClean="0"/>
+              <a:t>Schools, Airport, Stadium.</a:t>
+            </a:r>
+          </a:p>
+          <a:p>
+            <a:r>
+              <a:rPr lang="en-US" dirty="0" smtClean="0"/>
+              <a:t>Connect them with relationships: </a:t>
+            </a:r>
+          </a:p>
+          <a:p>
+            <a:pPr lvl="1"/>
+            <a:r>
+              <a:rPr lang="en-US" dirty="0" smtClean="0"/>
+              <a:t>has.</a:t>
+            </a:r>
+          </a:p>
+          <a:p>
+            <a:r>
+              <a:rPr lang="en-US" dirty="0" smtClean="0"/>
+              <a:t>Use the database to answer some questions.</a:t>
+            </a:r>
             <a:endParaRPr lang="en-US" dirty="0"/>
+          </a:p>
+        </p:txBody>
+      </p:sp>
+      <p:sp>
+        <p:nvSpPr>
+          <p:cNvPr id="4" name="Date Placeholder 3"/>
+          <p:cNvSpPr>
+            <a:spLocks noGrp="1"/>
+          </p:cNvSpPr>
+          <p:nvPr>
+            <p:ph type="dt" sz="half" idx="10"/>
+          </p:nvPr>
+        </p:nvSpPr>
+        <p:spPr/>
+        <p:txBody>
+          <a:bodyPr/>
+          <a:lstStyle/>
+          <a:p>
+            <a:r>
+              <a:rPr lang="en-US" smtClean="0"/>
+              <a:t>9/16/14</a:t>
+            </a:r>
+            <a:endParaRPr lang="en-US"/>
+          </a:p>
+        </p:txBody>
+      </p:sp>
+      <p:sp>
+        <p:nvSpPr>
+          <p:cNvPr id="5" name="Footer Placeholder 4"/>
+          <p:cNvSpPr>
+            <a:spLocks noGrp="1"/>
+          </p:cNvSpPr>
+          <p:nvPr>
+            <p:ph type="ftr" sz="quarter" idx="11"/>
+          </p:nvPr>
+        </p:nvSpPr>
+        <p:spPr/>
+        <p:txBody>
+          <a:bodyPr/>
+          <a:lstStyle/>
+          <a:p>
+            <a:r>
+              <a:rPr lang="en-US" smtClean="0"/>
+              <a:t>Creative Common SA</a:t>
+            </a:r>
+            <a:endParaRPr lang="en-US"/>
+          </a:p>
+        </p:txBody>
+      </p:sp>
+      <p:sp>
+        <p:nvSpPr>
+          <p:cNvPr id="6" name="Slide Number Placeholder 5"/>
+          <p:cNvSpPr>
+            <a:spLocks noGrp="1"/>
+          </p:cNvSpPr>
+          <p:nvPr>
+            <p:ph type="sldNum" sz="quarter" idx="12"/>
+          </p:nvPr>
+        </p:nvSpPr>
+        <p:spPr/>
+        <p:txBody>
+          <a:bodyPr/>
+          <a:lstStyle/>
+          <a:p>
+            <a:fld id="{02968B73-BAA9-8B43-B9A0-F0D59A65CBE2}" type="slidenum">
+              <a:rPr lang="en-US" smtClean="0"/>
+              <a:t>9</a:t>
+            </a:fld>
+            <a:endParaRPr lang="en-US"/>
           </a:p>
         </p:txBody>
       </p:sp>
     </p:spTree>
     <p:extLst>
       <p:ext uri="{BB962C8B-B14F-4D97-AF65-F5344CB8AC3E}">
-        <p14:creationId xmlns:p14="http://schemas.microsoft.com/office/powerpoint/2010/main" val="54386222"/>
+        <p14:creationId xmlns:p14="http://schemas.microsoft.com/office/powerpoint/2010/main" val="924891242"/>
       </p:ext>
     </p:extLst>
   </p:cSld>
@@ -4967,4 +10400,644 @@
   </a:objectDefaults>
   <a:extraClrSchemeLst/>
 </a:theme>
+</file>
+
+<file path=ppt/theme/theme2.xml><?xml version="1.0" encoding="utf-8"?>
+<a:theme xmlns:a="http://schemas.openxmlformats.org/drawingml/2006/main" name="Office Theme">
+  <a:themeElements>
+    <a:clrScheme name="Office">
+      <a:dk1>
+        <a:sysClr val="windowText" lastClr="000000"/>
+      </a:dk1>
+      <a:lt1>
+        <a:sysClr val="window" lastClr="FFFFFF"/>
+      </a:lt1>
+      <a:dk2>
+        <a:srgbClr val="1F497D"/>
+      </a:dk2>
+      <a:lt2>
+        <a:srgbClr val="EEECE1"/>
+      </a:lt2>
+      <a:accent1>
+        <a:srgbClr val="4F81BD"/>
+      </a:accent1>
+      <a:accent2>
+        <a:srgbClr val="C0504D"/>
+      </a:accent2>
+      <a:accent3>
+        <a:srgbClr val="9BBB59"/>
+      </a:accent3>
+      <a:accent4>
+        <a:srgbClr val="8064A2"/>
+      </a:accent4>
+      <a:accent5>
+        <a:srgbClr val="4BACC6"/>
+      </a:accent5>
+      <a:accent6>
+        <a:srgbClr val="F79646"/>
+      </a:accent6>
+      <a:hlink>
+        <a:srgbClr val="0000FF"/>
+      </a:hlink>
+      <a:folHlink>
+        <a:srgbClr val="800080"/>
+      </a:folHlink>
+    </a:clrScheme>
+    <a:fontScheme name="Office">
+      <a:majorFont>
+        <a:latin typeface="Calibri"/>
+        <a:ea typeface=""/>
+        <a:cs typeface=""/>
+        <a:font script="Jpan" typeface="ＭＳ Ｐゴシック"/>
+        <a:font script="Hang" typeface="맑은 고딕"/>
+        <a:font script="Hans" typeface="宋体"/>
+        <a:font script="Hant" typeface="新細明體"/>
+        <a:font script="Arab" typeface="Times New Roman"/>
+        <a:font script="Hebr" typeface="Times New Roman"/>
+        <a:font script="Thai" typeface="Angsana New"/>
+        <a:font script="Ethi" typeface="Nyala"/>
+        <a:font script="Beng" typeface="Vrinda"/>
+        <a:font script="Gujr" typeface="Shruti"/>
+        <a:font script="Khmr" typeface="MoolBoran"/>
+        <a:font script="Knda" typeface="Tunga"/>
+        <a:font script="Guru" typeface="Raavi"/>
+        <a:font script="Cans" typeface="Euphemia"/>
+        <a:font script="Cher" typeface="Plantagenet Cherokee"/>
+        <a:font script="Yiii" typeface="Microsoft Yi Baiti"/>
+        <a:font script="Tibt" typeface="Microsoft Himalaya"/>
+        <a:font script="Thaa" typeface="MV Boli"/>
+        <a:font script="Deva" typeface="Mangal"/>
+        <a:font script="Telu" typeface="Gautami"/>
+        <a:font script="Taml" typeface="Latha"/>
+        <a:font script="Syrc" typeface="Estrangelo Edessa"/>
+        <a:font script="Orya" typeface="Kalinga"/>
+        <a:font script="Mlym" typeface="Kartika"/>
+        <a:font script="Laoo" typeface="DokChampa"/>
+        <a:font script="Sinh" typeface="Iskoola Pota"/>
+        <a:font script="Mong" typeface="Mongolian Baiti"/>
+        <a:font script="Viet" typeface="Times New Roman"/>
+        <a:font script="Uigh" typeface="Microsoft Uighur"/>
+        <a:font script="Geor" typeface="Sylfaen"/>
+      </a:majorFont>
+      <a:minorFont>
+        <a:latin typeface="Calibri"/>
+        <a:ea typeface=""/>
+        <a:cs typeface=""/>
+        <a:font script="Jpan" typeface="ＭＳ Ｐゴシック"/>
+        <a:font script="Hang" typeface="맑은 고딕"/>
+        <a:font script="Hans" typeface="宋体"/>
+        <a:font script="Hant" typeface="新細明體"/>
+        <a:font script="Arab" typeface="Arial"/>
+        <a:font script="Hebr" typeface="Arial"/>
+        <a:font script="Thai" typeface="Cordia New"/>
+        <a:font script="Ethi" typeface="Nyala"/>
+        <a:font script="Beng" typeface="Vrinda"/>
+        <a:font script="Gujr" typeface="Shruti"/>
+        <a:font script="Khmr" typeface="DaunPenh"/>
+        <a:font script="Knda" typeface="Tunga"/>
+        <a:font script="Guru" typeface="Raavi"/>
+        <a:font script="Cans" typeface="Euphemia"/>
+        <a:font script="Cher" typeface="Plantagenet Cherokee"/>
+        <a:font script="Yiii" typeface="Microsoft Yi Baiti"/>
+        <a:font script="Tibt" typeface="Microsoft Himalaya"/>
+        <a:font script="Thaa" typeface="MV Boli"/>
+        <a:font script="Deva" typeface="Mangal"/>
+        <a:font script="Telu" typeface="Gautami"/>
+        <a:font script="Taml" typeface="Latha"/>
+        <a:font script="Syrc" typeface="Estrangelo Edessa"/>
+        <a:font script="Orya" typeface="Kalinga"/>
+        <a:font script="Mlym" typeface="Kartika"/>
+        <a:font script="Laoo" typeface="DokChampa"/>
+        <a:font script="Sinh" typeface="Iskoola Pota"/>
+        <a:font script="Mong" typeface="Mongolian Baiti"/>
+        <a:font script="Viet" typeface="Arial"/>
+        <a:font script="Uigh" typeface="Microsoft Uighur"/>
+        <a:font script="Geor" typeface="Sylfaen"/>
+      </a:minorFont>
+    </a:fontScheme>
+    <a:fmtScheme name="Office">
+      <a:fillStyleLst>
+        <a:solidFill>
+          <a:schemeClr val="phClr"/>
+        </a:solidFill>
+        <a:gradFill rotWithShape="1">
+          <a:gsLst>
+            <a:gs pos="0">
+              <a:schemeClr val="phClr">
+                <a:tint val="50000"/>
+                <a:satMod val="300000"/>
+              </a:schemeClr>
+            </a:gs>
+            <a:gs pos="35000">
+              <a:schemeClr val="phClr">
+                <a:tint val="37000"/>
+                <a:satMod val="300000"/>
+              </a:schemeClr>
+            </a:gs>
+            <a:gs pos="100000">
+              <a:schemeClr val="phClr">
+                <a:tint val="15000"/>
+                <a:satMod val="350000"/>
+              </a:schemeClr>
+            </a:gs>
+          </a:gsLst>
+          <a:lin ang="16200000" scaled="1"/>
+        </a:gradFill>
+        <a:gradFill rotWithShape="1">
+          <a:gsLst>
+            <a:gs pos="0">
+              <a:schemeClr val="phClr">
+                <a:tint val="100000"/>
+                <a:shade val="100000"/>
+                <a:satMod val="130000"/>
+              </a:schemeClr>
+            </a:gs>
+            <a:gs pos="100000">
+              <a:schemeClr val="phClr">
+                <a:tint val="50000"/>
+                <a:shade val="100000"/>
+                <a:satMod val="350000"/>
+              </a:schemeClr>
+            </a:gs>
+          </a:gsLst>
+          <a:lin ang="16200000" scaled="0"/>
+        </a:gradFill>
+      </a:fillStyleLst>
+      <a:lnStyleLst>
+        <a:ln w="9525" cap="flat" cmpd="sng" algn="ctr">
+          <a:solidFill>
+            <a:schemeClr val="phClr">
+              <a:shade val="95000"/>
+              <a:satMod val="105000"/>
+            </a:schemeClr>
+          </a:solidFill>
+          <a:prstDash val="solid"/>
+        </a:ln>
+        <a:ln w="25400" cap="flat" cmpd="sng" algn="ctr">
+          <a:solidFill>
+            <a:schemeClr val="phClr"/>
+          </a:solidFill>
+          <a:prstDash val="solid"/>
+        </a:ln>
+        <a:ln w="38100" cap="flat" cmpd="sng" algn="ctr">
+          <a:solidFill>
+            <a:schemeClr val="phClr"/>
+          </a:solidFill>
+          <a:prstDash val="solid"/>
+        </a:ln>
+      </a:lnStyleLst>
+      <a:effectStyleLst>
+        <a:effectStyle>
+          <a:effectLst>
+            <a:outerShdw blurRad="40000" dist="20000" dir="5400000" rotWithShape="0">
+              <a:srgbClr val="000000">
+                <a:alpha val="38000"/>
+              </a:srgbClr>
+            </a:outerShdw>
+          </a:effectLst>
+        </a:effectStyle>
+        <a:effectStyle>
+          <a:effectLst>
+            <a:outerShdw blurRad="40000" dist="23000" dir="5400000" rotWithShape="0">
+              <a:srgbClr val="000000">
+                <a:alpha val="35000"/>
+              </a:srgbClr>
+            </a:outerShdw>
+          </a:effectLst>
+        </a:effectStyle>
+        <a:effectStyle>
+          <a:effectLst>
+            <a:outerShdw blurRad="40000" dist="23000" dir="5400000" rotWithShape="0">
+              <a:srgbClr val="000000">
+                <a:alpha val="35000"/>
+              </a:srgbClr>
+            </a:outerShdw>
+          </a:effectLst>
+          <a:scene3d>
+            <a:camera prst="orthographicFront">
+              <a:rot lat="0" lon="0" rev="0"/>
+            </a:camera>
+            <a:lightRig rig="threePt" dir="t">
+              <a:rot lat="0" lon="0" rev="1200000"/>
+            </a:lightRig>
+          </a:scene3d>
+          <a:sp3d>
+            <a:bevelT w="63500" h="25400"/>
+          </a:sp3d>
+        </a:effectStyle>
+      </a:effectStyleLst>
+      <a:bgFillStyleLst>
+        <a:solidFill>
+          <a:schemeClr val="phClr"/>
+        </a:solidFill>
+        <a:gradFill rotWithShape="1">
+          <a:gsLst>
+            <a:gs pos="0">
+              <a:schemeClr val="phClr">
+                <a:tint val="40000"/>
+                <a:satMod val="350000"/>
+              </a:schemeClr>
+            </a:gs>
+            <a:gs pos="40000">
+              <a:schemeClr val="phClr">
+                <a:tint val="45000"/>
+                <a:shade val="99000"/>
+                <a:satMod val="350000"/>
+              </a:schemeClr>
+            </a:gs>
+            <a:gs pos="100000">
+              <a:schemeClr val="phClr">
+                <a:shade val="20000"/>
+                <a:satMod val="255000"/>
+              </a:schemeClr>
+            </a:gs>
+          </a:gsLst>
+          <a:path path="circle">
+            <a:fillToRect l="50000" t="-80000" r="50000" b="180000"/>
+          </a:path>
+        </a:gradFill>
+        <a:gradFill rotWithShape="1">
+          <a:gsLst>
+            <a:gs pos="0">
+              <a:schemeClr val="phClr">
+                <a:tint val="80000"/>
+                <a:satMod val="300000"/>
+              </a:schemeClr>
+            </a:gs>
+            <a:gs pos="100000">
+              <a:schemeClr val="phClr">
+                <a:shade val="30000"/>
+                <a:satMod val="200000"/>
+              </a:schemeClr>
+            </a:gs>
+          </a:gsLst>
+          <a:path path="circle">
+            <a:fillToRect l="50000" t="50000" r="50000" b="50000"/>
+          </a:path>
+        </a:gradFill>
+      </a:bgFillStyleLst>
+    </a:fmtScheme>
+  </a:themeElements>
+  <a:objectDefaults>
+    <a:spDef>
+      <a:spPr/>
+      <a:bodyPr/>
+      <a:lstStyle/>
+      <a:style>
+        <a:lnRef idx="1">
+          <a:schemeClr val="accent1"/>
+        </a:lnRef>
+        <a:fillRef idx="3">
+          <a:schemeClr val="accent1"/>
+        </a:fillRef>
+        <a:effectRef idx="2">
+          <a:schemeClr val="accent1"/>
+        </a:effectRef>
+        <a:fontRef idx="minor">
+          <a:schemeClr val="lt1"/>
+        </a:fontRef>
+      </a:style>
+    </a:spDef>
+    <a:lnDef>
+      <a:spPr/>
+      <a:bodyPr/>
+      <a:lstStyle/>
+      <a:style>
+        <a:lnRef idx="2">
+          <a:schemeClr val="accent1"/>
+        </a:lnRef>
+        <a:fillRef idx="0">
+          <a:schemeClr val="accent1"/>
+        </a:fillRef>
+        <a:effectRef idx="1">
+          <a:schemeClr val="accent1"/>
+        </a:effectRef>
+        <a:fontRef idx="minor">
+          <a:schemeClr val="tx1"/>
+        </a:fontRef>
+      </a:style>
+    </a:lnDef>
+  </a:objectDefaults>
+  <a:extraClrSchemeLst/>
+</a:theme>
+</file>
+
+<file path=ppt/theme/theme3.xml><?xml version="1.0" encoding="utf-8"?>
+<a:theme xmlns:a="http://schemas.openxmlformats.org/drawingml/2006/main" name="Office Theme">
+  <a:themeElements>
+    <a:clrScheme name="Office">
+      <a:dk1>
+        <a:sysClr val="windowText" lastClr="000000"/>
+      </a:dk1>
+      <a:lt1>
+        <a:sysClr val="window" lastClr="FFFFFF"/>
+      </a:lt1>
+      <a:dk2>
+        <a:srgbClr val="1F497D"/>
+      </a:dk2>
+      <a:lt2>
+        <a:srgbClr val="EEECE1"/>
+      </a:lt2>
+      <a:accent1>
+        <a:srgbClr val="4F81BD"/>
+      </a:accent1>
+      <a:accent2>
+        <a:srgbClr val="C0504D"/>
+      </a:accent2>
+      <a:accent3>
+        <a:srgbClr val="9BBB59"/>
+      </a:accent3>
+      <a:accent4>
+        <a:srgbClr val="8064A2"/>
+      </a:accent4>
+      <a:accent5>
+        <a:srgbClr val="4BACC6"/>
+      </a:accent5>
+      <a:accent6>
+        <a:srgbClr val="F79646"/>
+      </a:accent6>
+      <a:hlink>
+        <a:srgbClr val="0000FF"/>
+      </a:hlink>
+      <a:folHlink>
+        <a:srgbClr val="800080"/>
+      </a:folHlink>
+    </a:clrScheme>
+    <a:fontScheme name="Office">
+      <a:majorFont>
+        <a:latin typeface="Calibri"/>
+        <a:ea typeface=""/>
+        <a:cs typeface=""/>
+        <a:font script="Jpan" typeface="ＭＳ Ｐゴシック"/>
+        <a:font script="Hang" typeface="맑은 고딕"/>
+        <a:font script="Hans" typeface="宋体"/>
+        <a:font script="Hant" typeface="新細明體"/>
+        <a:font script="Arab" typeface="Times New Roman"/>
+        <a:font script="Hebr" typeface="Times New Roman"/>
+        <a:font script="Thai" typeface="Angsana New"/>
+        <a:font script="Ethi" typeface="Nyala"/>
+        <a:font script="Beng" typeface="Vrinda"/>
+        <a:font script="Gujr" typeface="Shruti"/>
+        <a:font script="Khmr" typeface="MoolBoran"/>
+        <a:font script="Knda" typeface="Tunga"/>
+        <a:font script="Guru" typeface="Raavi"/>
+        <a:font script="Cans" typeface="Euphemia"/>
+        <a:font script="Cher" typeface="Plantagenet Cherokee"/>
+        <a:font script="Yiii" typeface="Microsoft Yi Baiti"/>
+        <a:font script="Tibt" typeface="Microsoft Himalaya"/>
+        <a:font script="Thaa" typeface="MV Boli"/>
+        <a:font script="Deva" typeface="Mangal"/>
+        <a:font script="Telu" typeface="Gautami"/>
+        <a:font script="Taml" typeface="Latha"/>
+        <a:font script="Syrc" typeface="Estrangelo Edessa"/>
+        <a:font script="Orya" typeface="Kalinga"/>
+        <a:font script="Mlym" typeface="Kartika"/>
+        <a:font script="Laoo" typeface="DokChampa"/>
+        <a:font script="Sinh" typeface="Iskoola Pota"/>
+        <a:font script="Mong" typeface="Mongolian Baiti"/>
+        <a:font script="Viet" typeface="Times New Roman"/>
+        <a:font script="Uigh" typeface="Microsoft Uighur"/>
+        <a:font script="Geor" typeface="Sylfaen"/>
+      </a:majorFont>
+      <a:minorFont>
+        <a:latin typeface="Calibri"/>
+        <a:ea typeface=""/>
+        <a:cs typeface=""/>
+        <a:font script="Jpan" typeface="ＭＳ Ｐゴシック"/>
+        <a:font script="Hang" typeface="맑은 고딕"/>
+        <a:font script="Hans" typeface="宋体"/>
+        <a:font script="Hant" typeface="新細明體"/>
+        <a:font script="Arab" typeface="Arial"/>
+        <a:font script="Hebr" typeface="Arial"/>
+        <a:font script="Thai" typeface="Cordia New"/>
+        <a:font script="Ethi" typeface="Nyala"/>
+        <a:font script="Beng" typeface="Vrinda"/>
+        <a:font script="Gujr" typeface="Shruti"/>
+        <a:font script="Khmr" typeface="DaunPenh"/>
+        <a:font script="Knda" typeface="Tunga"/>
+        <a:font script="Guru" typeface="Raavi"/>
+        <a:font script="Cans" typeface="Euphemia"/>
+        <a:font script="Cher" typeface="Plantagenet Cherokee"/>
+        <a:font script="Yiii" typeface="Microsoft Yi Baiti"/>
+        <a:font script="Tibt" typeface="Microsoft Himalaya"/>
+        <a:font script="Thaa" typeface="MV Boli"/>
+        <a:font script="Deva" typeface="Mangal"/>
+        <a:font script="Telu" typeface="Gautami"/>
+        <a:font script="Taml" typeface="Latha"/>
+        <a:font script="Syrc" typeface="Estrangelo Edessa"/>
+        <a:font script="Orya" typeface="Kalinga"/>
+        <a:font script="Mlym" typeface="Kartika"/>
+        <a:font script="Laoo" typeface="DokChampa"/>
+        <a:font script="Sinh" typeface="Iskoola Pota"/>
+        <a:font script="Mong" typeface="Mongolian Baiti"/>
+        <a:font script="Viet" typeface="Arial"/>
+        <a:font script="Uigh" typeface="Microsoft Uighur"/>
+        <a:font script="Geor" typeface="Sylfaen"/>
+      </a:minorFont>
+    </a:fontScheme>
+    <a:fmtScheme name="Office">
+      <a:fillStyleLst>
+        <a:solidFill>
+          <a:schemeClr val="phClr"/>
+        </a:solidFill>
+        <a:gradFill rotWithShape="1">
+          <a:gsLst>
+            <a:gs pos="0">
+              <a:schemeClr val="phClr">
+                <a:tint val="50000"/>
+                <a:satMod val="300000"/>
+              </a:schemeClr>
+            </a:gs>
+            <a:gs pos="35000">
+              <a:schemeClr val="phClr">
+                <a:tint val="37000"/>
+                <a:satMod val="300000"/>
+              </a:schemeClr>
+            </a:gs>
+            <a:gs pos="100000">
+              <a:schemeClr val="phClr">
+                <a:tint val="15000"/>
+                <a:satMod val="350000"/>
+              </a:schemeClr>
+            </a:gs>
+          </a:gsLst>
+          <a:lin ang="16200000" scaled="1"/>
+        </a:gradFill>
+        <a:gradFill rotWithShape="1">
+          <a:gsLst>
+            <a:gs pos="0">
+              <a:schemeClr val="phClr">
+                <a:tint val="100000"/>
+                <a:shade val="100000"/>
+                <a:satMod val="130000"/>
+              </a:schemeClr>
+            </a:gs>
+            <a:gs pos="100000">
+              <a:schemeClr val="phClr">
+                <a:tint val="50000"/>
+                <a:shade val="100000"/>
+                <a:satMod val="350000"/>
+              </a:schemeClr>
+            </a:gs>
+          </a:gsLst>
+          <a:lin ang="16200000" scaled="0"/>
+        </a:gradFill>
+      </a:fillStyleLst>
+      <a:lnStyleLst>
+        <a:ln w="9525" cap="flat" cmpd="sng" algn="ctr">
+          <a:solidFill>
+            <a:schemeClr val="phClr">
+              <a:shade val="95000"/>
+              <a:satMod val="105000"/>
+            </a:schemeClr>
+          </a:solidFill>
+          <a:prstDash val="solid"/>
+        </a:ln>
+        <a:ln w="25400" cap="flat" cmpd="sng" algn="ctr">
+          <a:solidFill>
+            <a:schemeClr val="phClr"/>
+          </a:solidFill>
+          <a:prstDash val="solid"/>
+        </a:ln>
+        <a:ln w="38100" cap="flat" cmpd="sng" algn="ctr">
+          <a:solidFill>
+            <a:schemeClr val="phClr"/>
+          </a:solidFill>
+          <a:prstDash val="solid"/>
+        </a:ln>
+      </a:lnStyleLst>
+      <a:effectStyleLst>
+        <a:effectStyle>
+          <a:effectLst>
+            <a:outerShdw blurRad="40000" dist="20000" dir="5400000" rotWithShape="0">
+              <a:srgbClr val="000000">
+                <a:alpha val="38000"/>
+              </a:srgbClr>
+            </a:outerShdw>
+          </a:effectLst>
+        </a:effectStyle>
+        <a:effectStyle>
+          <a:effectLst>
+            <a:outerShdw blurRad="40000" dist="23000" dir="5400000" rotWithShape="0">
+              <a:srgbClr val="000000">
+                <a:alpha val="35000"/>
+              </a:srgbClr>
+            </a:outerShdw>
+          </a:effectLst>
+        </a:effectStyle>
+        <a:effectStyle>
+          <a:effectLst>
+            <a:outerShdw blurRad="40000" dist="23000" dir="5400000" rotWithShape="0">
+              <a:srgbClr val="000000">
+                <a:alpha val="35000"/>
+              </a:srgbClr>
+            </a:outerShdw>
+          </a:effectLst>
+          <a:scene3d>
+            <a:camera prst="orthographicFront">
+              <a:rot lat="0" lon="0" rev="0"/>
+            </a:camera>
+            <a:lightRig rig="threePt" dir="t">
+              <a:rot lat="0" lon="0" rev="1200000"/>
+            </a:lightRig>
+          </a:scene3d>
+          <a:sp3d>
+            <a:bevelT w="63500" h="25400"/>
+          </a:sp3d>
+        </a:effectStyle>
+      </a:effectStyleLst>
+      <a:bgFillStyleLst>
+        <a:solidFill>
+          <a:schemeClr val="phClr"/>
+        </a:solidFill>
+        <a:gradFill rotWithShape="1">
+          <a:gsLst>
+            <a:gs pos="0">
+              <a:schemeClr val="phClr">
+                <a:tint val="40000"/>
+                <a:satMod val="350000"/>
+              </a:schemeClr>
+            </a:gs>
+            <a:gs pos="40000">
+              <a:schemeClr val="phClr">
+                <a:tint val="45000"/>
+                <a:shade val="99000"/>
+                <a:satMod val="350000"/>
+              </a:schemeClr>
+            </a:gs>
+            <a:gs pos="100000">
+              <a:schemeClr val="phClr">
+                <a:shade val="20000"/>
+                <a:satMod val="255000"/>
+              </a:schemeClr>
+            </a:gs>
+          </a:gsLst>
+          <a:path path="circle">
+            <a:fillToRect l="50000" t="-80000" r="50000" b="180000"/>
+          </a:path>
+        </a:gradFill>
+        <a:gradFill rotWithShape="1">
+          <a:gsLst>
+            <a:gs pos="0">
+              <a:schemeClr val="phClr">
+                <a:tint val="80000"/>
+                <a:satMod val="300000"/>
+              </a:schemeClr>
+            </a:gs>
+            <a:gs pos="100000">
+              <a:schemeClr val="phClr">
+                <a:shade val="30000"/>
+                <a:satMod val="200000"/>
+              </a:schemeClr>
+            </a:gs>
+          </a:gsLst>
+          <a:path path="circle">
+            <a:fillToRect l="50000" t="50000" r="50000" b="50000"/>
+          </a:path>
+        </a:gradFill>
+      </a:bgFillStyleLst>
+    </a:fmtScheme>
+  </a:themeElements>
+  <a:objectDefaults>
+    <a:spDef>
+      <a:spPr/>
+      <a:bodyPr/>
+      <a:lstStyle/>
+      <a:style>
+        <a:lnRef idx="1">
+          <a:schemeClr val="accent1"/>
+        </a:lnRef>
+        <a:fillRef idx="3">
+          <a:schemeClr val="accent1"/>
+        </a:fillRef>
+        <a:effectRef idx="2">
+          <a:schemeClr val="accent1"/>
+        </a:effectRef>
+        <a:fontRef idx="minor">
+          <a:schemeClr val="lt1"/>
+        </a:fontRef>
+      </a:style>
+    </a:spDef>
+    <a:lnDef>
+      <a:spPr/>
+      <a:bodyPr/>
+      <a:lstStyle/>
+      <a:style>
+        <a:lnRef idx="2">
+          <a:schemeClr val="accent1"/>
+        </a:lnRef>
+        <a:fillRef idx="0">
+          <a:schemeClr val="accent1"/>
+        </a:fillRef>
+        <a:effectRef idx="1">
+          <a:schemeClr val="accent1"/>
+        </a:effectRef>
+        <a:fontRef idx="minor">
+          <a:schemeClr val="tx1"/>
+        </a:fontRef>
+      </a:style>
+    </a:lnDef>
+  </a:objectDefaults>
+  <a:extraClrSchemeLst/>
+</a:theme>
 </file>